--- a/動的計画法/DP.pptx
+++ b/動的計画法/DP.pptx
@@ -5,7 +5,7 @@
     <p:sldMasterId id="2147483648" r:id="rId1"/>
   </p:sldMasterIdLst>
   <p:notesMasterIdLst>
-    <p:notesMasterId r:id="rId23"/>
+    <p:notesMasterId r:id="rId24"/>
   </p:notesMasterIdLst>
   <p:sldIdLst>
     <p:sldId id="257" r:id="rId2"/>
@@ -29,6 +29,7 @@
     <p:sldId id="277" r:id="rId20"/>
     <p:sldId id="278" r:id="rId21"/>
     <p:sldId id="279" r:id="rId22"/>
+    <p:sldId id="280" r:id="rId23"/>
   </p:sldIdLst>
   <p:sldSz cx="12192000" cy="6858000"/>
   <p:notesSz cx="6858000" cy="9144000"/>
@@ -135,6 +136,5826 @@
 </p:presentation>
 </file>
 
+<file path=ppt/diagrams/colors1.xml><?xml version="1.0" encoding="utf-8"?>
+<dgm:colorsDef xmlns:dgm="http://schemas.openxmlformats.org/drawingml/2006/diagram" xmlns:a="http://schemas.openxmlformats.org/drawingml/2006/main" uniqueId="urn:microsoft.com/office/officeart/2005/8/colors/accent1_2">
+  <dgm:title val=""/>
+  <dgm:desc val=""/>
+  <dgm:catLst>
+    <dgm:cat type="accent1" pri="11200"/>
+  </dgm:catLst>
+  <dgm:styleLbl name="node0">
+    <dgm:fillClrLst meth="repeat">
+      <a:schemeClr val="accent1"/>
+    </dgm:fillClrLst>
+    <dgm:linClrLst meth="repeat">
+      <a:schemeClr val="lt1"/>
+    </dgm:linClrLst>
+    <dgm:effectClrLst/>
+    <dgm:txLinClrLst/>
+    <dgm:txFillClrLst/>
+    <dgm:txEffectClrLst/>
+  </dgm:styleLbl>
+  <dgm:styleLbl name="alignNode1">
+    <dgm:fillClrLst meth="repeat">
+      <a:schemeClr val="accent1"/>
+    </dgm:fillClrLst>
+    <dgm:linClrLst meth="repeat">
+      <a:schemeClr val="accent1"/>
+    </dgm:linClrLst>
+    <dgm:effectClrLst/>
+    <dgm:txLinClrLst/>
+    <dgm:txFillClrLst/>
+    <dgm:txEffectClrLst/>
+  </dgm:styleLbl>
+  <dgm:styleLbl name="node1">
+    <dgm:fillClrLst meth="repeat">
+      <a:schemeClr val="accent1"/>
+    </dgm:fillClrLst>
+    <dgm:linClrLst meth="repeat">
+      <a:schemeClr val="lt1"/>
+    </dgm:linClrLst>
+    <dgm:effectClrLst/>
+    <dgm:txLinClrLst/>
+    <dgm:txFillClrLst/>
+    <dgm:txEffectClrLst/>
+  </dgm:styleLbl>
+  <dgm:styleLbl name="lnNode1">
+    <dgm:fillClrLst meth="repeat">
+      <a:schemeClr val="accent1"/>
+    </dgm:fillClrLst>
+    <dgm:linClrLst meth="repeat">
+      <a:schemeClr val="lt1"/>
+    </dgm:linClrLst>
+    <dgm:effectClrLst/>
+    <dgm:txLinClrLst/>
+    <dgm:txFillClrLst/>
+    <dgm:txEffectClrLst/>
+  </dgm:styleLbl>
+  <dgm:styleLbl name="vennNode1">
+    <dgm:fillClrLst meth="repeat">
+      <a:schemeClr val="accent1">
+        <a:alpha val="50000"/>
+      </a:schemeClr>
+    </dgm:fillClrLst>
+    <dgm:linClrLst meth="repeat">
+      <a:schemeClr val="lt1"/>
+    </dgm:linClrLst>
+    <dgm:effectClrLst/>
+    <dgm:txLinClrLst/>
+    <dgm:txFillClrLst/>
+    <dgm:txEffectClrLst/>
+  </dgm:styleLbl>
+  <dgm:styleLbl name="node2">
+    <dgm:fillClrLst meth="repeat">
+      <a:schemeClr val="accent1"/>
+    </dgm:fillClrLst>
+    <dgm:linClrLst meth="repeat">
+      <a:schemeClr val="lt1"/>
+    </dgm:linClrLst>
+    <dgm:effectClrLst/>
+    <dgm:txLinClrLst/>
+    <dgm:txFillClrLst/>
+    <dgm:txEffectClrLst/>
+  </dgm:styleLbl>
+  <dgm:styleLbl name="node3">
+    <dgm:fillClrLst meth="repeat">
+      <a:schemeClr val="accent1"/>
+    </dgm:fillClrLst>
+    <dgm:linClrLst meth="repeat">
+      <a:schemeClr val="lt1"/>
+    </dgm:linClrLst>
+    <dgm:effectClrLst/>
+    <dgm:txLinClrLst/>
+    <dgm:txFillClrLst/>
+    <dgm:txEffectClrLst/>
+  </dgm:styleLbl>
+  <dgm:styleLbl name="node4">
+    <dgm:fillClrLst meth="repeat">
+      <a:schemeClr val="accent1"/>
+    </dgm:fillClrLst>
+    <dgm:linClrLst meth="repeat">
+      <a:schemeClr val="lt1"/>
+    </dgm:linClrLst>
+    <dgm:effectClrLst/>
+    <dgm:txLinClrLst/>
+    <dgm:txFillClrLst/>
+    <dgm:txEffectClrLst/>
+  </dgm:styleLbl>
+  <dgm:styleLbl name="fgImgPlace1">
+    <dgm:fillClrLst meth="repeat">
+      <a:schemeClr val="accent1">
+        <a:tint val="50000"/>
+      </a:schemeClr>
+    </dgm:fillClrLst>
+    <dgm:linClrLst meth="repeat">
+      <a:schemeClr val="lt1"/>
+    </dgm:linClrLst>
+    <dgm:effectClrLst/>
+    <dgm:txLinClrLst/>
+    <dgm:txFillClrLst meth="repeat">
+      <a:schemeClr val="lt1"/>
+    </dgm:txFillClrLst>
+    <dgm:txEffectClrLst/>
+  </dgm:styleLbl>
+  <dgm:styleLbl name="alignImgPlace1">
+    <dgm:fillClrLst meth="repeat">
+      <a:schemeClr val="accent1">
+        <a:tint val="50000"/>
+      </a:schemeClr>
+    </dgm:fillClrLst>
+    <dgm:linClrLst meth="repeat">
+      <a:schemeClr val="lt1"/>
+    </dgm:linClrLst>
+    <dgm:effectClrLst/>
+    <dgm:txLinClrLst/>
+    <dgm:txFillClrLst meth="repeat">
+      <a:schemeClr val="lt1"/>
+    </dgm:txFillClrLst>
+    <dgm:txEffectClrLst/>
+  </dgm:styleLbl>
+  <dgm:styleLbl name="bgImgPlace1">
+    <dgm:fillClrLst meth="repeat">
+      <a:schemeClr val="accent1">
+        <a:tint val="50000"/>
+      </a:schemeClr>
+    </dgm:fillClrLst>
+    <dgm:linClrLst meth="repeat">
+      <a:schemeClr val="lt1"/>
+    </dgm:linClrLst>
+    <dgm:effectClrLst/>
+    <dgm:txLinClrLst/>
+    <dgm:txFillClrLst meth="repeat">
+      <a:schemeClr val="lt1"/>
+    </dgm:txFillClrLst>
+    <dgm:txEffectClrLst/>
+  </dgm:styleLbl>
+  <dgm:styleLbl name="sibTrans2D1">
+    <dgm:fillClrLst meth="repeat">
+      <a:schemeClr val="accent1">
+        <a:tint val="60000"/>
+      </a:schemeClr>
+    </dgm:fillClrLst>
+    <dgm:linClrLst meth="repeat">
+      <a:schemeClr val="accent1">
+        <a:tint val="60000"/>
+      </a:schemeClr>
+    </dgm:linClrLst>
+    <dgm:effectClrLst/>
+    <dgm:txLinClrLst/>
+    <dgm:txFillClrLst/>
+    <dgm:txEffectClrLst/>
+  </dgm:styleLbl>
+  <dgm:styleLbl name="fgSibTrans2D1">
+    <dgm:fillClrLst meth="repeat">
+      <a:schemeClr val="accent1">
+        <a:tint val="60000"/>
+      </a:schemeClr>
+    </dgm:fillClrLst>
+    <dgm:linClrLst meth="repeat">
+      <a:schemeClr val="accent1">
+        <a:tint val="60000"/>
+      </a:schemeClr>
+    </dgm:linClrLst>
+    <dgm:effectClrLst/>
+    <dgm:txLinClrLst/>
+    <dgm:txFillClrLst/>
+    <dgm:txEffectClrLst/>
+  </dgm:styleLbl>
+  <dgm:styleLbl name="bgSibTrans2D1">
+    <dgm:fillClrLst meth="repeat">
+      <a:schemeClr val="accent1">
+        <a:tint val="60000"/>
+      </a:schemeClr>
+    </dgm:fillClrLst>
+    <dgm:linClrLst meth="repeat">
+      <a:schemeClr val="accent1">
+        <a:tint val="60000"/>
+      </a:schemeClr>
+    </dgm:linClrLst>
+    <dgm:effectClrLst/>
+    <dgm:txLinClrLst/>
+    <dgm:txFillClrLst/>
+    <dgm:txEffectClrLst/>
+  </dgm:styleLbl>
+  <dgm:styleLbl name="sibTrans1D1">
+    <dgm:fillClrLst meth="repeat">
+      <a:schemeClr val="accent1"/>
+    </dgm:fillClrLst>
+    <dgm:linClrLst meth="repeat">
+      <a:schemeClr val="accent1"/>
+    </dgm:linClrLst>
+    <dgm:effectClrLst/>
+    <dgm:txLinClrLst/>
+    <dgm:txFillClrLst meth="repeat">
+      <a:schemeClr val="tx1"/>
+    </dgm:txFillClrLst>
+    <dgm:txEffectClrLst/>
+  </dgm:styleLbl>
+  <dgm:styleLbl name="callout">
+    <dgm:fillClrLst meth="repeat">
+      <a:schemeClr val="accent1"/>
+    </dgm:fillClrLst>
+    <dgm:linClrLst meth="repeat">
+      <a:schemeClr val="accent1">
+        <a:tint val="50000"/>
+      </a:schemeClr>
+    </dgm:linClrLst>
+    <dgm:effectClrLst/>
+    <dgm:txLinClrLst/>
+    <dgm:txFillClrLst meth="repeat">
+      <a:schemeClr val="tx1"/>
+    </dgm:txFillClrLst>
+    <dgm:txEffectClrLst/>
+  </dgm:styleLbl>
+  <dgm:styleLbl name="asst0">
+    <dgm:fillClrLst meth="repeat">
+      <a:schemeClr val="accent1"/>
+    </dgm:fillClrLst>
+    <dgm:linClrLst meth="repeat">
+      <a:schemeClr val="lt1"/>
+    </dgm:linClrLst>
+    <dgm:effectClrLst/>
+    <dgm:txLinClrLst/>
+    <dgm:txFillClrLst/>
+    <dgm:txEffectClrLst/>
+  </dgm:styleLbl>
+  <dgm:styleLbl name="asst1">
+    <dgm:fillClrLst meth="repeat">
+      <a:schemeClr val="accent1"/>
+    </dgm:fillClrLst>
+    <dgm:linClrLst meth="repeat">
+      <a:schemeClr val="lt1"/>
+    </dgm:linClrLst>
+    <dgm:effectClrLst/>
+    <dgm:txLinClrLst/>
+    <dgm:txFillClrLst/>
+    <dgm:txEffectClrLst/>
+  </dgm:styleLbl>
+  <dgm:styleLbl name="asst2">
+    <dgm:fillClrLst meth="repeat">
+      <a:schemeClr val="accent1"/>
+    </dgm:fillClrLst>
+    <dgm:linClrLst meth="repeat">
+      <a:schemeClr val="lt1"/>
+    </dgm:linClrLst>
+    <dgm:effectClrLst/>
+    <dgm:txLinClrLst/>
+    <dgm:txFillClrLst/>
+    <dgm:txEffectClrLst/>
+  </dgm:styleLbl>
+  <dgm:styleLbl name="asst3">
+    <dgm:fillClrLst meth="repeat">
+      <a:schemeClr val="accent1"/>
+    </dgm:fillClrLst>
+    <dgm:linClrLst meth="repeat">
+      <a:schemeClr val="lt1"/>
+    </dgm:linClrLst>
+    <dgm:effectClrLst/>
+    <dgm:txLinClrLst/>
+    <dgm:txFillClrLst/>
+    <dgm:txEffectClrLst/>
+  </dgm:styleLbl>
+  <dgm:styleLbl name="asst4">
+    <dgm:fillClrLst meth="repeat">
+      <a:schemeClr val="accent1"/>
+    </dgm:fillClrLst>
+    <dgm:linClrLst meth="repeat">
+      <a:schemeClr val="lt1"/>
+    </dgm:linClrLst>
+    <dgm:effectClrLst/>
+    <dgm:txLinClrLst/>
+    <dgm:txFillClrLst/>
+    <dgm:txEffectClrLst/>
+  </dgm:styleLbl>
+  <dgm:styleLbl name="parChTrans2D1">
+    <dgm:fillClrLst meth="repeat">
+      <a:schemeClr val="accent1">
+        <a:tint val="60000"/>
+      </a:schemeClr>
+    </dgm:fillClrLst>
+    <dgm:linClrLst meth="repeat">
+      <a:schemeClr val="accent1">
+        <a:tint val="60000"/>
+      </a:schemeClr>
+    </dgm:linClrLst>
+    <dgm:effectClrLst/>
+    <dgm:txLinClrLst/>
+    <dgm:txFillClrLst meth="repeat">
+      <a:schemeClr val="lt1"/>
+    </dgm:txFillClrLst>
+    <dgm:txEffectClrLst/>
+  </dgm:styleLbl>
+  <dgm:styleLbl name="parChTrans2D2">
+    <dgm:fillClrLst meth="repeat">
+      <a:schemeClr val="accent1"/>
+    </dgm:fillClrLst>
+    <dgm:linClrLst meth="repeat">
+      <a:schemeClr val="accent1"/>
+    </dgm:linClrLst>
+    <dgm:effectClrLst/>
+    <dgm:txLinClrLst/>
+    <dgm:txFillClrLst meth="repeat">
+      <a:schemeClr val="lt1"/>
+    </dgm:txFillClrLst>
+    <dgm:txEffectClrLst/>
+  </dgm:styleLbl>
+  <dgm:styleLbl name="parChTrans2D3">
+    <dgm:fillClrLst meth="repeat">
+      <a:schemeClr val="accent1"/>
+    </dgm:fillClrLst>
+    <dgm:linClrLst meth="repeat">
+      <a:schemeClr val="accent1"/>
+    </dgm:linClrLst>
+    <dgm:effectClrLst/>
+    <dgm:txLinClrLst/>
+    <dgm:txFillClrLst meth="repeat">
+      <a:schemeClr val="lt1"/>
+    </dgm:txFillClrLst>
+    <dgm:txEffectClrLst/>
+  </dgm:styleLbl>
+  <dgm:styleLbl name="parChTrans2D4">
+    <dgm:fillClrLst meth="repeat">
+      <a:schemeClr val="accent1"/>
+    </dgm:fillClrLst>
+    <dgm:linClrLst meth="repeat">
+      <a:schemeClr val="accent1"/>
+    </dgm:linClrLst>
+    <dgm:effectClrLst/>
+    <dgm:txLinClrLst/>
+    <dgm:txFillClrLst meth="repeat">
+      <a:schemeClr val="lt1"/>
+    </dgm:txFillClrLst>
+    <dgm:txEffectClrLst/>
+  </dgm:styleLbl>
+  <dgm:styleLbl name="parChTrans1D1">
+    <dgm:fillClrLst meth="repeat">
+      <a:schemeClr val="accent1"/>
+    </dgm:fillClrLst>
+    <dgm:linClrLst meth="repeat">
+      <a:schemeClr val="accent1">
+        <a:shade val="60000"/>
+      </a:schemeClr>
+    </dgm:linClrLst>
+    <dgm:effectClrLst/>
+    <dgm:txLinClrLst/>
+    <dgm:txFillClrLst meth="repeat">
+      <a:schemeClr val="tx1"/>
+    </dgm:txFillClrLst>
+    <dgm:txEffectClrLst/>
+  </dgm:styleLbl>
+  <dgm:styleLbl name="parChTrans1D2">
+    <dgm:fillClrLst meth="repeat">
+      <a:schemeClr val="accent1"/>
+    </dgm:fillClrLst>
+    <dgm:linClrLst meth="repeat">
+      <a:schemeClr val="accent1">
+        <a:shade val="60000"/>
+      </a:schemeClr>
+    </dgm:linClrLst>
+    <dgm:effectClrLst/>
+    <dgm:txLinClrLst/>
+    <dgm:txFillClrLst meth="repeat">
+      <a:schemeClr val="tx1"/>
+    </dgm:txFillClrLst>
+    <dgm:txEffectClrLst/>
+  </dgm:styleLbl>
+  <dgm:styleLbl name="parChTrans1D3">
+    <dgm:fillClrLst meth="repeat">
+      <a:schemeClr val="accent1"/>
+    </dgm:fillClrLst>
+    <dgm:linClrLst meth="repeat">
+      <a:schemeClr val="accent1">
+        <a:shade val="80000"/>
+      </a:schemeClr>
+    </dgm:linClrLst>
+    <dgm:effectClrLst/>
+    <dgm:txLinClrLst/>
+    <dgm:txFillClrLst meth="repeat">
+      <a:schemeClr val="tx1"/>
+    </dgm:txFillClrLst>
+    <dgm:txEffectClrLst/>
+  </dgm:styleLbl>
+  <dgm:styleLbl name="parChTrans1D4">
+    <dgm:fillClrLst meth="repeat">
+      <a:schemeClr val="accent1"/>
+    </dgm:fillClrLst>
+    <dgm:linClrLst meth="repeat">
+      <a:schemeClr val="accent1">
+        <a:shade val="80000"/>
+      </a:schemeClr>
+    </dgm:linClrLst>
+    <dgm:effectClrLst/>
+    <dgm:txLinClrLst/>
+    <dgm:txFillClrLst meth="repeat">
+      <a:schemeClr val="tx1"/>
+    </dgm:txFillClrLst>
+    <dgm:txEffectClrLst/>
+  </dgm:styleLbl>
+  <dgm:styleLbl name="fgAcc1">
+    <dgm:fillClrLst meth="repeat">
+      <a:schemeClr val="lt1">
+        <a:alpha val="90000"/>
+      </a:schemeClr>
+    </dgm:fillClrLst>
+    <dgm:linClrLst meth="repeat">
+      <a:schemeClr val="accent1"/>
+    </dgm:linClrLst>
+    <dgm:effectClrLst/>
+    <dgm:txLinClrLst/>
+    <dgm:txFillClrLst meth="repeat">
+      <a:schemeClr val="dk1"/>
+    </dgm:txFillClrLst>
+    <dgm:txEffectClrLst/>
+  </dgm:styleLbl>
+  <dgm:styleLbl name="conFgAcc1">
+    <dgm:fillClrLst meth="repeat">
+      <a:schemeClr val="lt1">
+        <a:alpha val="90000"/>
+      </a:schemeClr>
+    </dgm:fillClrLst>
+    <dgm:linClrLst meth="repeat">
+      <a:schemeClr val="accent1"/>
+    </dgm:linClrLst>
+    <dgm:effectClrLst/>
+    <dgm:txLinClrLst/>
+    <dgm:txFillClrLst meth="repeat">
+      <a:schemeClr val="dk1"/>
+    </dgm:txFillClrLst>
+    <dgm:txEffectClrLst/>
+  </dgm:styleLbl>
+  <dgm:styleLbl name="alignAcc1">
+    <dgm:fillClrLst meth="repeat">
+      <a:schemeClr val="lt1">
+        <a:alpha val="90000"/>
+      </a:schemeClr>
+    </dgm:fillClrLst>
+    <dgm:linClrLst meth="repeat">
+      <a:schemeClr val="accent1"/>
+    </dgm:linClrLst>
+    <dgm:effectClrLst/>
+    <dgm:txLinClrLst/>
+    <dgm:txFillClrLst meth="repeat">
+      <a:schemeClr val="dk1"/>
+    </dgm:txFillClrLst>
+    <dgm:txEffectClrLst/>
+  </dgm:styleLbl>
+  <dgm:styleLbl name="trAlignAcc1">
+    <dgm:fillClrLst meth="repeat">
+      <a:schemeClr val="lt1">
+        <a:alpha val="40000"/>
+      </a:schemeClr>
+    </dgm:fillClrLst>
+    <dgm:linClrLst meth="repeat">
+      <a:schemeClr val="accent1"/>
+    </dgm:linClrLst>
+    <dgm:effectClrLst/>
+    <dgm:txLinClrLst/>
+    <dgm:txFillClrLst meth="repeat">
+      <a:schemeClr val="dk1"/>
+    </dgm:txFillClrLst>
+    <dgm:txEffectClrLst/>
+  </dgm:styleLbl>
+  <dgm:styleLbl name="bgAcc1">
+    <dgm:fillClrLst meth="repeat">
+      <a:schemeClr val="lt1">
+        <a:alpha val="90000"/>
+      </a:schemeClr>
+    </dgm:fillClrLst>
+    <dgm:linClrLst meth="repeat">
+      <a:schemeClr val="accent1"/>
+    </dgm:linClrLst>
+    <dgm:effectClrLst/>
+    <dgm:txLinClrLst/>
+    <dgm:txFillClrLst meth="repeat">
+      <a:schemeClr val="dk1"/>
+    </dgm:txFillClrLst>
+    <dgm:txEffectClrLst/>
+  </dgm:styleLbl>
+  <dgm:styleLbl name="solidFgAcc1">
+    <dgm:fillClrLst meth="repeat">
+      <a:schemeClr val="lt1"/>
+    </dgm:fillClrLst>
+    <dgm:linClrLst meth="repeat">
+      <a:schemeClr val="accent1"/>
+    </dgm:linClrLst>
+    <dgm:effectClrLst/>
+    <dgm:txLinClrLst/>
+    <dgm:txFillClrLst meth="repeat">
+      <a:schemeClr val="dk1"/>
+    </dgm:txFillClrLst>
+    <dgm:txEffectClrLst/>
+  </dgm:styleLbl>
+  <dgm:styleLbl name="solidAlignAcc1">
+    <dgm:fillClrLst meth="repeat">
+      <a:schemeClr val="lt1"/>
+    </dgm:fillClrLst>
+    <dgm:linClrLst meth="repeat">
+      <a:schemeClr val="accent1"/>
+    </dgm:linClrLst>
+    <dgm:effectClrLst/>
+    <dgm:txLinClrLst/>
+    <dgm:txFillClrLst meth="repeat">
+      <a:schemeClr val="dk1"/>
+    </dgm:txFillClrLst>
+    <dgm:txEffectClrLst/>
+  </dgm:styleLbl>
+  <dgm:styleLbl name="solidBgAcc1">
+    <dgm:fillClrLst meth="repeat">
+      <a:schemeClr val="lt1"/>
+    </dgm:fillClrLst>
+    <dgm:linClrLst meth="repeat">
+      <a:schemeClr val="accent1"/>
+    </dgm:linClrLst>
+    <dgm:effectClrLst/>
+    <dgm:txLinClrLst/>
+    <dgm:txFillClrLst meth="repeat">
+      <a:schemeClr val="dk1"/>
+    </dgm:txFillClrLst>
+    <dgm:txEffectClrLst/>
+  </dgm:styleLbl>
+  <dgm:styleLbl name="fgAccFollowNode1">
+    <dgm:fillClrLst meth="repeat">
+      <a:schemeClr val="accent1">
+        <a:alpha val="90000"/>
+        <a:tint val="40000"/>
+      </a:schemeClr>
+    </dgm:fillClrLst>
+    <dgm:linClrLst meth="repeat">
+      <a:schemeClr val="accent1">
+        <a:alpha val="90000"/>
+        <a:tint val="40000"/>
+      </a:schemeClr>
+    </dgm:linClrLst>
+    <dgm:effectClrLst/>
+    <dgm:txLinClrLst/>
+    <dgm:txFillClrLst meth="repeat">
+      <a:schemeClr val="dk1"/>
+    </dgm:txFillClrLst>
+    <dgm:txEffectClrLst/>
+  </dgm:styleLbl>
+  <dgm:styleLbl name="alignAccFollowNode1">
+    <dgm:fillClrLst meth="repeat">
+      <a:schemeClr val="accent1">
+        <a:alpha val="90000"/>
+        <a:tint val="40000"/>
+      </a:schemeClr>
+    </dgm:fillClrLst>
+    <dgm:linClrLst meth="repeat">
+      <a:schemeClr val="accent1">
+        <a:alpha val="90000"/>
+        <a:tint val="40000"/>
+      </a:schemeClr>
+    </dgm:linClrLst>
+    <dgm:effectClrLst/>
+    <dgm:txLinClrLst/>
+    <dgm:txFillClrLst meth="repeat">
+      <a:schemeClr val="dk1"/>
+    </dgm:txFillClrLst>
+    <dgm:txEffectClrLst/>
+  </dgm:styleLbl>
+  <dgm:styleLbl name="bgAccFollowNode1">
+    <dgm:fillClrLst meth="repeat">
+      <a:schemeClr val="accent1">
+        <a:alpha val="90000"/>
+        <a:tint val="40000"/>
+      </a:schemeClr>
+    </dgm:fillClrLst>
+    <dgm:linClrLst meth="repeat">
+      <a:schemeClr val="accent1">
+        <a:alpha val="90000"/>
+        <a:tint val="40000"/>
+      </a:schemeClr>
+    </dgm:linClrLst>
+    <dgm:effectClrLst/>
+    <dgm:txLinClrLst/>
+    <dgm:txFillClrLst meth="repeat">
+      <a:schemeClr val="dk1"/>
+    </dgm:txFillClrLst>
+    <dgm:txEffectClrLst/>
+  </dgm:styleLbl>
+  <dgm:styleLbl name="fgAcc0">
+    <dgm:fillClrLst meth="repeat">
+      <a:schemeClr val="lt1">
+        <a:alpha val="90000"/>
+      </a:schemeClr>
+    </dgm:fillClrLst>
+    <dgm:linClrLst meth="repeat">
+      <a:schemeClr val="accent1"/>
+    </dgm:linClrLst>
+    <dgm:effectClrLst/>
+    <dgm:txLinClrLst/>
+    <dgm:txFillClrLst meth="repeat">
+      <a:schemeClr val="dk1"/>
+    </dgm:txFillClrLst>
+    <dgm:txEffectClrLst/>
+  </dgm:styleLbl>
+  <dgm:styleLbl name="fgAcc2">
+    <dgm:fillClrLst meth="repeat">
+      <a:schemeClr val="lt1">
+        <a:alpha val="90000"/>
+      </a:schemeClr>
+    </dgm:fillClrLst>
+    <dgm:linClrLst meth="repeat">
+      <a:schemeClr val="accent1"/>
+    </dgm:linClrLst>
+    <dgm:effectClrLst/>
+    <dgm:txLinClrLst/>
+    <dgm:txFillClrLst meth="repeat">
+      <a:schemeClr val="dk1"/>
+    </dgm:txFillClrLst>
+    <dgm:txEffectClrLst/>
+  </dgm:styleLbl>
+  <dgm:styleLbl name="fgAcc3">
+    <dgm:fillClrLst meth="repeat">
+      <a:schemeClr val="lt1">
+        <a:alpha val="90000"/>
+      </a:schemeClr>
+    </dgm:fillClrLst>
+    <dgm:linClrLst meth="repeat">
+      <a:schemeClr val="accent1"/>
+    </dgm:linClrLst>
+    <dgm:effectClrLst/>
+    <dgm:txLinClrLst/>
+    <dgm:txFillClrLst meth="repeat">
+      <a:schemeClr val="dk1"/>
+    </dgm:txFillClrLst>
+    <dgm:txEffectClrLst/>
+  </dgm:styleLbl>
+  <dgm:styleLbl name="fgAcc4">
+    <dgm:fillClrLst meth="repeat">
+      <a:schemeClr val="lt1">
+        <a:alpha val="90000"/>
+      </a:schemeClr>
+    </dgm:fillClrLst>
+    <dgm:linClrLst meth="repeat">
+      <a:schemeClr val="accent1"/>
+    </dgm:linClrLst>
+    <dgm:effectClrLst/>
+    <dgm:txLinClrLst/>
+    <dgm:txFillClrLst meth="repeat">
+      <a:schemeClr val="dk1"/>
+    </dgm:txFillClrLst>
+    <dgm:txEffectClrLst/>
+  </dgm:styleLbl>
+  <dgm:styleLbl name="bgShp">
+    <dgm:fillClrLst meth="repeat">
+      <a:schemeClr val="accent1">
+        <a:tint val="40000"/>
+      </a:schemeClr>
+    </dgm:fillClrLst>
+    <dgm:linClrLst meth="repeat">
+      <a:schemeClr val="accent1"/>
+    </dgm:linClrLst>
+    <dgm:effectClrLst/>
+    <dgm:txLinClrLst/>
+    <dgm:txFillClrLst meth="repeat">
+      <a:schemeClr val="dk1"/>
+    </dgm:txFillClrLst>
+    <dgm:txEffectClrLst/>
+  </dgm:styleLbl>
+  <dgm:styleLbl name="dkBgShp">
+    <dgm:fillClrLst meth="repeat">
+      <a:schemeClr val="accent1">
+        <a:shade val="80000"/>
+      </a:schemeClr>
+    </dgm:fillClrLst>
+    <dgm:linClrLst meth="repeat">
+      <a:schemeClr val="accent1"/>
+    </dgm:linClrLst>
+    <dgm:effectClrLst/>
+    <dgm:txLinClrLst/>
+    <dgm:txFillClrLst meth="repeat">
+      <a:schemeClr val="lt1"/>
+    </dgm:txFillClrLst>
+    <dgm:txEffectClrLst/>
+  </dgm:styleLbl>
+  <dgm:styleLbl name="trBgShp">
+    <dgm:fillClrLst meth="repeat">
+      <a:schemeClr val="accent1">
+        <a:tint val="50000"/>
+        <a:alpha val="40000"/>
+      </a:schemeClr>
+    </dgm:fillClrLst>
+    <dgm:linClrLst meth="repeat">
+      <a:schemeClr val="accent1"/>
+    </dgm:linClrLst>
+    <dgm:effectClrLst/>
+    <dgm:txLinClrLst/>
+    <dgm:txFillClrLst meth="repeat">
+      <a:schemeClr val="lt1"/>
+    </dgm:txFillClrLst>
+    <dgm:txEffectClrLst/>
+  </dgm:styleLbl>
+  <dgm:styleLbl name="fgShp">
+    <dgm:fillClrLst meth="repeat">
+      <a:schemeClr val="accent1">
+        <a:tint val="60000"/>
+      </a:schemeClr>
+    </dgm:fillClrLst>
+    <dgm:linClrLst meth="repeat">
+      <a:schemeClr val="lt1"/>
+    </dgm:linClrLst>
+    <dgm:effectClrLst/>
+    <dgm:txLinClrLst/>
+    <dgm:txFillClrLst meth="repeat">
+      <a:schemeClr val="dk1"/>
+    </dgm:txFillClrLst>
+    <dgm:txEffectClrLst/>
+  </dgm:styleLbl>
+  <dgm:styleLbl name="revTx">
+    <dgm:fillClrLst meth="repeat">
+      <a:schemeClr val="lt1">
+        <a:alpha val="0"/>
+      </a:schemeClr>
+    </dgm:fillClrLst>
+    <dgm:linClrLst meth="repeat">
+      <a:schemeClr val="dk1">
+        <a:alpha val="0"/>
+      </a:schemeClr>
+    </dgm:linClrLst>
+    <dgm:effectClrLst/>
+    <dgm:txLinClrLst/>
+    <dgm:txFillClrLst meth="repeat">
+      <a:schemeClr val="tx1"/>
+    </dgm:txFillClrLst>
+    <dgm:txEffectClrLst/>
+  </dgm:styleLbl>
+</dgm:colorsDef>
+</file>
+
+<file path=ppt/diagrams/data1.xml><?xml version="1.0" encoding="utf-8"?>
+<dgm:dataModel xmlns:dgm="http://schemas.openxmlformats.org/drawingml/2006/diagram" xmlns:a="http://schemas.openxmlformats.org/drawingml/2006/main">
+  <dgm:ptLst>
+    <dgm:pt modelId="{7E2A6132-B514-408B-A117-9158CBC2901D}" type="doc">
+      <dgm:prSet loTypeId="urn:microsoft.com/office/officeart/2005/8/layout/hierarchy1" loCatId="hierarchy" qsTypeId="urn:microsoft.com/office/officeart/2005/8/quickstyle/3d4" qsCatId="3D" csTypeId="urn:microsoft.com/office/officeart/2005/8/colors/accent1_2" csCatId="accent1" phldr="1"/>
+      <dgm:spPr/>
+      <dgm:t>
+        <a:bodyPr/>
+        <a:lstStyle/>
+        <a:p>
+          <a:endParaRPr kumimoji="1" lang="ja-JP" altLang="en-US"/>
+        </a:p>
+      </dgm:t>
+    </dgm:pt>
+    <dgm:pt modelId="{C360BBC6-B2AD-4EF0-8C46-A2DCD444BD67}">
+      <dgm:prSet phldrT="[Text]" custT="1"/>
+      <dgm:spPr/>
+      <dgm:t>
+        <a:bodyPr/>
+        <a:lstStyle/>
+        <a:p>
+          <a:r>
+            <a:rPr kumimoji="1" lang="en-US" altLang="ja-JP" sz="2000" dirty="0"/>
+            <a:t>(1,0)</a:t>
+          </a:r>
+          <a:endParaRPr kumimoji="1" lang="ja-JP" altLang="en-US" sz="2000" dirty="0"/>
+        </a:p>
+      </dgm:t>
+    </dgm:pt>
+    <dgm:pt modelId="{376DE7B0-F93E-4A2B-B976-6C912762F446}" type="parTrans" cxnId="{40F5C514-6993-4853-961E-CA7F21C060CB}">
+      <dgm:prSet/>
+      <dgm:spPr/>
+      <dgm:t>
+        <a:bodyPr/>
+        <a:lstStyle/>
+        <a:p>
+          <a:endParaRPr kumimoji="1" lang="ja-JP" altLang="en-US" sz="900"/>
+        </a:p>
+      </dgm:t>
+    </dgm:pt>
+    <dgm:pt modelId="{45157DD5-2CD0-4F39-9B20-7F14BECF1FA3}" type="sibTrans" cxnId="{40F5C514-6993-4853-961E-CA7F21C060CB}">
+      <dgm:prSet/>
+      <dgm:spPr/>
+      <dgm:t>
+        <a:bodyPr/>
+        <a:lstStyle/>
+        <a:p>
+          <a:endParaRPr kumimoji="1" lang="ja-JP" altLang="en-US" sz="900"/>
+        </a:p>
+      </dgm:t>
+    </dgm:pt>
+    <dgm:pt modelId="{23F10225-7944-4BF3-817A-3B374BB1FE40}">
+      <dgm:prSet phldrT="[Text]" custT="1"/>
+      <dgm:spPr>
+        <a:solidFill>
+          <a:schemeClr val="accent2">
+            <a:alpha val="90000"/>
+          </a:schemeClr>
+        </a:solidFill>
+      </dgm:spPr>
+      <dgm:t>
+        <a:bodyPr/>
+        <a:lstStyle/>
+        <a:p>
+          <a:r>
+            <a:rPr kumimoji="1" lang="en-US" altLang="ja-JP" sz="2000" dirty="0">
+              <a:solidFill>
+                <a:schemeClr val="tx1"/>
+              </a:solidFill>
+              <a:highlight>
+                <a:srgbClr val="00FF00"/>
+              </a:highlight>
+            </a:rPr>
+            <a:t>(2,7)</a:t>
+          </a:r>
+          <a:endParaRPr kumimoji="1" lang="ja-JP" altLang="en-US" sz="2000" dirty="0">
+            <a:solidFill>
+              <a:schemeClr val="tx1"/>
+            </a:solidFill>
+            <a:highlight>
+              <a:srgbClr val="00FF00"/>
+            </a:highlight>
+          </a:endParaRPr>
+        </a:p>
+      </dgm:t>
+    </dgm:pt>
+    <dgm:pt modelId="{8AA27DDF-A721-4DF6-BE71-24A3FFCD6E92}" type="parTrans" cxnId="{0E0CA949-6412-4666-B2E1-4EA351AD9030}">
+      <dgm:prSet/>
+      <dgm:spPr/>
+      <dgm:t>
+        <a:bodyPr/>
+        <a:lstStyle/>
+        <a:p>
+          <a:endParaRPr kumimoji="1" lang="ja-JP" altLang="en-US" sz="900"/>
+        </a:p>
+      </dgm:t>
+    </dgm:pt>
+    <dgm:pt modelId="{7B5F720D-3ABB-4B5B-8A60-58A19772ED1F}" type="sibTrans" cxnId="{0E0CA949-6412-4666-B2E1-4EA351AD9030}">
+      <dgm:prSet/>
+      <dgm:spPr/>
+      <dgm:t>
+        <a:bodyPr/>
+        <a:lstStyle/>
+        <a:p>
+          <a:endParaRPr kumimoji="1" lang="ja-JP" altLang="en-US" sz="900"/>
+        </a:p>
+      </dgm:t>
+    </dgm:pt>
+    <dgm:pt modelId="{CB3B3794-A4E6-4A68-89D9-D974A17102A6}">
+      <dgm:prSet phldrT="[Text]" custT="1"/>
+      <dgm:spPr>
+        <a:solidFill>
+          <a:schemeClr val="accent4">
+            <a:alpha val="90000"/>
+          </a:schemeClr>
+        </a:solidFill>
+      </dgm:spPr>
+      <dgm:t>
+        <a:bodyPr/>
+        <a:lstStyle/>
+        <a:p>
+          <a:r>
+            <a:rPr kumimoji="1" lang="en-US" altLang="ja-JP" sz="2000" dirty="0"/>
+            <a:t>(3,12)</a:t>
+          </a:r>
+          <a:endParaRPr kumimoji="1" lang="ja-JP" altLang="en-US" sz="2000" dirty="0"/>
+        </a:p>
+      </dgm:t>
+    </dgm:pt>
+    <dgm:pt modelId="{A42230F9-3C6F-417E-B71C-89C107AF924C}" type="parTrans" cxnId="{B0518052-F8AC-4373-A499-0BFD4B13658B}">
+      <dgm:prSet/>
+      <dgm:spPr/>
+      <dgm:t>
+        <a:bodyPr/>
+        <a:lstStyle/>
+        <a:p>
+          <a:endParaRPr kumimoji="1" lang="ja-JP" altLang="en-US" sz="900"/>
+        </a:p>
+      </dgm:t>
+    </dgm:pt>
+    <dgm:pt modelId="{D5DF0C19-37B4-4F8D-8C0F-515D1FCE900B}" type="sibTrans" cxnId="{B0518052-F8AC-4373-A499-0BFD4B13658B}">
+      <dgm:prSet/>
+      <dgm:spPr/>
+      <dgm:t>
+        <a:bodyPr/>
+        <a:lstStyle/>
+        <a:p>
+          <a:endParaRPr kumimoji="1" lang="ja-JP" altLang="en-US" sz="900"/>
+        </a:p>
+      </dgm:t>
+    </dgm:pt>
+    <dgm:pt modelId="{7B30E61A-1940-42DB-B117-81937CD6C41A}">
+      <dgm:prSet phldrT="[Text]" custT="1"/>
+      <dgm:spPr>
+        <a:solidFill>
+          <a:schemeClr val="accent6">
+            <a:alpha val="90000"/>
+          </a:schemeClr>
+        </a:solidFill>
+      </dgm:spPr>
+      <dgm:t>
+        <a:bodyPr/>
+        <a:lstStyle/>
+        <a:p>
+          <a:r>
+            <a:rPr kumimoji="1" lang="en-US" altLang="ja-JP" sz="2000" dirty="0"/>
+            <a:t>(4,11)</a:t>
+          </a:r>
+          <a:endParaRPr kumimoji="1" lang="ja-JP" altLang="en-US" sz="2000" dirty="0"/>
+        </a:p>
+      </dgm:t>
+    </dgm:pt>
+    <dgm:pt modelId="{0B644E7A-90DC-4159-9C8C-86959ACE87F0}" type="parTrans" cxnId="{01446A65-17A9-4116-9DCF-EFB84C1F9496}">
+      <dgm:prSet/>
+      <dgm:spPr/>
+      <dgm:t>
+        <a:bodyPr/>
+        <a:lstStyle/>
+        <a:p>
+          <a:endParaRPr kumimoji="1" lang="ja-JP" altLang="en-US" sz="900"/>
+        </a:p>
+      </dgm:t>
+    </dgm:pt>
+    <dgm:pt modelId="{7BAACD2C-B8DC-4B13-9CC8-6B0FB5DADBB5}" type="sibTrans" cxnId="{01446A65-17A9-4116-9DCF-EFB84C1F9496}">
+      <dgm:prSet/>
+      <dgm:spPr/>
+      <dgm:t>
+        <a:bodyPr/>
+        <a:lstStyle/>
+        <a:p>
+          <a:endParaRPr kumimoji="1" lang="ja-JP" altLang="en-US" sz="900"/>
+        </a:p>
+      </dgm:t>
+    </dgm:pt>
+    <dgm:pt modelId="{CE928F84-9D52-4F36-8107-8DC658C87F97}">
+      <dgm:prSet phldrT="[Text]" custT="1"/>
+      <dgm:spPr>
+        <a:solidFill>
+          <a:schemeClr val="accent4">
+            <a:alpha val="90000"/>
+          </a:schemeClr>
+        </a:solidFill>
+      </dgm:spPr>
+      <dgm:t>
+        <a:bodyPr/>
+        <a:lstStyle/>
+        <a:p>
+          <a:r>
+            <a:rPr kumimoji="1" lang="en-US" altLang="ja-JP" sz="2000" dirty="0">
+              <a:highlight>
+                <a:srgbClr val="00FF00"/>
+              </a:highlight>
+            </a:rPr>
+            <a:t>(3,2)</a:t>
+          </a:r>
+          <a:endParaRPr kumimoji="1" lang="ja-JP" altLang="en-US" sz="2000" dirty="0">
+            <a:highlight>
+              <a:srgbClr val="00FF00"/>
+            </a:highlight>
+          </a:endParaRPr>
+        </a:p>
+      </dgm:t>
+    </dgm:pt>
+    <dgm:pt modelId="{50FE1FDB-56A9-41B6-AD72-7E93B262B454}" type="parTrans" cxnId="{0F534E69-E939-4972-91FE-B28E27786B3D}">
+      <dgm:prSet/>
+      <dgm:spPr/>
+      <dgm:t>
+        <a:bodyPr/>
+        <a:lstStyle/>
+        <a:p>
+          <a:endParaRPr kumimoji="1" lang="ja-JP" altLang="en-US" sz="900"/>
+        </a:p>
+      </dgm:t>
+    </dgm:pt>
+    <dgm:pt modelId="{D604B452-FC80-4E65-B9E5-1F854FC0A893}" type="sibTrans" cxnId="{0F534E69-E939-4972-91FE-B28E27786B3D}">
+      <dgm:prSet/>
+      <dgm:spPr/>
+      <dgm:t>
+        <a:bodyPr/>
+        <a:lstStyle/>
+        <a:p>
+          <a:endParaRPr kumimoji="1" lang="ja-JP" altLang="en-US" sz="900"/>
+        </a:p>
+      </dgm:t>
+    </dgm:pt>
+    <dgm:pt modelId="{3D37476F-5A9C-47A1-A4C2-9B0789BFDB4E}">
+      <dgm:prSet custT="1"/>
+      <dgm:spPr>
+        <a:solidFill>
+          <a:schemeClr val="accent6">
+            <a:alpha val="90000"/>
+          </a:schemeClr>
+        </a:solidFill>
+      </dgm:spPr>
+      <dgm:t>
+        <a:bodyPr/>
+        <a:lstStyle/>
+        <a:p>
+          <a:r>
+            <a:rPr kumimoji="1" lang="en-US" altLang="ja-JP" sz="1800" dirty="0">
+              <a:highlight>
+                <a:srgbClr val="00FF00"/>
+              </a:highlight>
+            </a:rPr>
+            <a:t>(4,3)</a:t>
+          </a:r>
+          <a:endParaRPr kumimoji="1" lang="ja-JP" altLang="en-US" sz="1800" dirty="0">
+            <a:highlight>
+              <a:srgbClr val="00FF00"/>
+            </a:highlight>
+          </a:endParaRPr>
+        </a:p>
+      </dgm:t>
+    </dgm:pt>
+    <dgm:pt modelId="{CC2CD46C-89A0-46D2-943F-311E1CA82A52}" type="parTrans" cxnId="{9C5F078D-B50E-4B74-89D2-7EF06C4850C4}">
+      <dgm:prSet/>
+      <dgm:spPr/>
+      <dgm:t>
+        <a:bodyPr/>
+        <a:lstStyle/>
+        <a:p>
+          <a:endParaRPr kumimoji="1" lang="ja-JP" altLang="en-US" sz="1400"/>
+        </a:p>
+      </dgm:t>
+    </dgm:pt>
+    <dgm:pt modelId="{F7818BA6-99AD-4E07-9917-A08D897B3704}" type="sibTrans" cxnId="{9C5F078D-B50E-4B74-89D2-7EF06C4850C4}">
+      <dgm:prSet/>
+      <dgm:spPr/>
+      <dgm:t>
+        <a:bodyPr/>
+        <a:lstStyle/>
+        <a:p>
+          <a:endParaRPr kumimoji="1" lang="ja-JP" altLang="en-US" sz="1400"/>
+        </a:p>
+      </dgm:t>
+    </dgm:pt>
+    <dgm:pt modelId="{48BD9997-6F1D-444F-813E-AAD275F5C24F}">
+      <dgm:prSet custT="1"/>
+      <dgm:spPr>
+        <a:solidFill>
+          <a:srgbClr val="C00000">
+            <a:alpha val="90000"/>
+          </a:srgbClr>
+        </a:solidFill>
+      </dgm:spPr>
+      <dgm:t>
+        <a:bodyPr/>
+        <a:lstStyle/>
+        <a:p>
+          <a:r>
+            <a:rPr kumimoji="1" lang="en-US" altLang="ja-JP" sz="1800" dirty="0">
+              <a:highlight>
+                <a:srgbClr val="00FF00"/>
+              </a:highlight>
+            </a:rPr>
+            <a:t>(5,5)</a:t>
+          </a:r>
+          <a:endParaRPr kumimoji="1" lang="ja-JP" altLang="en-US" sz="1800" dirty="0">
+            <a:highlight>
+              <a:srgbClr val="00FF00"/>
+            </a:highlight>
+          </a:endParaRPr>
+        </a:p>
+      </dgm:t>
+    </dgm:pt>
+    <dgm:pt modelId="{CC56939A-3973-4589-96C9-DC8CB28984A3}" type="parTrans" cxnId="{C185F516-A193-4FA7-9293-5D4FC186A350}">
+      <dgm:prSet/>
+      <dgm:spPr/>
+      <dgm:t>
+        <a:bodyPr/>
+        <a:lstStyle/>
+        <a:p>
+          <a:endParaRPr kumimoji="1" lang="ja-JP" altLang="en-US" sz="1400"/>
+        </a:p>
+      </dgm:t>
+    </dgm:pt>
+    <dgm:pt modelId="{816AC23E-2175-444B-B5E0-F84C55149620}" type="sibTrans" cxnId="{C185F516-A193-4FA7-9293-5D4FC186A350}">
+      <dgm:prSet/>
+      <dgm:spPr/>
+      <dgm:t>
+        <a:bodyPr/>
+        <a:lstStyle/>
+        <a:p>
+          <a:endParaRPr kumimoji="1" lang="ja-JP" altLang="en-US" sz="1400"/>
+        </a:p>
+      </dgm:t>
+    </dgm:pt>
+    <dgm:pt modelId="{9085228D-45D4-4FED-9301-3024735C6611}">
+      <dgm:prSet custT="1"/>
+      <dgm:spPr>
+        <a:solidFill>
+          <a:srgbClr val="C00000">
+            <a:alpha val="90000"/>
+          </a:srgbClr>
+        </a:solidFill>
+      </dgm:spPr>
+      <dgm:t>
+        <a:bodyPr/>
+        <a:lstStyle/>
+        <a:p>
+          <a:r>
+            <a:rPr kumimoji="1" lang="en-US" altLang="ja-JP" sz="1800" dirty="0"/>
+            <a:t>(5,7)</a:t>
+          </a:r>
+          <a:endParaRPr kumimoji="1" lang="ja-JP" altLang="en-US" sz="1800" dirty="0"/>
+        </a:p>
+      </dgm:t>
+    </dgm:pt>
+    <dgm:pt modelId="{24DF606A-890C-46CB-AC0B-34AE0A00E6B8}" type="parTrans" cxnId="{9308AD7C-C2F5-4E75-B832-657BF5CCBC23}">
+      <dgm:prSet/>
+      <dgm:spPr/>
+      <dgm:t>
+        <a:bodyPr/>
+        <a:lstStyle/>
+        <a:p>
+          <a:endParaRPr kumimoji="1" lang="ja-JP" altLang="en-US" sz="1400"/>
+        </a:p>
+      </dgm:t>
+    </dgm:pt>
+    <dgm:pt modelId="{C2853359-DCA6-4D0A-9151-7C2FD02F021C}" type="sibTrans" cxnId="{9308AD7C-C2F5-4E75-B832-657BF5CCBC23}">
+      <dgm:prSet/>
+      <dgm:spPr/>
+      <dgm:t>
+        <a:bodyPr/>
+        <a:lstStyle/>
+        <a:p>
+          <a:endParaRPr kumimoji="1" lang="ja-JP" altLang="en-US" sz="1400"/>
+        </a:p>
+      </dgm:t>
+    </dgm:pt>
+    <dgm:pt modelId="{62C14845-35AC-4E44-9C38-B916796E2EBB}">
+      <dgm:prSet custT="1"/>
+      <dgm:spPr/>
+      <dgm:t>
+        <a:bodyPr/>
+        <a:lstStyle/>
+        <a:p>
+          <a:r>
+            <a:rPr kumimoji="1" lang="en-US" altLang="ja-JP" sz="1800" dirty="0"/>
+            <a:t>(4,13)</a:t>
+          </a:r>
+          <a:endParaRPr kumimoji="1" lang="ja-JP" altLang="en-US" sz="1800" dirty="0"/>
+        </a:p>
+      </dgm:t>
+    </dgm:pt>
+    <dgm:pt modelId="{B5B06355-713B-4099-A670-65717B56C203}" type="parTrans" cxnId="{74A43433-AF2A-45ED-AB84-652EB74A13D7}">
+      <dgm:prSet/>
+      <dgm:spPr/>
+      <dgm:t>
+        <a:bodyPr/>
+        <a:lstStyle/>
+        <a:p>
+          <a:endParaRPr kumimoji="1" lang="ja-JP" altLang="en-US" sz="1400"/>
+        </a:p>
+      </dgm:t>
+    </dgm:pt>
+    <dgm:pt modelId="{38C98935-807A-469A-9D6E-B186F8064981}" type="sibTrans" cxnId="{74A43433-AF2A-45ED-AB84-652EB74A13D7}">
+      <dgm:prSet/>
+      <dgm:spPr/>
+      <dgm:t>
+        <a:bodyPr/>
+        <a:lstStyle/>
+        <a:p>
+          <a:endParaRPr kumimoji="1" lang="ja-JP" altLang="en-US" sz="1400"/>
+        </a:p>
+      </dgm:t>
+    </dgm:pt>
+    <dgm:pt modelId="{4E70469C-9C83-44BF-AABA-2AD54FD0D8DB}">
+      <dgm:prSet custT="1"/>
+      <dgm:spPr/>
+      <dgm:t>
+        <a:bodyPr/>
+        <a:lstStyle/>
+        <a:p>
+          <a:r>
+            <a:rPr kumimoji="1" lang="en-US" altLang="ja-JP" sz="1800" dirty="0"/>
+            <a:t>(5,15)</a:t>
+          </a:r>
+          <a:endParaRPr kumimoji="1" lang="ja-JP" altLang="en-US" sz="1800" dirty="0"/>
+        </a:p>
+      </dgm:t>
+    </dgm:pt>
+    <dgm:pt modelId="{594029BF-CBE7-434D-9169-ACA2D3AEBA17}" type="parTrans" cxnId="{7AA9F7F0-5615-4367-AEA0-6D5853466B0B}">
+      <dgm:prSet/>
+      <dgm:spPr/>
+      <dgm:t>
+        <a:bodyPr/>
+        <a:lstStyle/>
+        <a:p>
+          <a:endParaRPr kumimoji="1" lang="ja-JP" altLang="en-US" sz="1400"/>
+        </a:p>
+      </dgm:t>
+    </dgm:pt>
+    <dgm:pt modelId="{266170B6-8445-45FA-88DB-7494632AB450}" type="sibTrans" cxnId="{7AA9F7F0-5615-4367-AEA0-6D5853466B0B}">
+      <dgm:prSet/>
+      <dgm:spPr/>
+      <dgm:t>
+        <a:bodyPr/>
+        <a:lstStyle/>
+        <a:p>
+          <a:endParaRPr kumimoji="1" lang="ja-JP" altLang="en-US" sz="1400"/>
+        </a:p>
+      </dgm:t>
+    </dgm:pt>
+    <dgm:pt modelId="{64E69085-F90D-4307-AAED-4BA2D5DEB068}">
+      <dgm:prSet custT="1"/>
+      <dgm:spPr/>
+      <dgm:t>
+        <a:bodyPr/>
+        <a:lstStyle/>
+        <a:p>
+          <a:r>
+            <a:rPr kumimoji="1" lang="en-US" altLang="ja-JP" sz="1800" dirty="0"/>
+            <a:t>(5,17)</a:t>
+          </a:r>
+          <a:endParaRPr kumimoji="1" lang="ja-JP" altLang="en-US" sz="1800" dirty="0"/>
+        </a:p>
+      </dgm:t>
+    </dgm:pt>
+    <dgm:pt modelId="{46084021-9818-4A80-BFFB-816FC818EFCA}" type="parTrans" cxnId="{8587C2B2-D4A5-4373-A591-3847881D655F}">
+      <dgm:prSet/>
+      <dgm:spPr/>
+      <dgm:t>
+        <a:bodyPr/>
+        <a:lstStyle/>
+        <a:p>
+          <a:endParaRPr kumimoji="1" lang="ja-JP" altLang="en-US" sz="1400"/>
+        </a:p>
+      </dgm:t>
+    </dgm:pt>
+    <dgm:pt modelId="{0A104D1C-D47A-41A8-935D-8F1A6D271ECC}" type="sibTrans" cxnId="{8587C2B2-D4A5-4373-A591-3847881D655F}">
+      <dgm:prSet/>
+      <dgm:spPr/>
+      <dgm:t>
+        <a:bodyPr/>
+        <a:lstStyle/>
+        <a:p>
+          <a:endParaRPr kumimoji="1" lang="ja-JP" altLang="en-US" sz="1400"/>
+        </a:p>
+      </dgm:t>
+    </dgm:pt>
+    <dgm:pt modelId="{114EE002-FE4D-4A89-B3BB-DD9BF1102C19}">
+      <dgm:prSet custT="1"/>
+      <dgm:spPr>
+        <a:solidFill>
+          <a:schemeClr val="bg1">
+            <a:alpha val="90000"/>
+          </a:schemeClr>
+        </a:solidFill>
+      </dgm:spPr>
+      <dgm:t>
+        <a:bodyPr/>
+        <a:lstStyle/>
+        <a:p>
+          <a:r>
+            <a:rPr kumimoji="1" lang="en-US" altLang="ja-JP" sz="2000" dirty="0"/>
+            <a:t>(5,16)</a:t>
+          </a:r>
+          <a:endParaRPr kumimoji="1" lang="ja-JP" altLang="en-US" sz="2000" dirty="0"/>
+        </a:p>
+      </dgm:t>
+    </dgm:pt>
+    <dgm:pt modelId="{4D98DB1C-C246-4E6B-9430-04780E9DF6F4}" type="parTrans" cxnId="{C5FD0F94-6911-42F7-A1C6-4662299CF1C5}">
+      <dgm:prSet/>
+      <dgm:spPr/>
+      <dgm:t>
+        <a:bodyPr/>
+        <a:lstStyle/>
+        <a:p>
+          <a:endParaRPr kumimoji="1" lang="ja-JP" altLang="en-US"/>
+        </a:p>
+      </dgm:t>
+    </dgm:pt>
+    <dgm:pt modelId="{E9FD7A4C-F3A0-46C1-A8A5-685649112D7E}" type="sibTrans" cxnId="{C5FD0F94-6911-42F7-A1C6-4662299CF1C5}">
+      <dgm:prSet/>
+      <dgm:spPr/>
+      <dgm:t>
+        <a:bodyPr/>
+        <a:lstStyle/>
+        <a:p>
+          <a:endParaRPr kumimoji="1" lang="ja-JP" altLang="en-US"/>
+        </a:p>
+      </dgm:t>
+    </dgm:pt>
+    <dgm:pt modelId="{D9C07F3B-9D2A-41A3-A709-ECF0B911E7C2}" type="pres">
+      <dgm:prSet presAssocID="{7E2A6132-B514-408B-A117-9158CBC2901D}" presName="hierChild1" presStyleCnt="0">
+        <dgm:presLayoutVars>
+          <dgm:chPref val="1"/>
+          <dgm:dir/>
+          <dgm:animOne val="branch"/>
+          <dgm:animLvl val="lvl"/>
+          <dgm:resizeHandles/>
+        </dgm:presLayoutVars>
+      </dgm:prSet>
+      <dgm:spPr/>
+    </dgm:pt>
+    <dgm:pt modelId="{BAB87496-FA0C-457F-9617-ACDD3797F331}" type="pres">
+      <dgm:prSet presAssocID="{C360BBC6-B2AD-4EF0-8C46-A2DCD444BD67}" presName="hierRoot1" presStyleCnt="0"/>
+      <dgm:spPr/>
+    </dgm:pt>
+    <dgm:pt modelId="{7DAFD233-0F1B-41DC-8B87-6EB00D96CE43}" type="pres">
+      <dgm:prSet presAssocID="{C360BBC6-B2AD-4EF0-8C46-A2DCD444BD67}" presName="composite" presStyleCnt="0"/>
+      <dgm:spPr/>
+    </dgm:pt>
+    <dgm:pt modelId="{016ACFFB-3D5E-4E24-B6B1-475B0D12FFBA}" type="pres">
+      <dgm:prSet presAssocID="{C360BBC6-B2AD-4EF0-8C46-A2DCD444BD67}" presName="background" presStyleLbl="node0" presStyleIdx="0" presStyleCnt="1"/>
+      <dgm:spPr/>
+    </dgm:pt>
+    <dgm:pt modelId="{F58BE2AB-6EA1-4477-8AEA-935FBD7A08B2}" type="pres">
+      <dgm:prSet presAssocID="{C360BBC6-B2AD-4EF0-8C46-A2DCD444BD67}" presName="text" presStyleLbl="fgAcc0" presStyleIdx="0" presStyleCnt="1">
+        <dgm:presLayoutVars>
+          <dgm:chPref val="3"/>
+        </dgm:presLayoutVars>
+      </dgm:prSet>
+      <dgm:spPr/>
+    </dgm:pt>
+    <dgm:pt modelId="{E5303384-5FE9-4856-88CC-A43CB9B5557C}" type="pres">
+      <dgm:prSet presAssocID="{C360BBC6-B2AD-4EF0-8C46-A2DCD444BD67}" presName="hierChild2" presStyleCnt="0"/>
+      <dgm:spPr/>
+    </dgm:pt>
+    <dgm:pt modelId="{50ACC3EB-A5A1-462F-A769-388B06E7DAE6}" type="pres">
+      <dgm:prSet presAssocID="{8AA27DDF-A721-4DF6-BE71-24A3FFCD6E92}" presName="Name10" presStyleLbl="parChTrans1D2" presStyleIdx="0" presStyleCnt="2"/>
+      <dgm:spPr/>
+    </dgm:pt>
+    <dgm:pt modelId="{1AB60184-652C-48AA-A739-922A77353781}" type="pres">
+      <dgm:prSet presAssocID="{23F10225-7944-4BF3-817A-3B374BB1FE40}" presName="hierRoot2" presStyleCnt="0"/>
+      <dgm:spPr/>
+    </dgm:pt>
+    <dgm:pt modelId="{915F44D8-3E07-4FBB-8454-19A63766401D}" type="pres">
+      <dgm:prSet presAssocID="{23F10225-7944-4BF3-817A-3B374BB1FE40}" presName="composite2" presStyleCnt="0"/>
+      <dgm:spPr/>
+    </dgm:pt>
+    <dgm:pt modelId="{A4B9B632-8780-49DD-9C5F-E1433F6FDBCC}" type="pres">
+      <dgm:prSet presAssocID="{23F10225-7944-4BF3-817A-3B374BB1FE40}" presName="background2" presStyleLbl="node2" presStyleIdx="0" presStyleCnt="2"/>
+      <dgm:spPr/>
+    </dgm:pt>
+    <dgm:pt modelId="{B115BAE8-48F3-4484-9286-2FD70C48F441}" type="pres">
+      <dgm:prSet presAssocID="{23F10225-7944-4BF3-817A-3B374BB1FE40}" presName="text2" presStyleLbl="fgAcc2" presStyleIdx="0" presStyleCnt="2">
+        <dgm:presLayoutVars>
+          <dgm:chPref val="3"/>
+        </dgm:presLayoutVars>
+      </dgm:prSet>
+      <dgm:spPr/>
+    </dgm:pt>
+    <dgm:pt modelId="{8B6EE671-486E-405C-B46B-6610C1CDF8C5}" type="pres">
+      <dgm:prSet presAssocID="{23F10225-7944-4BF3-817A-3B374BB1FE40}" presName="hierChild3" presStyleCnt="0"/>
+      <dgm:spPr/>
+    </dgm:pt>
+    <dgm:pt modelId="{3F515242-3A96-42C9-97F4-E7ADDEB18684}" type="pres">
+      <dgm:prSet presAssocID="{A42230F9-3C6F-417E-B71C-89C107AF924C}" presName="Name17" presStyleLbl="parChTrans1D3" presStyleIdx="0" presStyleCnt="4"/>
+      <dgm:spPr/>
+    </dgm:pt>
+    <dgm:pt modelId="{5ADB06A1-2D67-4BA2-BDDA-BE3A2CBD546E}" type="pres">
+      <dgm:prSet presAssocID="{CB3B3794-A4E6-4A68-89D9-D974A17102A6}" presName="hierRoot3" presStyleCnt="0"/>
+      <dgm:spPr/>
+    </dgm:pt>
+    <dgm:pt modelId="{97DA400C-0D38-48F1-96B0-4EF5B8B0BAD4}" type="pres">
+      <dgm:prSet presAssocID="{CB3B3794-A4E6-4A68-89D9-D974A17102A6}" presName="composite3" presStyleCnt="0"/>
+      <dgm:spPr/>
+    </dgm:pt>
+    <dgm:pt modelId="{CFE437C3-D71E-48C2-894F-3DBA7555EDED}" type="pres">
+      <dgm:prSet presAssocID="{CB3B3794-A4E6-4A68-89D9-D974A17102A6}" presName="background3" presStyleLbl="node3" presStyleIdx="0" presStyleCnt="4"/>
+      <dgm:spPr/>
+    </dgm:pt>
+    <dgm:pt modelId="{E3D724D5-1DD2-4393-B85A-1D8F0722E3C7}" type="pres">
+      <dgm:prSet presAssocID="{CB3B3794-A4E6-4A68-89D9-D974A17102A6}" presName="text3" presStyleLbl="fgAcc3" presStyleIdx="0" presStyleCnt="4">
+        <dgm:presLayoutVars>
+          <dgm:chPref val="3"/>
+        </dgm:presLayoutVars>
+      </dgm:prSet>
+      <dgm:spPr/>
+    </dgm:pt>
+    <dgm:pt modelId="{9463433A-F1D9-4A0F-B426-014532994506}" type="pres">
+      <dgm:prSet presAssocID="{CB3B3794-A4E6-4A68-89D9-D974A17102A6}" presName="hierChild4" presStyleCnt="0"/>
+      <dgm:spPr/>
+    </dgm:pt>
+    <dgm:pt modelId="{8415736A-43BA-48E7-8531-13FD3867A1AB}" type="pres">
+      <dgm:prSet presAssocID="{B5B06355-713B-4099-A670-65717B56C203}" presName="Name23" presStyleLbl="parChTrans1D4" presStyleIdx="0" presStyleCnt="5"/>
+      <dgm:spPr/>
+    </dgm:pt>
+    <dgm:pt modelId="{6FCC9C13-678C-4936-BF7C-6A27A0BB2DFF}" type="pres">
+      <dgm:prSet presAssocID="{62C14845-35AC-4E44-9C38-B916796E2EBB}" presName="hierRoot4" presStyleCnt="0"/>
+      <dgm:spPr/>
+    </dgm:pt>
+    <dgm:pt modelId="{C7A5AB58-27CE-4AF0-841B-D4067E3A82A7}" type="pres">
+      <dgm:prSet presAssocID="{62C14845-35AC-4E44-9C38-B916796E2EBB}" presName="composite4" presStyleCnt="0"/>
+      <dgm:spPr/>
+    </dgm:pt>
+    <dgm:pt modelId="{2DC796D9-B457-4A23-833A-8FBE68887679}" type="pres">
+      <dgm:prSet presAssocID="{62C14845-35AC-4E44-9C38-B916796E2EBB}" presName="background4" presStyleLbl="node4" presStyleIdx="0" presStyleCnt="5"/>
+      <dgm:spPr/>
+    </dgm:pt>
+    <dgm:pt modelId="{85FAFF17-11E3-4250-913C-89A3B71CE98A}" type="pres">
+      <dgm:prSet presAssocID="{62C14845-35AC-4E44-9C38-B916796E2EBB}" presName="text4" presStyleLbl="fgAcc4" presStyleIdx="0" presStyleCnt="5" custLinFactNeighborX="-3835">
+        <dgm:presLayoutVars>
+          <dgm:chPref val="3"/>
+        </dgm:presLayoutVars>
+      </dgm:prSet>
+      <dgm:spPr/>
+    </dgm:pt>
+    <dgm:pt modelId="{90BAF9DE-91EA-4106-85F7-70CA7A1EBAD3}" type="pres">
+      <dgm:prSet presAssocID="{62C14845-35AC-4E44-9C38-B916796E2EBB}" presName="hierChild5" presStyleCnt="0"/>
+      <dgm:spPr/>
+    </dgm:pt>
+    <dgm:pt modelId="{3F55491E-6877-4C54-8153-14AF53B506EC}" type="pres">
+      <dgm:prSet presAssocID="{46084021-9818-4A80-BFFB-816FC818EFCA}" presName="Name23" presStyleLbl="parChTrans1D4" presStyleIdx="1" presStyleCnt="5"/>
+      <dgm:spPr/>
+    </dgm:pt>
+    <dgm:pt modelId="{08A97610-8072-4FE1-9CA6-C4CFEBDADE1A}" type="pres">
+      <dgm:prSet presAssocID="{64E69085-F90D-4307-AAED-4BA2D5DEB068}" presName="hierRoot4" presStyleCnt="0"/>
+      <dgm:spPr/>
+    </dgm:pt>
+    <dgm:pt modelId="{48AF2D6A-8717-4E72-B1E6-FC0A0968CDE0}" type="pres">
+      <dgm:prSet presAssocID="{64E69085-F90D-4307-AAED-4BA2D5DEB068}" presName="composite4" presStyleCnt="0"/>
+      <dgm:spPr/>
+    </dgm:pt>
+    <dgm:pt modelId="{663219F1-649B-4B10-B488-92C7724DC6F1}" type="pres">
+      <dgm:prSet presAssocID="{64E69085-F90D-4307-AAED-4BA2D5DEB068}" presName="background4" presStyleLbl="node4" presStyleIdx="1" presStyleCnt="5"/>
+      <dgm:spPr/>
+    </dgm:pt>
+    <dgm:pt modelId="{A4DD4CBB-9496-4A04-839C-942A2A868277}" type="pres">
+      <dgm:prSet presAssocID="{64E69085-F90D-4307-AAED-4BA2D5DEB068}" presName="text4" presStyleLbl="fgAcc4" presStyleIdx="1" presStyleCnt="5">
+        <dgm:presLayoutVars>
+          <dgm:chPref val="3"/>
+        </dgm:presLayoutVars>
+      </dgm:prSet>
+      <dgm:spPr/>
+    </dgm:pt>
+    <dgm:pt modelId="{C77BCF18-B70A-4A74-8251-F9332F284827}" type="pres">
+      <dgm:prSet presAssocID="{64E69085-F90D-4307-AAED-4BA2D5DEB068}" presName="hierChild5" presStyleCnt="0"/>
+      <dgm:spPr/>
+    </dgm:pt>
+    <dgm:pt modelId="{D56D653B-A5F3-46EA-8B68-DA8A87F04A4F}" type="pres">
+      <dgm:prSet presAssocID="{594029BF-CBE7-434D-9169-ACA2D3AEBA17}" presName="Name23" presStyleLbl="parChTrans1D4" presStyleIdx="2" presStyleCnt="5"/>
+      <dgm:spPr/>
+    </dgm:pt>
+    <dgm:pt modelId="{F6D594DE-CDCF-41A9-B58F-961798C93ED3}" type="pres">
+      <dgm:prSet presAssocID="{4E70469C-9C83-44BF-AABA-2AD54FD0D8DB}" presName="hierRoot4" presStyleCnt="0"/>
+      <dgm:spPr/>
+    </dgm:pt>
+    <dgm:pt modelId="{FB30D3B8-6794-47D7-AD14-A779BF802627}" type="pres">
+      <dgm:prSet presAssocID="{4E70469C-9C83-44BF-AABA-2AD54FD0D8DB}" presName="composite4" presStyleCnt="0"/>
+      <dgm:spPr/>
+    </dgm:pt>
+    <dgm:pt modelId="{05872E14-4F22-43B4-8F72-4CEFF6FC18B9}" type="pres">
+      <dgm:prSet presAssocID="{4E70469C-9C83-44BF-AABA-2AD54FD0D8DB}" presName="background4" presStyleLbl="node4" presStyleIdx="2" presStyleCnt="5"/>
+      <dgm:spPr/>
+    </dgm:pt>
+    <dgm:pt modelId="{EB779E5F-F9EE-4DA2-8DB9-B365645FD6F2}" type="pres">
+      <dgm:prSet presAssocID="{4E70469C-9C83-44BF-AABA-2AD54FD0D8DB}" presName="text4" presStyleLbl="fgAcc4" presStyleIdx="2" presStyleCnt="5">
+        <dgm:presLayoutVars>
+          <dgm:chPref val="3"/>
+        </dgm:presLayoutVars>
+      </dgm:prSet>
+      <dgm:spPr/>
+    </dgm:pt>
+    <dgm:pt modelId="{2F87EA2C-CE37-41B5-9C71-921273451112}" type="pres">
+      <dgm:prSet presAssocID="{4E70469C-9C83-44BF-AABA-2AD54FD0D8DB}" presName="hierChild5" presStyleCnt="0"/>
+      <dgm:spPr/>
+    </dgm:pt>
+    <dgm:pt modelId="{8171684E-8717-4C57-8E70-EFF4EDDDE0FF}" type="pres">
+      <dgm:prSet presAssocID="{0B644E7A-90DC-4159-9C8C-86959ACE87F0}" presName="Name17" presStyleLbl="parChTrans1D3" presStyleIdx="1" presStyleCnt="4"/>
+      <dgm:spPr/>
+    </dgm:pt>
+    <dgm:pt modelId="{BCDDD24F-A82E-42A8-B429-A830CFD1EACF}" type="pres">
+      <dgm:prSet presAssocID="{7B30E61A-1940-42DB-B117-81937CD6C41A}" presName="hierRoot3" presStyleCnt="0"/>
+      <dgm:spPr/>
+    </dgm:pt>
+    <dgm:pt modelId="{D23E5E0C-024A-4E35-B56E-1E16CA37AA46}" type="pres">
+      <dgm:prSet presAssocID="{7B30E61A-1940-42DB-B117-81937CD6C41A}" presName="composite3" presStyleCnt="0"/>
+      <dgm:spPr/>
+    </dgm:pt>
+    <dgm:pt modelId="{63E0BE0B-87C5-4E9E-A222-AF624768F0DA}" type="pres">
+      <dgm:prSet presAssocID="{7B30E61A-1940-42DB-B117-81937CD6C41A}" presName="background3" presStyleLbl="node3" presStyleIdx="1" presStyleCnt="4"/>
+      <dgm:spPr/>
+    </dgm:pt>
+    <dgm:pt modelId="{06B27FFD-D997-465E-A198-1E54EDCA58B9}" type="pres">
+      <dgm:prSet presAssocID="{7B30E61A-1940-42DB-B117-81937CD6C41A}" presName="text3" presStyleLbl="fgAcc3" presStyleIdx="1" presStyleCnt="4">
+        <dgm:presLayoutVars>
+          <dgm:chPref val="3"/>
+        </dgm:presLayoutVars>
+      </dgm:prSet>
+      <dgm:spPr/>
+    </dgm:pt>
+    <dgm:pt modelId="{810521F2-AFF0-4A2D-9978-CE284CB991BD}" type="pres">
+      <dgm:prSet presAssocID="{7B30E61A-1940-42DB-B117-81937CD6C41A}" presName="hierChild4" presStyleCnt="0"/>
+      <dgm:spPr/>
+    </dgm:pt>
+    <dgm:pt modelId="{0A4273B5-0E00-45B5-9E3C-668068EDA120}" type="pres">
+      <dgm:prSet presAssocID="{4D98DB1C-C246-4E6B-9430-04780E9DF6F4}" presName="Name23" presStyleLbl="parChTrans1D4" presStyleIdx="3" presStyleCnt="5"/>
+      <dgm:spPr/>
+    </dgm:pt>
+    <dgm:pt modelId="{B813C8DA-1382-4FAF-8361-B2F791FFFE4F}" type="pres">
+      <dgm:prSet presAssocID="{114EE002-FE4D-4A89-B3BB-DD9BF1102C19}" presName="hierRoot4" presStyleCnt="0"/>
+      <dgm:spPr/>
+    </dgm:pt>
+    <dgm:pt modelId="{0F86DFAD-4593-417A-B60F-C11FEA4A5ABE}" type="pres">
+      <dgm:prSet presAssocID="{114EE002-FE4D-4A89-B3BB-DD9BF1102C19}" presName="composite4" presStyleCnt="0"/>
+      <dgm:spPr/>
+    </dgm:pt>
+    <dgm:pt modelId="{458751D7-FEF3-4645-84DA-4D068B794437}" type="pres">
+      <dgm:prSet presAssocID="{114EE002-FE4D-4A89-B3BB-DD9BF1102C19}" presName="background4" presStyleLbl="node4" presStyleIdx="3" presStyleCnt="5"/>
+      <dgm:spPr/>
+    </dgm:pt>
+    <dgm:pt modelId="{2DEE47DD-C257-4214-A28A-846A8C9BFCB3}" type="pres">
+      <dgm:prSet presAssocID="{114EE002-FE4D-4A89-B3BB-DD9BF1102C19}" presName="text4" presStyleLbl="fgAcc4" presStyleIdx="3" presStyleCnt="5">
+        <dgm:presLayoutVars>
+          <dgm:chPref val="3"/>
+        </dgm:presLayoutVars>
+      </dgm:prSet>
+      <dgm:spPr/>
+    </dgm:pt>
+    <dgm:pt modelId="{11F1CACD-7E56-4210-B9C9-3E0DD41A9E28}" type="pres">
+      <dgm:prSet presAssocID="{114EE002-FE4D-4A89-B3BB-DD9BF1102C19}" presName="hierChild5" presStyleCnt="0"/>
+      <dgm:spPr/>
+    </dgm:pt>
+    <dgm:pt modelId="{58B616C5-6AB3-456F-8731-F15381CEC212}" type="pres">
+      <dgm:prSet presAssocID="{50FE1FDB-56A9-41B6-AD72-7E93B262B454}" presName="Name10" presStyleLbl="parChTrans1D2" presStyleIdx="1" presStyleCnt="2"/>
+      <dgm:spPr/>
+    </dgm:pt>
+    <dgm:pt modelId="{469D8920-1E49-44F4-B9A5-04B24948A477}" type="pres">
+      <dgm:prSet presAssocID="{CE928F84-9D52-4F36-8107-8DC658C87F97}" presName="hierRoot2" presStyleCnt="0"/>
+      <dgm:spPr/>
+    </dgm:pt>
+    <dgm:pt modelId="{34A9D116-48B3-4A4C-B3A6-E769286BE5D2}" type="pres">
+      <dgm:prSet presAssocID="{CE928F84-9D52-4F36-8107-8DC658C87F97}" presName="composite2" presStyleCnt="0"/>
+      <dgm:spPr/>
+    </dgm:pt>
+    <dgm:pt modelId="{71C96669-7B3C-49C3-BA06-9752874EE797}" type="pres">
+      <dgm:prSet presAssocID="{CE928F84-9D52-4F36-8107-8DC658C87F97}" presName="background2" presStyleLbl="node2" presStyleIdx="1" presStyleCnt="2"/>
+      <dgm:spPr/>
+    </dgm:pt>
+    <dgm:pt modelId="{0E6A1C1F-79F9-4131-B101-EEDEC0E33A58}" type="pres">
+      <dgm:prSet presAssocID="{CE928F84-9D52-4F36-8107-8DC658C87F97}" presName="text2" presStyleLbl="fgAcc2" presStyleIdx="1" presStyleCnt="2">
+        <dgm:presLayoutVars>
+          <dgm:chPref val="3"/>
+        </dgm:presLayoutVars>
+      </dgm:prSet>
+      <dgm:spPr/>
+    </dgm:pt>
+    <dgm:pt modelId="{CBC28764-AA36-42FE-AACD-4321343CE1E7}" type="pres">
+      <dgm:prSet presAssocID="{CE928F84-9D52-4F36-8107-8DC658C87F97}" presName="hierChild3" presStyleCnt="0"/>
+      <dgm:spPr/>
+    </dgm:pt>
+    <dgm:pt modelId="{F06F0523-2AEB-48A8-B312-9C7C8E54CAD6}" type="pres">
+      <dgm:prSet presAssocID="{CC2CD46C-89A0-46D2-943F-311E1CA82A52}" presName="Name17" presStyleLbl="parChTrans1D3" presStyleIdx="2" presStyleCnt="4"/>
+      <dgm:spPr/>
+    </dgm:pt>
+    <dgm:pt modelId="{2036BFDA-6383-4C1E-9B0F-BEAA66D55FCD}" type="pres">
+      <dgm:prSet presAssocID="{3D37476F-5A9C-47A1-A4C2-9B0789BFDB4E}" presName="hierRoot3" presStyleCnt="0"/>
+      <dgm:spPr/>
+    </dgm:pt>
+    <dgm:pt modelId="{F1BD7895-0AA6-458C-9AAC-EEAD9E513810}" type="pres">
+      <dgm:prSet presAssocID="{3D37476F-5A9C-47A1-A4C2-9B0789BFDB4E}" presName="composite3" presStyleCnt="0"/>
+      <dgm:spPr/>
+    </dgm:pt>
+    <dgm:pt modelId="{7581C061-0877-4E84-BA36-D96C8AD1EE30}" type="pres">
+      <dgm:prSet presAssocID="{3D37476F-5A9C-47A1-A4C2-9B0789BFDB4E}" presName="background3" presStyleLbl="node3" presStyleIdx="2" presStyleCnt="4"/>
+      <dgm:spPr/>
+    </dgm:pt>
+    <dgm:pt modelId="{3AB123D1-FA81-4809-9E5F-8085A411214A}" type="pres">
+      <dgm:prSet presAssocID="{3D37476F-5A9C-47A1-A4C2-9B0789BFDB4E}" presName="text3" presStyleLbl="fgAcc3" presStyleIdx="2" presStyleCnt="4">
+        <dgm:presLayoutVars>
+          <dgm:chPref val="3"/>
+        </dgm:presLayoutVars>
+      </dgm:prSet>
+      <dgm:spPr/>
+    </dgm:pt>
+    <dgm:pt modelId="{D6189093-4C19-4C44-9A74-1E6A7EA688F7}" type="pres">
+      <dgm:prSet presAssocID="{3D37476F-5A9C-47A1-A4C2-9B0789BFDB4E}" presName="hierChild4" presStyleCnt="0"/>
+      <dgm:spPr/>
+    </dgm:pt>
+    <dgm:pt modelId="{3319C0F0-14D0-45B7-9387-5E9BB0F5A8BF}" type="pres">
+      <dgm:prSet presAssocID="{24DF606A-890C-46CB-AC0B-34AE0A00E6B8}" presName="Name23" presStyleLbl="parChTrans1D4" presStyleIdx="4" presStyleCnt="5"/>
+      <dgm:spPr/>
+    </dgm:pt>
+    <dgm:pt modelId="{C12B9BE8-23FD-4664-90AA-B5677E3601D2}" type="pres">
+      <dgm:prSet presAssocID="{9085228D-45D4-4FED-9301-3024735C6611}" presName="hierRoot4" presStyleCnt="0"/>
+      <dgm:spPr/>
+    </dgm:pt>
+    <dgm:pt modelId="{C572F7C2-83A3-4F12-8702-27FD92E1DA53}" type="pres">
+      <dgm:prSet presAssocID="{9085228D-45D4-4FED-9301-3024735C6611}" presName="composite4" presStyleCnt="0"/>
+      <dgm:spPr/>
+    </dgm:pt>
+    <dgm:pt modelId="{0D45498E-75F9-4A84-97E5-E79129DE5AF2}" type="pres">
+      <dgm:prSet presAssocID="{9085228D-45D4-4FED-9301-3024735C6611}" presName="background4" presStyleLbl="node4" presStyleIdx="4" presStyleCnt="5"/>
+      <dgm:spPr/>
+    </dgm:pt>
+    <dgm:pt modelId="{AC768B6C-95E6-4F3C-A80D-515646F09449}" type="pres">
+      <dgm:prSet presAssocID="{9085228D-45D4-4FED-9301-3024735C6611}" presName="text4" presStyleLbl="fgAcc4" presStyleIdx="4" presStyleCnt="5">
+        <dgm:presLayoutVars>
+          <dgm:chPref val="3"/>
+        </dgm:presLayoutVars>
+      </dgm:prSet>
+      <dgm:spPr/>
+    </dgm:pt>
+    <dgm:pt modelId="{A7F23011-BE75-4985-BB38-357A123FC128}" type="pres">
+      <dgm:prSet presAssocID="{9085228D-45D4-4FED-9301-3024735C6611}" presName="hierChild5" presStyleCnt="0"/>
+      <dgm:spPr/>
+    </dgm:pt>
+    <dgm:pt modelId="{CB282312-7243-43FB-82B7-275360627D69}" type="pres">
+      <dgm:prSet presAssocID="{CC56939A-3973-4589-96C9-DC8CB28984A3}" presName="Name17" presStyleLbl="parChTrans1D3" presStyleIdx="3" presStyleCnt="4"/>
+      <dgm:spPr/>
+    </dgm:pt>
+    <dgm:pt modelId="{5EF19D0F-2E71-4C6F-BD04-0CECAE5490A0}" type="pres">
+      <dgm:prSet presAssocID="{48BD9997-6F1D-444F-813E-AAD275F5C24F}" presName="hierRoot3" presStyleCnt="0"/>
+      <dgm:spPr/>
+    </dgm:pt>
+    <dgm:pt modelId="{24F98BB3-57A6-42A5-9564-353C8EACA751}" type="pres">
+      <dgm:prSet presAssocID="{48BD9997-6F1D-444F-813E-AAD275F5C24F}" presName="composite3" presStyleCnt="0"/>
+      <dgm:spPr/>
+    </dgm:pt>
+    <dgm:pt modelId="{5B67495B-E4B9-44A2-816A-4E4EDCE05A72}" type="pres">
+      <dgm:prSet presAssocID="{48BD9997-6F1D-444F-813E-AAD275F5C24F}" presName="background3" presStyleLbl="node3" presStyleIdx="3" presStyleCnt="4"/>
+      <dgm:spPr/>
+    </dgm:pt>
+    <dgm:pt modelId="{5D6E0E8C-A1AF-4835-8ABF-7D79CEA51758}" type="pres">
+      <dgm:prSet presAssocID="{48BD9997-6F1D-444F-813E-AAD275F5C24F}" presName="text3" presStyleLbl="fgAcc3" presStyleIdx="3" presStyleCnt="4">
+        <dgm:presLayoutVars>
+          <dgm:chPref val="3"/>
+        </dgm:presLayoutVars>
+      </dgm:prSet>
+      <dgm:spPr/>
+    </dgm:pt>
+    <dgm:pt modelId="{11089E75-1B19-42BE-8653-60F9A2415492}" type="pres">
+      <dgm:prSet presAssocID="{48BD9997-6F1D-444F-813E-AAD275F5C24F}" presName="hierChild4" presStyleCnt="0"/>
+      <dgm:spPr/>
+    </dgm:pt>
+  </dgm:ptLst>
+  <dgm:cxnLst>
+    <dgm:cxn modelId="{55634B0E-7FA0-4D7F-84DA-C2D41E1F8C1E}" type="presOf" srcId="{4D98DB1C-C246-4E6B-9430-04780E9DF6F4}" destId="{0A4273B5-0E00-45B5-9E3C-668068EDA120}" srcOrd="0" destOrd="0" presId="urn:microsoft.com/office/officeart/2005/8/layout/hierarchy1"/>
+    <dgm:cxn modelId="{40F5C514-6993-4853-961E-CA7F21C060CB}" srcId="{7E2A6132-B514-408B-A117-9158CBC2901D}" destId="{C360BBC6-B2AD-4EF0-8C46-A2DCD444BD67}" srcOrd="0" destOrd="0" parTransId="{376DE7B0-F93E-4A2B-B976-6C912762F446}" sibTransId="{45157DD5-2CD0-4F39-9B20-7F14BECF1FA3}"/>
+    <dgm:cxn modelId="{C185F516-A193-4FA7-9293-5D4FC186A350}" srcId="{CE928F84-9D52-4F36-8107-8DC658C87F97}" destId="{48BD9997-6F1D-444F-813E-AAD275F5C24F}" srcOrd="1" destOrd="0" parTransId="{CC56939A-3973-4589-96C9-DC8CB28984A3}" sibTransId="{816AC23E-2175-444B-B5E0-F84C55149620}"/>
+    <dgm:cxn modelId="{77611A1C-005C-4ED2-949C-085FC549024C}" type="presOf" srcId="{A42230F9-3C6F-417E-B71C-89C107AF924C}" destId="{3F515242-3A96-42C9-97F4-E7ADDEB18684}" srcOrd="0" destOrd="0" presId="urn:microsoft.com/office/officeart/2005/8/layout/hierarchy1"/>
+    <dgm:cxn modelId="{74A43433-AF2A-45ED-AB84-652EB74A13D7}" srcId="{CB3B3794-A4E6-4A68-89D9-D974A17102A6}" destId="{62C14845-35AC-4E44-9C38-B916796E2EBB}" srcOrd="0" destOrd="0" parTransId="{B5B06355-713B-4099-A670-65717B56C203}" sibTransId="{38C98935-807A-469A-9D6E-B186F8064981}"/>
+    <dgm:cxn modelId="{03585B33-67A0-491B-8A3A-137A4DD6D919}" type="presOf" srcId="{64E69085-F90D-4307-AAED-4BA2D5DEB068}" destId="{A4DD4CBB-9496-4A04-839C-942A2A868277}" srcOrd="0" destOrd="0" presId="urn:microsoft.com/office/officeart/2005/8/layout/hierarchy1"/>
+    <dgm:cxn modelId="{68CCE93D-B358-4327-B110-5CAC8F325B22}" type="presOf" srcId="{48BD9997-6F1D-444F-813E-AAD275F5C24F}" destId="{5D6E0E8C-A1AF-4835-8ABF-7D79CEA51758}" srcOrd="0" destOrd="0" presId="urn:microsoft.com/office/officeart/2005/8/layout/hierarchy1"/>
+    <dgm:cxn modelId="{8EE83965-4146-4F90-A1FC-9B34681EE3DC}" type="presOf" srcId="{3D37476F-5A9C-47A1-A4C2-9B0789BFDB4E}" destId="{3AB123D1-FA81-4809-9E5F-8085A411214A}" srcOrd="0" destOrd="0" presId="urn:microsoft.com/office/officeart/2005/8/layout/hierarchy1"/>
+    <dgm:cxn modelId="{01446A65-17A9-4116-9DCF-EFB84C1F9496}" srcId="{23F10225-7944-4BF3-817A-3B374BB1FE40}" destId="{7B30E61A-1940-42DB-B117-81937CD6C41A}" srcOrd="1" destOrd="0" parTransId="{0B644E7A-90DC-4159-9C8C-86959ACE87F0}" sibTransId="{7BAACD2C-B8DC-4B13-9CC8-6B0FB5DADBB5}"/>
+    <dgm:cxn modelId="{0F534E69-E939-4972-91FE-B28E27786B3D}" srcId="{C360BBC6-B2AD-4EF0-8C46-A2DCD444BD67}" destId="{CE928F84-9D52-4F36-8107-8DC658C87F97}" srcOrd="1" destOrd="0" parTransId="{50FE1FDB-56A9-41B6-AD72-7E93B262B454}" sibTransId="{D604B452-FC80-4E65-B9E5-1F854FC0A893}"/>
+    <dgm:cxn modelId="{0E0CA949-6412-4666-B2E1-4EA351AD9030}" srcId="{C360BBC6-B2AD-4EF0-8C46-A2DCD444BD67}" destId="{23F10225-7944-4BF3-817A-3B374BB1FE40}" srcOrd="0" destOrd="0" parTransId="{8AA27DDF-A721-4DF6-BE71-24A3FFCD6E92}" sibTransId="{7B5F720D-3ABB-4B5B-8A60-58A19772ED1F}"/>
+    <dgm:cxn modelId="{5ABE286B-E6E0-4BEE-88D9-18EFD3A33D58}" type="presOf" srcId="{0B644E7A-90DC-4159-9C8C-86959ACE87F0}" destId="{8171684E-8717-4C57-8E70-EFF4EDDDE0FF}" srcOrd="0" destOrd="0" presId="urn:microsoft.com/office/officeart/2005/8/layout/hierarchy1"/>
+    <dgm:cxn modelId="{7C781F50-EDF1-46ED-AEFE-61B630C28F05}" type="presOf" srcId="{CC2CD46C-89A0-46D2-943F-311E1CA82A52}" destId="{F06F0523-2AEB-48A8-B312-9C7C8E54CAD6}" srcOrd="0" destOrd="0" presId="urn:microsoft.com/office/officeart/2005/8/layout/hierarchy1"/>
+    <dgm:cxn modelId="{B0518052-F8AC-4373-A499-0BFD4B13658B}" srcId="{23F10225-7944-4BF3-817A-3B374BB1FE40}" destId="{CB3B3794-A4E6-4A68-89D9-D974A17102A6}" srcOrd="0" destOrd="0" parTransId="{A42230F9-3C6F-417E-B71C-89C107AF924C}" sibTransId="{D5DF0C19-37B4-4F8D-8C0F-515D1FCE900B}"/>
+    <dgm:cxn modelId="{1791AF78-0E72-4A44-9ACF-E8E3D7D3A5CE}" type="presOf" srcId="{CB3B3794-A4E6-4A68-89D9-D974A17102A6}" destId="{E3D724D5-1DD2-4393-B85A-1D8F0722E3C7}" srcOrd="0" destOrd="0" presId="urn:microsoft.com/office/officeart/2005/8/layout/hierarchy1"/>
+    <dgm:cxn modelId="{9308AD7C-C2F5-4E75-B832-657BF5CCBC23}" srcId="{3D37476F-5A9C-47A1-A4C2-9B0789BFDB4E}" destId="{9085228D-45D4-4FED-9301-3024735C6611}" srcOrd="0" destOrd="0" parTransId="{24DF606A-890C-46CB-AC0B-34AE0A00E6B8}" sibTransId="{C2853359-DCA6-4D0A-9151-7C2FD02F021C}"/>
+    <dgm:cxn modelId="{0594B183-F0E6-4859-B3A4-EEE377688813}" type="presOf" srcId="{CC56939A-3973-4589-96C9-DC8CB28984A3}" destId="{CB282312-7243-43FB-82B7-275360627D69}" srcOrd="0" destOrd="0" presId="urn:microsoft.com/office/officeart/2005/8/layout/hierarchy1"/>
+    <dgm:cxn modelId="{DE9A9E86-BC30-4B2A-80CE-A563345AF6A7}" type="presOf" srcId="{62C14845-35AC-4E44-9C38-B916796E2EBB}" destId="{85FAFF17-11E3-4250-913C-89A3B71CE98A}" srcOrd="0" destOrd="0" presId="urn:microsoft.com/office/officeart/2005/8/layout/hierarchy1"/>
+    <dgm:cxn modelId="{9C5F078D-B50E-4B74-89D2-7EF06C4850C4}" srcId="{CE928F84-9D52-4F36-8107-8DC658C87F97}" destId="{3D37476F-5A9C-47A1-A4C2-9B0789BFDB4E}" srcOrd="0" destOrd="0" parTransId="{CC2CD46C-89A0-46D2-943F-311E1CA82A52}" sibTransId="{F7818BA6-99AD-4E07-9917-A08D897B3704}"/>
+    <dgm:cxn modelId="{2873B28F-F62D-4469-8FF8-365F62FEE721}" type="presOf" srcId="{50FE1FDB-56A9-41B6-AD72-7E93B262B454}" destId="{58B616C5-6AB3-456F-8731-F15381CEC212}" srcOrd="0" destOrd="0" presId="urn:microsoft.com/office/officeart/2005/8/layout/hierarchy1"/>
+    <dgm:cxn modelId="{C5FD0F94-6911-42F7-A1C6-4662299CF1C5}" srcId="{7B30E61A-1940-42DB-B117-81937CD6C41A}" destId="{114EE002-FE4D-4A89-B3BB-DD9BF1102C19}" srcOrd="0" destOrd="0" parTransId="{4D98DB1C-C246-4E6B-9430-04780E9DF6F4}" sibTransId="{E9FD7A4C-F3A0-46C1-A8A5-685649112D7E}"/>
+    <dgm:cxn modelId="{39328A97-1234-47B4-AE81-75495DACC48A}" type="presOf" srcId="{24DF606A-890C-46CB-AC0B-34AE0A00E6B8}" destId="{3319C0F0-14D0-45B7-9387-5E9BB0F5A8BF}" srcOrd="0" destOrd="0" presId="urn:microsoft.com/office/officeart/2005/8/layout/hierarchy1"/>
+    <dgm:cxn modelId="{E0A128A2-69FE-4D49-A3EC-88B12C5E5580}" type="presOf" srcId="{46084021-9818-4A80-BFFB-816FC818EFCA}" destId="{3F55491E-6877-4C54-8153-14AF53B506EC}" srcOrd="0" destOrd="0" presId="urn:microsoft.com/office/officeart/2005/8/layout/hierarchy1"/>
+    <dgm:cxn modelId="{8587C2B2-D4A5-4373-A591-3847881D655F}" srcId="{62C14845-35AC-4E44-9C38-B916796E2EBB}" destId="{64E69085-F90D-4307-AAED-4BA2D5DEB068}" srcOrd="0" destOrd="0" parTransId="{46084021-9818-4A80-BFFB-816FC818EFCA}" sibTransId="{0A104D1C-D47A-41A8-935D-8F1A6D271ECC}"/>
+    <dgm:cxn modelId="{D17D5EB7-7712-4963-BDA6-F776CCE348D2}" type="presOf" srcId="{7B30E61A-1940-42DB-B117-81937CD6C41A}" destId="{06B27FFD-D997-465E-A198-1E54EDCA58B9}" srcOrd="0" destOrd="0" presId="urn:microsoft.com/office/officeart/2005/8/layout/hierarchy1"/>
+    <dgm:cxn modelId="{CA0874C5-DC5C-457A-AB71-84C147DB678C}" type="presOf" srcId="{9085228D-45D4-4FED-9301-3024735C6611}" destId="{AC768B6C-95E6-4F3C-A80D-515646F09449}" srcOrd="0" destOrd="0" presId="urn:microsoft.com/office/officeart/2005/8/layout/hierarchy1"/>
+    <dgm:cxn modelId="{B2C90BCA-C682-4872-85CF-8614CB68CD99}" type="presOf" srcId="{594029BF-CBE7-434D-9169-ACA2D3AEBA17}" destId="{D56D653B-A5F3-46EA-8B68-DA8A87F04A4F}" srcOrd="0" destOrd="0" presId="urn:microsoft.com/office/officeart/2005/8/layout/hierarchy1"/>
+    <dgm:cxn modelId="{4440F4D4-0974-42E2-91F9-49B6735FB6F7}" type="presOf" srcId="{4E70469C-9C83-44BF-AABA-2AD54FD0D8DB}" destId="{EB779E5F-F9EE-4DA2-8DB9-B365645FD6F2}" srcOrd="0" destOrd="0" presId="urn:microsoft.com/office/officeart/2005/8/layout/hierarchy1"/>
+    <dgm:cxn modelId="{5F1D7CDE-DB5E-42C0-8B54-23A44C5D1E42}" type="presOf" srcId="{C360BBC6-B2AD-4EF0-8C46-A2DCD444BD67}" destId="{F58BE2AB-6EA1-4477-8AEA-935FBD7A08B2}" srcOrd="0" destOrd="0" presId="urn:microsoft.com/office/officeart/2005/8/layout/hierarchy1"/>
+    <dgm:cxn modelId="{2F8C80E0-9AC8-4721-9D2D-324B3A7A8B91}" type="presOf" srcId="{23F10225-7944-4BF3-817A-3B374BB1FE40}" destId="{B115BAE8-48F3-4484-9286-2FD70C48F441}" srcOrd="0" destOrd="0" presId="urn:microsoft.com/office/officeart/2005/8/layout/hierarchy1"/>
+    <dgm:cxn modelId="{7E8810E2-6ADB-474D-AE53-7F707B436C9F}" type="presOf" srcId="{114EE002-FE4D-4A89-B3BB-DD9BF1102C19}" destId="{2DEE47DD-C257-4214-A28A-846A8C9BFCB3}" srcOrd="0" destOrd="0" presId="urn:microsoft.com/office/officeart/2005/8/layout/hierarchy1"/>
+    <dgm:cxn modelId="{6E7B0FEC-033B-4A7E-9572-72076C7A683B}" type="presOf" srcId="{B5B06355-713B-4099-A670-65717B56C203}" destId="{8415736A-43BA-48E7-8531-13FD3867A1AB}" srcOrd="0" destOrd="0" presId="urn:microsoft.com/office/officeart/2005/8/layout/hierarchy1"/>
+    <dgm:cxn modelId="{89DC08EF-E6F5-467F-925F-3E6C2D5E6E98}" type="presOf" srcId="{7E2A6132-B514-408B-A117-9158CBC2901D}" destId="{D9C07F3B-9D2A-41A3-A709-ECF0B911E7C2}" srcOrd="0" destOrd="0" presId="urn:microsoft.com/office/officeart/2005/8/layout/hierarchy1"/>
+    <dgm:cxn modelId="{7AA9F7F0-5615-4367-AEA0-6D5853466B0B}" srcId="{CB3B3794-A4E6-4A68-89D9-D974A17102A6}" destId="{4E70469C-9C83-44BF-AABA-2AD54FD0D8DB}" srcOrd="1" destOrd="0" parTransId="{594029BF-CBE7-434D-9169-ACA2D3AEBA17}" sibTransId="{266170B6-8445-45FA-88DB-7494632AB450}"/>
+    <dgm:cxn modelId="{61C54BF4-2090-4264-9D02-C707566BDC70}" type="presOf" srcId="{8AA27DDF-A721-4DF6-BE71-24A3FFCD6E92}" destId="{50ACC3EB-A5A1-462F-A769-388B06E7DAE6}" srcOrd="0" destOrd="0" presId="urn:microsoft.com/office/officeart/2005/8/layout/hierarchy1"/>
+    <dgm:cxn modelId="{6FF337F8-49D9-4698-BB68-3C244844B8EF}" type="presOf" srcId="{CE928F84-9D52-4F36-8107-8DC658C87F97}" destId="{0E6A1C1F-79F9-4131-B101-EEDEC0E33A58}" srcOrd="0" destOrd="0" presId="urn:microsoft.com/office/officeart/2005/8/layout/hierarchy1"/>
+    <dgm:cxn modelId="{2352E610-C16A-4B17-9CD4-92AE8D049214}" type="presParOf" srcId="{D9C07F3B-9D2A-41A3-A709-ECF0B911E7C2}" destId="{BAB87496-FA0C-457F-9617-ACDD3797F331}" srcOrd="0" destOrd="0" presId="urn:microsoft.com/office/officeart/2005/8/layout/hierarchy1"/>
+    <dgm:cxn modelId="{C025BB23-4198-4A7E-9C7A-D3BDA8D685D3}" type="presParOf" srcId="{BAB87496-FA0C-457F-9617-ACDD3797F331}" destId="{7DAFD233-0F1B-41DC-8B87-6EB00D96CE43}" srcOrd="0" destOrd="0" presId="urn:microsoft.com/office/officeart/2005/8/layout/hierarchy1"/>
+    <dgm:cxn modelId="{D3B1E095-1190-4A82-A75A-66F124940002}" type="presParOf" srcId="{7DAFD233-0F1B-41DC-8B87-6EB00D96CE43}" destId="{016ACFFB-3D5E-4E24-B6B1-475B0D12FFBA}" srcOrd="0" destOrd="0" presId="urn:microsoft.com/office/officeart/2005/8/layout/hierarchy1"/>
+    <dgm:cxn modelId="{29900C59-5656-4939-91F9-04BED05E24D7}" type="presParOf" srcId="{7DAFD233-0F1B-41DC-8B87-6EB00D96CE43}" destId="{F58BE2AB-6EA1-4477-8AEA-935FBD7A08B2}" srcOrd="1" destOrd="0" presId="urn:microsoft.com/office/officeart/2005/8/layout/hierarchy1"/>
+    <dgm:cxn modelId="{1D7354DF-75F8-42A5-A188-751E89083225}" type="presParOf" srcId="{BAB87496-FA0C-457F-9617-ACDD3797F331}" destId="{E5303384-5FE9-4856-88CC-A43CB9B5557C}" srcOrd="1" destOrd="0" presId="urn:microsoft.com/office/officeart/2005/8/layout/hierarchy1"/>
+    <dgm:cxn modelId="{441E5B82-C425-4CF9-871C-F582E65C0B25}" type="presParOf" srcId="{E5303384-5FE9-4856-88CC-A43CB9B5557C}" destId="{50ACC3EB-A5A1-462F-A769-388B06E7DAE6}" srcOrd="0" destOrd="0" presId="urn:microsoft.com/office/officeart/2005/8/layout/hierarchy1"/>
+    <dgm:cxn modelId="{694BEAF5-F4CF-46AD-AD4E-F905B7013E0C}" type="presParOf" srcId="{E5303384-5FE9-4856-88CC-A43CB9B5557C}" destId="{1AB60184-652C-48AA-A739-922A77353781}" srcOrd="1" destOrd="0" presId="urn:microsoft.com/office/officeart/2005/8/layout/hierarchy1"/>
+    <dgm:cxn modelId="{831B8529-D5AA-4438-AFBE-F949A15E0A14}" type="presParOf" srcId="{1AB60184-652C-48AA-A739-922A77353781}" destId="{915F44D8-3E07-4FBB-8454-19A63766401D}" srcOrd="0" destOrd="0" presId="urn:microsoft.com/office/officeart/2005/8/layout/hierarchy1"/>
+    <dgm:cxn modelId="{2E11E623-5C4D-4CB0-BC10-36807C54E031}" type="presParOf" srcId="{915F44D8-3E07-4FBB-8454-19A63766401D}" destId="{A4B9B632-8780-49DD-9C5F-E1433F6FDBCC}" srcOrd="0" destOrd="0" presId="urn:microsoft.com/office/officeart/2005/8/layout/hierarchy1"/>
+    <dgm:cxn modelId="{31E352CC-070D-4313-A609-B9138C52622F}" type="presParOf" srcId="{915F44D8-3E07-4FBB-8454-19A63766401D}" destId="{B115BAE8-48F3-4484-9286-2FD70C48F441}" srcOrd="1" destOrd="0" presId="urn:microsoft.com/office/officeart/2005/8/layout/hierarchy1"/>
+    <dgm:cxn modelId="{EA6078E0-9D5F-439F-A953-415EDBF534A2}" type="presParOf" srcId="{1AB60184-652C-48AA-A739-922A77353781}" destId="{8B6EE671-486E-405C-B46B-6610C1CDF8C5}" srcOrd="1" destOrd="0" presId="urn:microsoft.com/office/officeart/2005/8/layout/hierarchy1"/>
+    <dgm:cxn modelId="{7CABAA4A-020E-46AE-ACAB-052465222F71}" type="presParOf" srcId="{8B6EE671-486E-405C-B46B-6610C1CDF8C5}" destId="{3F515242-3A96-42C9-97F4-E7ADDEB18684}" srcOrd="0" destOrd="0" presId="urn:microsoft.com/office/officeart/2005/8/layout/hierarchy1"/>
+    <dgm:cxn modelId="{5913C90A-E2E8-4B3A-8CB3-AE285A7E88F7}" type="presParOf" srcId="{8B6EE671-486E-405C-B46B-6610C1CDF8C5}" destId="{5ADB06A1-2D67-4BA2-BDDA-BE3A2CBD546E}" srcOrd="1" destOrd="0" presId="urn:microsoft.com/office/officeart/2005/8/layout/hierarchy1"/>
+    <dgm:cxn modelId="{D43948E3-E3AD-4DAC-A305-1DAE81E219AE}" type="presParOf" srcId="{5ADB06A1-2D67-4BA2-BDDA-BE3A2CBD546E}" destId="{97DA400C-0D38-48F1-96B0-4EF5B8B0BAD4}" srcOrd="0" destOrd="0" presId="urn:microsoft.com/office/officeart/2005/8/layout/hierarchy1"/>
+    <dgm:cxn modelId="{739EE168-D148-4581-82E1-A2E875AB4371}" type="presParOf" srcId="{97DA400C-0D38-48F1-96B0-4EF5B8B0BAD4}" destId="{CFE437C3-D71E-48C2-894F-3DBA7555EDED}" srcOrd="0" destOrd="0" presId="urn:microsoft.com/office/officeart/2005/8/layout/hierarchy1"/>
+    <dgm:cxn modelId="{E2BC29B9-C2FD-40CE-864E-7D75FE4843C2}" type="presParOf" srcId="{97DA400C-0D38-48F1-96B0-4EF5B8B0BAD4}" destId="{E3D724D5-1DD2-4393-B85A-1D8F0722E3C7}" srcOrd="1" destOrd="0" presId="urn:microsoft.com/office/officeart/2005/8/layout/hierarchy1"/>
+    <dgm:cxn modelId="{BBCF56FB-70BB-4E7A-9938-83691F077244}" type="presParOf" srcId="{5ADB06A1-2D67-4BA2-BDDA-BE3A2CBD546E}" destId="{9463433A-F1D9-4A0F-B426-014532994506}" srcOrd="1" destOrd="0" presId="urn:microsoft.com/office/officeart/2005/8/layout/hierarchy1"/>
+    <dgm:cxn modelId="{25EA88B4-4560-44AE-B238-6ABA8C6DAC1E}" type="presParOf" srcId="{9463433A-F1D9-4A0F-B426-014532994506}" destId="{8415736A-43BA-48E7-8531-13FD3867A1AB}" srcOrd="0" destOrd="0" presId="urn:microsoft.com/office/officeart/2005/8/layout/hierarchy1"/>
+    <dgm:cxn modelId="{4F177C4C-7CDB-4BFD-91F2-A1ABDF2890A6}" type="presParOf" srcId="{9463433A-F1D9-4A0F-B426-014532994506}" destId="{6FCC9C13-678C-4936-BF7C-6A27A0BB2DFF}" srcOrd="1" destOrd="0" presId="urn:microsoft.com/office/officeart/2005/8/layout/hierarchy1"/>
+    <dgm:cxn modelId="{09A2CB1B-7C15-4570-911E-CB8227F6D73C}" type="presParOf" srcId="{6FCC9C13-678C-4936-BF7C-6A27A0BB2DFF}" destId="{C7A5AB58-27CE-4AF0-841B-D4067E3A82A7}" srcOrd="0" destOrd="0" presId="urn:microsoft.com/office/officeart/2005/8/layout/hierarchy1"/>
+    <dgm:cxn modelId="{F4FC9EF0-32F0-45ED-9DC3-5CC9080D90A6}" type="presParOf" srcId="{C7A5AB58-27CE-4AF0-841B-D4067E3A82A7}" destId="{2DC796D9-B457-4A23-833A-8FBE68887679}" srcOrd="0" destOrd="0" presId="urn:microsoft.com/office/officeart/2005/8/layout/hierarchy1"/>
+    <dgm:cxn modelId="{60F15414-E225-495D-9EE7-BC0B6B10E8A2}" type="presParOf" srcId="{C7A5AB58-27CE-4AF0-841B-D4067E3A82A7}" destId="{85FAFF17-11E3-4250-913C-89A3B71CE98A}" srcOrd="1" destOrd="0" presId="urn:microsoft.com/office/officeart/2005/8/layout/hierarchy1"/>
+    <dgm:cxn modelId="{DFA65FAF-D05F-479F-A701-92BEFACF81DA}" type="presParOf" srcId="{6FCC9C13-678C-4936-BF7C-6A27A0BB2DFF}" destId="{90BAF9DE-91EA-4106-85F7-70CA7A1EBAD3}" srcOrd="1" destOrd="0" presId="urn:microsoft.com/office/officeart/2005/8/layout/hierarchy1"/>
+    <dgm:cxn modelId="{918F652D-B904-4631-8A54-6AAF3D8A52B2}" type="presParOf" srcId="{90BAF9DE-91EA-4106-85F7-70CA7A1EBAD3}" destId="{3F55491E-6877-4C54-8153-14AF53B506EC}" srcOrd="0" destOrd="0" presId="urn:microsoft.com/office/officeart/2005/8/layout/hierarchy1"/>
+    <dgm:cxn modelId="{6FC8D769-0875-4195-AC4B-6B6A7063E387}" type="presParOf" srcId="{90BAF9DE-91EA-4106-85F7-70CA7A1EBAD3}" destId="{08A97610-8072-4FE1-9CA6-C4CFEBDADE1A}" srcOrd="1" destOrd="0" presId="urn:microsoft.com/office/officeart/2005/8/layout/hierarchy1"/>
+    <dgm:cxn modelId="{7CEF9130-CFC2-4737-9A1A-4D38879386E0}" type="presParOf" srcId="{08A97610-8072-4FE1-9CA6-C4CFEBDADE1A}" destId="{48AF2D6A-8717-4E72-B1E6-FC0A0968CDE0}" srcOrd="0" destOrd="0" presId="urn:microsoft.com/office/officeart/2005/8/layout/hierarchy1"/>
+    <dgm:cxn modelId="{ADFEDAE2-21F0-49BB-8B03-035B1576B803}" type="presParOf" srcId="{48AF2D6A-8717-4E72-B1E6-FC0A0968CDE0}" destId="{663219F1-649B-4B10-B488-92C7724DC6F1}" srcOrd="0" destOrd="0" presId="urn:microsoft.com/office/officeart/2005/8/layout/hierarchy1"/>
+    <dgm:cxn modelId="{AEB6A430-ACC2-4F1E-B5C3-416233D3DDBD}" type="presParOf" srcId="{48AF2D6A-8717-4E72-B1E6-FC0A0968CDE0}" destId="{A4DD4CBB-9496-4A04-839C-942A2A868277}" srcOrd="1" destOrd="0" presId="urn:microsoft.com/office/officeart/2005/8/layout/hierarchy1"/>
+    <dgm:cxn modelId="{B4582CA5-0A72-47DE-A2DE-2FA3C89F7F04}" type="presParOf" srcId="{08A97610-8072-4FE1-9CA6-C4CFEBDADE1A}" destId="{C77BCF18-B70A-4A74-8251-F9332F284827}" srcOrd="1" destOrd="0" presId="urn:microsoft.com/office/officeart/2005/8/layout/hierarchy1"/>
+    <dgm:cxn modelId="{722B600C-1B7E-490F-9482-1396D4E25D63}" type="presParOf" srcId="{9463433A-F1D9-4A0F-B426-014532994506}" destId="{D56D653B-A5F3-46EA-8B68-DA8A87F04A4F}" srcOrd="2" destOrd="0" presId="urn:microsoft.com/office/officeart/2005/8/layout/hierarchy1"/>
+    <dgm:cxn modelId="{74DE204E-2FB3-4517-9727-83355BD830B4}" type="presParOf" srcId="{9463433A-F1D9-4A0F-B426-014532994506}" destId="{F6D594DE-CDCF-41A9-B58F-961798C93ED3}" srcOrd="3" destOrd="0" presId="urn:microsoft.com/office/officeart/2005/8/layout/hierarchy1"/>
+    <dgm:cxn modelId="{5A56179F-8F14-4FF7-8778-A455725FB01C}" type="presParOf" srcId="{F6D594DE-CDCF-41A9-B58F-961798C93ED3}" destId="{FB30D3B8-6794-47D7-AD14-A779BF802627}" srcOrd="0" destOrd="0" presId="urn:microsoft.com/office/officeart/2005/8/layout/hierarchy1"/>
+    <dgm:cxn modelId="{D01D5433-8508-4181-928E-EC975F4AFC6D}" type="presParOf" srcId="{FB30D3B8-6794-47D7-AD14-A779BF802627}" destId="{05872E14-4F22-43B4-8F72-4CEFF6FC18B9}" srcOrd="0" destOrd="0" presId="urn:microsoft.com/office/officeart/2005/8/layout/hierarchy1"/>
+    <dgm:cxn modelId="{5AF46D92-5B09-49F2-82C3-5D8D713AEB39}" type="presParOf" srcId="{FB30D3B8-6794-47D7-AD14-A779BF802627}" destId="{EB779E5F-F9EE-4DA2-8DB9-B365645FD6F2}" srcOrd="1" destOrd="0" presId="urn:microsoft.com/office/officeart/2005/8/layout/hierarchy1"/>
+    <dgm:cxn modelId="{0FCF487E-002C-4213-8468-3180B2D10516}" type="presParOf" srcId="{F6D594DE-CDCF-41A9-B58F-961798C93ED3}" destId="{2F87EA2C-CE37-41B5-9C71-921273451112}" srcOrd="1" destOrd="0" presId="urn:microsoft.com/office/officeart/2005/8/layout/hierarchy1"/>
+    <dgm:cxn modelId="{2C6AEEED-DAE0-46D7-BD31-926CA9C057CB}" type="presParOf" srcId="{8B6EE671-486E-405C-B46B-6610C1CDF8C5}" destId="{8171684E-8717-4C57-8E70-EFF4EDDDE0FF}" srcOrd="2" destOrd="0" presId="urn:microsoft.com/office/officeart/2005/8/layout/hierarchy1"/>
+    <dgm:cxn modelId="{968C0245-233B-4F16-8F0D-12DAED480BEC}" type="presParOf" srcId="{8B6EE671-486E-405C-B46B-6610C1CDF8C5}" destId="{BCDDD24F-A82E-42A8-B429-A830CFD1EACF}" srcOrd="3" destOrd="0" presId="urn:microsoft.com/office/officeart/2005/8/layout/hierarchy1"/>
+    <dgm:cxn modelId="{A355B606-F11E-458A-89A2-8C07D1BB9C04}" type="presParOf" srcId="{BCDDD24F-A82E-42A8-B429-A830CFD1EACF}" destId="{D23E5E0C-024A-4E35-B56E-1E16CA37AA46}" srcOrd="0" destOrd="0" presId="urn:microsoft.com/office/officeart/2005/8/layout/hierarchy1"/>
+    <dgm:cxn modelId="{830E456C-6D98-4047-9BAC-3B8A3C001109}" type="presParOf" srcId="{D23E5E0C-024A-4E35-B56E-1E16CA37AA46}" destId="{63E0BE0B-87C5-4E9E-A222-AF624768F0DA}" srcOrd="0" destOrd="0" presId="urn:microsoft.com/office/officeart/2005/8/layout/hierarchy1"/>
+    <dgm:cxn modelId="{DE551652-81B2-4C56-8BA1-556118668209}" type="presParOf" srcId="{D23E5E0C-024A-4E35-B56E-1E16CA37AA46}" destId="{06B27FFD-D997-465E-A198-1E54EDCA58B9}" srcOrd="1" destOrd="0" presId="urn:microsoft.com/office/officeart/2005/8/layout/hierarchy1"/>
+    <dgm:cxn modelId="{8416CF2F-FEE0-4B71-ACD0-1C8D7AA22246}" type="presParOf" srcId="{BCDDD24F-A82E-42A8-B429-A830CFD1EACF}" destId="{810521F2-AFF0-4A2D-9978-CE284CB991BD}" srcOrd="1" destOrd="0" presId="urn:microsoft.com/office/officeart/2005/8/layout/hierarchy1"/>
+    <dgm:cxn modelId="{F7BA73D7-D951-460A-9489-B66521DB3C44}" type="presParOf" srcId="{810521F2-AFF0-4A2D-9978-CE284CB991BD}" destId="{0A4273B5-0E00-45B5-9E3C-668068EDA120}" srcOrd="0" destOrd="0" presId="urn:microsoft.com/office/officeart/2005/8/layout/hierarchy1"/>
+    <dgm:cxn modelId="{75055ECA-7BB4-44DD-8904-B67FC302FD50}" type="presParOf" srcId="{810521F2-AFF0-4A2D-9978-CE284CB991BD}" destId="{B813C8DA-1382-4FAF-8361-B2F791FFFE4F}" srcOrd="1" destOrd="0" presId="urn:microsoft.com/office/officeart/2005/8/layout/hierarchy1"/>
+    <dgm:cxn modelId="{CD0295CA-CC40-414F-BD1A-ECDF423A9DED}" type="presParOf" srcId="{B813C8DA-1382-4FAF-8361-B2F791FFFE4F}" destId="{0F86DFAD-4593-417A-B60F-C11FEA4A5ABE}" srcOrd="0" destOrd="0" presId="urn:microsoft.com/office/officeart/2005/8/layout/hierarchy1"/>
+    <dgm:cxn modelId="{4FF0AB55-3BF0-4A60-A3AD-046C0060540E}" type="presParOf" srcId="{0F86DFAD-4593-417A-B60F-C11FEA4A5ABE}" destId="{458751D7-FEF3-4645-84DA-4D068B794437}" srcOrd="0" destOrd="0" presId="urn:microsoft.com/office/officeart/2005/8/layout/hierarchy1"/>
+    <dgm:cxn modelId="{18996E7A-ADAF-4E64-BE33-2E6B1561949E}" type="presParOf" srcId="{0F86DFAD-4593-417A-B60F-C11FEA4A5ABE}" destId="{2DEE47DD-C257-4214-A28A-846A8C9BFCB3}" srcOrd="1" destOrd="0" presId="urn:microsoft.com/office/officeart/2005/8/layout/hierarchy1"/>
+    <dgm:cxn modelId="{BDCFC295-F767-4767-ABE2-D449A3C7AA3D}" type="presParOf" srcId="{B813C8DA-1382-4FAF-8361-B2F791FFFE4F}" destId="{11F1CACD-7E56-4210-B9C9-3E0DD41A9E28}" srcOrd="1" destOrd="0" presId="urn:microsoft.com/office/officeart/2005/8/layout/hierarchy1"/>
+    <dgm:cxn modelId="{C7981141-BA42-4EC1-A225-8C6B18DD1DEA}" type="presParOf" srcId="{E5303384-5FE9-4856-88CC-A43CB9B5557C}" destId="{58B616C5-6AB3-456F-8731-F15381CEC212}" srcOrd="2" destOrd="0" presId="urn:microsoft.com/office/officeart/2005/8/layout/hierarchy1"/>
+    <dgm:cxn modelId="{270234A4-F193-4198-82AD-3A73E8471267}" type="presParOf" srcId="{E5303384-5FE9-4856-88CC-A43CB9B5557C}" destId="{469D8920-1E49-44F4-B9A5-04B24948A477}" srcOrd="3" destOrd="0" presId="urn:microsoft.com/office/officeart/2005/8/layout/hierarchy1"/>
+    <dgm:cxn modelId="{1C69A125-5AE7-4D73-B410-1C11EEEFACE0}" type="presParOf" srcId="{469D8920-1E49-44F4-B9A5-04B24948A477}" destId="{34A9D116-48B3-4A4C-B3A6-E769286BE5D2}" srcOrd="0" destOrd="0" presId="urn:microsoft.com/office/officeart/2005/8/layout/hierarchy1"/>
+    <dgm:cxn modelId="{5EC7C3B3-35CF-45AC-91FA-53A8A1A615C4}" type="presParOf" srcId="{34A9D116-48B3-4A4C-B3A6-E769286BE5D2}" destId="{71C96669-7B3C-49C3-BA06-9752874EE797}" srcOrd="0" destOrd="0" presId="urn:microsoft.com/office/officeart/2005/8/layout/hierarchy1"/>
+    <dgm:cxn modelId="{9365BA88-1B65-499A-89BB-AA803EE6F457}" type="presParOf" srcId="{34A9D116-48B3-4A4C-B3A6-E769286BE5D2}" destId="{0E6A1C1F-79F9-4131-B101-EEDEC0E33A58}" srcOrd="1" destOrd="0" presId="urn:microsoft.com/office/officeart/2005/8/layout/hierarchy1"/>
+    <dgm:cxn modelId="{B08E56C7-1B46-4EE6-B93F-0B383A417EC6}" type="presParOf" srcId="{469D8920-1E49-44F4-B9A5-04B24948A477}" destId="{CBC28764-AA36-42FE-AACD-4321343CE1E7}" srcOrd="1" destOrd="0" presId="urn:microsoft.com/office/officeart/2005/8/layout/hierarchy1"/>
+    <dgm:cxn modelId="{07802F9D-1099-468F-B76A-9537B64691C0}" type="presParOf" srcId="{CBC28764-AA36-42FE-AACD-4321343CE1E7}" destId="{F06F0523-2AEB-48A8-B312-9C7C8E54CAD6}" srcOrd="0" destOrd="0" presId="urn:microsoft.com/office/officeart/2005/8/layout/hierarchy1"/>
+    <dgm:cxn modelId="{BDBA58BA-ADEA-4F3C-8152-499FDDB05EA8}" type="presParOf" srcId="{CBC28764-AA36-42FE-AACD-4321343CE1E7}" destId="{2036BFDA-6383-4C1E-9B0F-BEAA66D55FCD}" srcOrd="1" destOrd="0" presId="urn:microsoft.com/office/officeart/2005/8/layout/hierarchy1"/>
+    <dgm:cxn modelId="{04454B16-2C63-46BA-9371-4E35C2CE617B}" type="presParOf" srcId="{2036BFDA-6383-4C1E-9B0F-BEAA66D55FCD}" destId="{F1BD7895-0AA6-458C-9AAC-EEAD9E513810}" srcOrd="0" destOrd="0" presId="urn:microsoft.com/office/officeart/2005/8/layout/hierarchy1"/>
+    <dgm:cxn modelId="{13632746-1FAB-4345-BFA6-679F1E2CABB9}" type="presParOf" srcId="{F1BD7895-0AA6-458C-9AAC-EEAD9E513810}" destId="{7581C061-0877-4E84-BA36-D96C8AD1EE30}" srcOrd="0" destOrd="0" presId="urn:microsoft.com/office/officeart/2005/8/layout/hierarchy1"/>
+    <dgm:cxn modelId="{E8CE40B4-5318-47F6-8A31-2B7D36AF0998}" type="presParOf" srcId="{F1BD7895-0AA6-458C-9AAC-EEAD9E513810}" destId="{3AB123D1-FA81-4809-9E5F-8085A411214A}" srcOrd="1" destOrd="0" presId="urn:microsoft.com/office/officeart/2005/8/layout/hierarchy1"/>
+    <dgm:cxn modelId="{20A9E524-1C89-4D94-B056-B7E4DF2A8ACF}" type="presParOf" srcId="{2036BFDA-6383-4C1E-9B0F-BEAA66D55FCD}" destId="{D6189093-4C19-4C44-9A74-1E6A7EA688F7}" srcOrd="1" destOrd="0" presId="urn:microsoft.com/office/officeart/2005/8/layout/hierarchy1"/>
+    <dgm:cxn modelId="{0F04EDF6-B48F-4B8B-8976-0F6D1EC242E1}" type="presParOf" srcId="{D6189093-4C19-4C44-9A74-1E6A7EA688F7}" destId="{3319C0F0-14D0-45B7-9387-5E9BB0F5A8BF}" srcOrd="0" destOrd="0" presId="urn:microsoft.com/office/officeart/2005/8/layout/hierarchy1"/>
+    <dgm:cxn modelId="{BE08DBA7-B3CB-46C8-A423-A0A5A510A496}" type="presParOf" srcId="{D6189093-4C19-4C44-9A74-1E6A7EA688F7}" destId="{C12B9BE8-23FD-4664-90AA-B5677E3601D2}" srcOrd="1" destOrd="0" presId="urn:microsoft.com/office/officeart/2005/8/layout/hierarchy1"/>
+    <dgm:cxn modelId="{F4B4557D-6118-44F8-BFBC-C7AEF387889A}" type="presParOf" srcId="{C12B9BE8-23FD-4664-90AA-B5677E3601D2}" destId="{C572F7C2-83A3-4F12-8702-27FD92E1DA53}" srcOrd="0" destOrd="0" presId="urn:microsoft.com/office/officeart/2005/8/layout/hierarchy1"/>
+    <dgm:cxn modelId="{A01F4A53-8126-486E-9019-52AC6DBF1FC0}" type="presParOf" srcId="{C572F7C2-83A3-4F12-8702-27FD92E1DA53}" destId="{0D45498E-75F9-4A84-97E5-E79129DE5AF2}" srcOrd="0" destOrd="0" presId="urn:microsoft.com/office/officeart/2005/8/layout/hierarchy1"/>
+    <dgm:cxn modelId="{C0284320-D2F8-4EC9-BC9E-D3883887EA60}" type="presParOf" srcId="{C572F7C2-83A3-4F12-8702-27FD92E1DA53}" destId="{AC768B6C-95E6-4F3C-A80D-515646F09449}" srcOrd="1" destOrd="0" presId="urn:microsoft.com/office/officeart/2005/8/layout/hierarchy1"/>
+    <dgm:cxn modelId="{704E0B44-EEF4-4B52-831F-8FD449D81B85}" type="presParOf" srcId="{C12B9BE8-23FD-4664-90AA-B5677E3601D2}" destId="{A7F23011-BE75-4985-BB38-357A123FC128}" srcOrd="1" destOrd="0" presId="urn:microsoft.com/office/officeart/2005/8/layout/hierarchy1"/>
+    <dgm:cxn modelId="{D483AD5D-DF36-41FE-A7F9-F6BEB2D36955}" type="presParOf" srcId="{CBC28764-AA36-42FE-AACD-4321343CE1E7}" destId="{CB282312-7243-43FB-82B7-275360627D69}" srcOrd="2" destOrd="0" presId="urn:microsoft.com/office/officeart/2005/8/layout/hierarchy1"/>
+    <dgm:cxn modelId="{636DFDE6-C1F4-4544-B4FF-95505FE5B551}" type="presParOf" srcId="{CBC28764-AA36-42FE-AACD-4321343CE1E7}" destId="{5EF19D0F-2E71-4C6F-BD04-0CECAE5490A0}" srcOrd="3" destOrd="0" presId="urn:microsoft.com/office/officeart/2005/8/layout/hierarchy1"/>
+    <dgm:cxn modelId="{4F212D6B-4217-4007-8ECF-B34243191778}" type="presParOf" srcId="{5EF19D0F-2E71-4C6F-BD04-0CECAE5490A0}" destId="{24F98BB3-57A6-42A5-9564-353C8EACA751}" srcOrd="0" destOrd="0" presId="urn:microsoft.com/office/officeart/2005/8/layout/hierarchy1"/>
+    <dgm:cxn modelId="{5C3BFE38-F84B-4CAD-B134-CE38AB821650}" type="presParOf" srcId="{24F98BB3-57A6-42A5-9564-353C8EACA751}" destId="{5B67495B-E4B9-44A2-816A-4E4EDCE05A72}" srcOrd="0" destOrd="0" presId="urn:microsoft.com/office/officeart/2005/8/layout/hierarchy1"/>
+    <dgm:cxn modelId="{3B99C2DF-184A-442A-8AFD-00CD3735F37C}" type="presParOf" srcId="{24F98BB3-57A6-42A5-9564-353C8EACA751}" destId="{5D6E0E8C-A1AF-4835-8ABF-7D79CEA51758}" srcOrd="1" destOrd="0" presId="urn:microsoft.com/office/officeart/2005/8/layout/hierarchy1"/>
+    <dgm:cxn modelId="{5A9BED31-C867-4852-B104-C25881A45E3C}" type="presParOf" srcId="{5EF19D0F-2E71-4C6F-BD04-0CECAE5490A0}" destId="{11089E75-1B19-42BE-8653-60F9A2415492}" srcOrd="1" destOrd="0" presId="urn:microsoft.com/office/officeart/2005/8/layout/hierarchy1"/>
+  </dgm:cxnLst>
+  <dgm:bg/>
+  <dgm:whole/>
+  <dgm:extLst>
+    <a:ext uri="http://schemas.microsoft.com/office/drawing/2008/diagram">
+      <dsp:dataModelExt xmlns:dsp="http://schemas.microsoft.com/office/drawing/2008/diagram" relId="rId7" minVer="http://schemas.openxmlformats.org/drawingml/2006/diagram"/>
+    </a:ext>
+  </dgm:extLst>
+</dgm:dataModel>
+</file>
+
+<file path=ppt/diagrams/drawing1.xml><?xml version="1.0" encoding="utf-8"?>
+<dsp:drawing xmlns:dgm="http://schemas.openxmlformats.org/drawingml/2006/diagram" xmlns:dsp="http://schemas.microsoft.com/office/drawing/2008/diagram" xmlns:a="http://schemas.openxmlformats.org/drawingml/2006/main">
+  <dsp:spTree>
+    <dsp:nvGrpSpPr>
+      <dsp:cNvPr id="0" name=""/>
+      <dsp:cNvGrpSpPr/>
+    </dsp:nvGrpSpPr>
+    <dsp:grpSpPr/>
+    <dsp:sp modelId="{CB282312-7243-43FB-82B7-275360627D69}">
+      <dsp:nvSpPr>
+        <dsp:cNvPr id="0" name=""/>
+        <dsp:cNvSpPr/>
+      </dsp:nvSpPr>
+      <dsp:spPr>
+        <a:xfrm>
+          <a:off x="6013473" y="1718165"/>
+          <a:ext cx="672335" cy="319970"/>
+        </a:xfrm>
+        <a:custGeom>
+          <a:avLst/>
+          <a:gdLst/>
+          <a:ahLst/>
+          <a:cxnLst/>
+          <a:rect l="0" t="0" r="0" b="0"/>
+          <a:pathLst>
+            <a:path>
+              <a:moveTo>
+                <a:pt x="0" y="0"/>
+              </a:moveTo>
+              <a:lnTo>
+                <a:pt x="0" y="218050"/>
+              </a:lnTo>
+              <a:lnTo>
+                <a:pt x="672335" y="218050"/>
+              </a:lnTo>
+              <a:lnTo>
+                <a:pt x="672335" y="319970"/>
+              </a:lnTo>
+            </a:path>
+          </a:pathLst>
+        </a:custGeom>
+        <a:noFill/>
+        <a:ln w="12700" cap="flat" cmpd="sng" algn="ctr">
+          <a:solidFill>
+            <a:schemeClr val="accent1">
+              <a:shade val="80000"/>
+              <a:hueOff val="0"/>
+              <a:satOff val="0"/>
+              <a:lumOff val="0"/>
+              <a:alphaOff val="0"/>
+            </a:schemeClr>
+          </a:solidFill>
+          <a:prstDash val="solid"/>
+          <a:miter lim="800000"/>
+        </a:ln>
+        <a:effectLst/>
+        <a:scene3d>
+          <a:camera prst="orthographicFront"/>
+          <a:lightRig rig="chilly" dir="t"/>
+        </a:scene3d>
+        <a:sp3d z="-40000" prstMaterial="matte"/>
+      </dsp:spPr>
+      <dsp:style>
+        <a:lnRef idx="2">
+          <a:scrgbClr r="0" g="0" b="0"/>
+        </a:lnRef>
+        <a:fillRef idx="0">
+          <a:scrgbClr r="0" g="0" b="0"/>
+        </a:fillRef>
+        <a:effectRef idx="0">
+          <a:scrgbClr r="0" g="0" b="0"/>
+        </a:effectRef>
+        <a:fontRef idx="minor"/>
+      </dsp:style>
+    </dsp:sp>
+    <dsp:sp modelId="{3319C0F0-14D0-45B7-9387-5E9BB0F5A8BF}">
+      <dsp:nvSpPr>
+        <dsp:cNvPr id="0" name=""/>
+        <dsp:cNvSpPr/>
+      </dsp:nvSpPr>
+      <dsp:spPr>
+        <a:xfrm>
+          <a:off x="5295418" y="2736753"/>
+          <a:ext cx="91440" cy="319970"/>
+        </a:xfrm>
+        <a:custGeom>
+          <a:avLst/>
+          <a:gdLst/>
+          <a:ahLst/>
+          <a:cxnLst/>
+          <a:rect l="0" t="0" r="0" b="0"/>
+          <a:pathLst>
+            <a:path>
+              <a:moveTo>
+                <a:pt x="45720" y="0"/>
+              </a:moveTo>
+              <a:lnTo>
+                <a:pt x="45720" y="319970"/>
+              </a:lnTo>
+            </a:path>
+          </a:pathLst>
+        </a:custGeom>
+        <a:noFill/>
+        <a:ln w="12700" cap="flat" cmpd="sng" algn="ctr">
+          <a:solidFill>
+            <a:schemeClr val="accent1">
+              <a:shade val="80000"/>
+              <a:hueOff val="0"/>
+              <a:satOff val="0"/>
+              <a:lumOff val="0"/>
+              <a:alphaOff val="0"/>
+            </a:schemeClr>
+          </a:solidFill>
+          <a:prstDash val="solid"/>
+          <a:miter lim="800000"/>
+        </a:ln>
+        <a:effectLst/>
+        <a:scene3d>
+          <a:camera prst="orthographicFront"/>
+          <a:lightRig rig="chilly" dir="t"/>
+        </a:scene3d>
+        <a:sp3d z="-40000" prstMaterial="matte"/>
+      </dsp:spPr>
+      <dsp:style>
+        <a:lnRef idx="2">
+          <a:scrgbClr r="0" g="0" b="0"/>
+        </a:lnRef>
+        <a:fillRef idx="0">
+          <a:scrgbClr r="0" g="0" b="0"/>
+        </a:fillRef>
+        <a:effectRef idx="0">
+          <a:scrgbClr r="0" g="0" b="0"/>
+        </a:effectRef>
+        <a:fontRef idx="minor"/>
+      </dsp:style>
+    </dsp:sp>
+    <dsp:sp modelId="{F06F0523-2AEB-48A8-B312-9C7C8E54CAD6}">
+      <dsp:nvSpPr>
+        <dsp:cNvPr id="0" name=""/>
+        <dsp:cNvSpPr/>
+      </dsp:nvSpPr>
+      <dsp:spPr>
+        <a:xfrm>
+          <a:off x="5341138" y="1718165"/>
+          <a:ext cx="672335" cy="319970"/>
+        </a:xfrm>
+        <a:custGeom>
+          <a:avLst/>
+          <a:gdLst/>
+          <a:ahLst/>
+          <a:cxnLst/>
+          <a:rect l="0" t="0" r="0" b="0"/>
+          <a:pathLst>
+            <a:path>
+              <a:moveTo>
+                <a:pt x="672335" y="0"/>
+              </a:moveTo>
+              <a:lnTo>
+                <a:pt x="672335" y="218050"/>
+              </a:lnTo>
+              <a:lnTo>
+                <a:pt x="0" y="218050"/>
+              </a:lnTo>
+              <a:lnTo>
+                <a:pt x="0" y="319970"/>
+              </a:lnTo>
+            </a:path>
+          </a:pathLst>
+        </a:custGeom>
+        <a:noFill/>
+        <a:ln w="12700" cap="flat" cmpd="sng" algn="ctr">
+          <a:solidFill>
+            <a:schemeClr val="accent1">
+              <a:shade val="80000"/>
+              <a:hueOff val="0"/>
+              <a:satOff val="0"/>
+              <a:lumOff val="0"/>
+              <a:alphaOff val="0"/>
+            </a:schemeClr>
+          </a:solidFill>
+          <a:prstDash val="solid"/>
+          <a:miter lim="800000"/>
+        </a:ln>
+        <a:effectLst/>
+        <a:scene3d>
+          <a:camera prst="orthographicFront"/>
+          <a:lightRig rig="chilly" dir="t"/>
+        </a:scene3d>
+        <a:sp3d z="-40000" prstMaterial="matte"/>
+      </dsp:spPr>
+      <dsp:style>
+        <a:lnRef idx="2">
+          <a:scrgbClr r="0" g="0" b="0"/>
+        </a:lnRef>
+        <a:fillRef idx="0">
+          <a:scrgbClr r="0" g="0" b="0"/>
+        </a:fillRef>
+        <a:effectRef idx="0">
+          <a:scrgbClr r="0" g="0" b="0"/>
+        </a:effectRef>
+        <a:fontRef idx="minor"/>
+      </dsp:style>
+    </dsp:sp>
+    <dsp:sp modelId="{58B616C5-6AB3-456F-8731-F15381CEC212}">
+      <dsp:nvSpPr>
+        <dsp:cNvPr id="0" name=""/>
+        <dsp:cNvSpPr/>
+      </dsp:nvSpPr>
+      <dsp:spPr>
+        <a:xfrm>
+          <a:off x="4500719" y="699577"/>
+          <a:ext cx="1512754" cy="319970"/>
+        </a:xfrm>
+        <a:custGeom>
+          <a:avLst/>
+          <a:gdLst/>
+          <a:ahLst/>
+          <a:cxnLst/>
+          <a:rect l="0" t="0" r="0" b="0"/>
+          <a:pathLst>
+            <a:path>
+              <a:moveTo>
+                <a:pt x="0" y="0"/>
+              </a:moveTo>
+              <a:lnTo>
+                <a:pt x="0" y="218050"/>
+              </a:lnTo>
+              <a:lnTo>
+                <a:pt x="1512754" y="218050"/>
+              </a:lnTo>
+              <a:lnTo>
+                <a:pt x="1512754" y="319970"/>
+              </a:lnTo>
+            </a:path>
+          </a:pathLst>
+        </a:custGeom>
+        <a:noFill/>
+        <a:ln w="12700" cap="flat" cmpd="sng" algn="ctr">
+          <a:solidFill>
+            <a:schemeClr val="accent1">
+              <a:shade val="60000"/>
+              <a:hueOff val="0"/>
+              <a:satOff val="0"/>
+              <a:lumOff val="0"/>
+              <a:alphaOff val="0"/>
+            </a:schemeClr>
+          </a:solidFill>
+          <a:prstDash val="solid"/>
+          <a:miter lim="800000"/>
+        </a:ln>
+        <a:effectLst/>
+        <a:sp3d z="-40000" prstMaterial="matte"/>
+      </dsp:spPr>
+      <dsp:style>
+        <a:lnRef idx="2">
+          <a:scrgbClr r="0" g="0" b="0"/>
+        </a:lnRef>
+        <a:fillRef idx="0">
+          <a:scrgbClr r="0" g="0" b="0"/>
+        </a:fillRef>
+        <a:effectRef idx="0">
+          <a:scrgbClr r="0" g="0" b="0"/>
+        </a:effectRef>
+        <a:fontRef idx="minor"/>
+      </dsp:style>
+    </dsp:sp>
+    <dsp:sp modelId="{0A4273B5-0E00-45B5-9E3C-668068EDA120}">
+      <dsp:nvSpPr>
+        <dsp:cNvPr id="0" name=""/>
+        <dsp:cNvSpPr/>
+      </dsp:nvSpPr>
+      <dsp:spPr>
+        <a:xfrm>
+          <a:off x="3950747" y="2736753"/>
+          <a:ext cx="91440" cy="319970"/>
+        </a:xfrm>
+        <a:custGeom>
+          <a:avLst/>
+          <a:gdLst/>
+          <a:ahLst/>
+          <a:cxnLst/>
+          <a:rect l="0" t="0" r="0" b="0"/>
+          <a:pathLst>
+            <a:path>
+              <a:moveTo>
+                <a:pt x="45720" y="0"/>
+              </a:moveTo>
+              <a:lnTo>
+                <a:pt x="45720" y="319970"/>
+              </a:lnTo>
+            </a:path>
+          </a:pathLst>
+        </a:custGeom>
+        <a:noFill/>
+        <a:ln w="12700" cap="flat" cmpd="sng" algn="ctr">
+          <a:solidFill>
+            <a:schemeClr val="accent1">
+              <a:shade val="80000"/>
+              <a:hueOff val="0"/>
+              <a:satOff val="0"/>
+              <a:lumOff val="0"/>
+              <a:alphaOff val="0"/>
+            </a:schemeClr>
+          </a:solidFill>
+          <a:prstDash val="solid"/>
+          <a:miter lim="800000"/>
+        </a:ln>
+        <a:effectLst/>
+        <a:scene3d>
+          <a:camera prst="orthographicFront"/>
+          <a:lightRig rig="chilly" dir="t"/>
+        </a:scene3d>
+        <a:sp3d z="-40000" prstMaterial="matte"/>
+      </dsp:spPr>
+      <dsp:style>
+        <a:lnRef idx="2">
+          <a:scrgbClr r="0" g="0" b="0"/>
+        </a:lnRef>
+        <a:fillRef idx="0">
+          <a:scrgbClr r="0" g="0" b="0"/>
+        </a:fillRef>
+        <a:effectRef idx="0">
+          <a:scrgbClr r="0" g="0" b="0"/>
+        </a:effectRef>
+        <a:fontRef idx="minor"/>
+      </dsp:style>
+    </dsp:sp>
+    <dsp:sp modelId="{8171684E-8717-4C57-8E70-EFF4EDDDE0FF}">
+      <dsp:nvSpPr>
+        <dsp:cNvPr id="0" name=""/>
+        <dsp:cNvSpPr/>
+      </dsp:nvSpPr>
+      <dsp:spPr>
+        <a:xfrm>
+          <a:off x="2987964" y="1718165"/>
+          <a:ext cx="1008503" cy="319970"/>
+        </a:xfrm>
+        <a:custGeom>
+          <a:avLst/>
+          <a:gdLst/>
+          <a:ahLst/>
+          <a:cxnLst/>
+          <a:rect l="0" t="0" r="0" b="0"/>
+          <a:pathLst>
+            <a:path>
+              <a:moveTo>
+                <a:pt x="0" y="0"/>
+              </a:moveTo>
+              <a:lnTo>
+                <a:pt x="0" y="218050"/>
+              </a:lnTo>
+              <a:lnTo>
+                <a:pt x="1008503" y="218050"/>
+              </a:lnTo>
+              <a:lnTo>
+                <a:pt x="1008503" y="319970"/>
+              </a:lnTo>
+            </a:path>
+          </a:pathLst>
+        </a:custGeom>
+        <a:noFill/>
+        <a:ln w="12700" cap="flat" cmpd="sng" algn="ctr">
+          <a:solidFill>
+            <a:schemeClr val="accent1">
+              <a:shade val="80000"/>
+              <a:hueOff val="0"/>
+              <a:satOff val="0"/>
+              <a:lumOff val="0"/>
+              <a:alphaOff val="0"/>
+            </a:schemeClr>
+          </a:solidFill>
+          <a:prstDash val="solid"/>
+          <a:miter lim="800000"/>
+        </a:ln>
+        <a:effectLst/>
+        <a:scene3d>
+          <a:camera prst="orthographicFront"/>
+          <a:lightRig rig="chilly" dir="t"/>
+        </a:scene3d>
+        <a:sp3d z="-40000" prstMaterial="matte"/>
+      </dsp:spPr>
+      <dsp:style>
+        <a:lnRef idx="2">
+          <a:scrgbClr r="0" g="0" b="0"/>
+        </a:lnRef>
+        <a:fillRef idx="0">
+          <a:scrgbClr r="0" g="0" b="0"/>
+        </a:fillRef>
+        <a:effectRef idx="0">
+          <a:scrgbClr r="0" g="0" b="0"/>
+        </a:effectRef>
+        <a:fontRef idx="minor"/>
+      </dsp:style>
+    </dsp:sp>
+    <dsp:sp modelId="{D56D653B-A5F3-46EA-8B68-DA8A87F04A4F}">
+      <dsp:nvSpPr>
+        <dsp:cNvPr id="0" name=""/>
+        <dsp:cNvSpPr/>
+      </dsp:nvSpPr>
+      <dsp:spPr>
+        <a:xfrm>
+          <a:off x="1979461" y="2736753"/>
+          <a:ext cx="672335" cy="319970"/>
+        </a:xfrm>
+        <a:custGeom>
+          <a:avLst/>
+          <a:gdLst/>
+          <a:ahLst/>
+          <a:cxnLst/>
+          <a:rect l="0" t="0" r="0" b="0"/>
+          <a:pathLst>
+            <a:path>
+              <a:moveTo>
+                <a:pt x="0" y="0"/>
+              </a:moveTo>
+              <a:lnTo>
+                <a:pt x="0" y="218050"/>
+              </a:lnTo>
+              <a:lnTo>
+                <a:pt x="672335" y="218050"/>
+              </a:lnTo>
+              <a:lnTo>
+                <a:pt x="672335" y="319970"/>
+              </a:lnTo>
+            </a:path>
+          </a:pathLst>
+        </a:custGeom>
+        <a:noFill/>
+        <a:ln w="12700" cap="flat" cmpd="sng" algn="ctr">
+          <a:solidFill>
+            <a:schemeClr val="accent1">
+              <a:shade val="80000"/>
+              <a:hueOff val="0"/>
+              <a:satOff val="0"/>
+              <a:lumOff val="0"/>
+              <a:alphaOff val="0"/>
+            </a:schemeClr>
+          </a:solidFill>
+          <a:prstDash val="solid"/>
+          <a:miter lim="800000"/>
+        </a:ln>
+        <a:effectLst/>
+        <a:scene3d>
+          <a:camera prst="orthographicFront"/>
+          <a:lightRig rig="chilly" dir="t"/>
+        </a:scene3d>
+        <a:sp3d z="-40000" prstMaterial="matte"/>
+      </dsp:spPr>
+      <dsp:style>
+        <a:lnRef idx="2">
+          <a:scrgbClr r="0" g="0" b="0"/>
+        </a:lnRef>
+        <a:fillRef idx="0">
+          <a:scrgbClr r="0" g="0" b="0"/>
+        </a:fillRef>
+        <a:effectRef idx="0">
+          <a:scrgbClr r="0" g="0" b="0"/>
+        </a:effectRef>
+        <a:fontRef idx="minor"/>
+      </dsp:style>
+    </dsp:sp>
+    <dsp:sp modelId="{3F55491E-6877-4C54-8153-14AF53B506EC}">
+      <dsp:nvSpPr>
+        <dsp:cNvPr id="0" name=""/>
+        <dsp:cNvSpPr/>
+      </dsp:nvSpPr>
+      <dsp:spPr>
+        <a:xfrm>
+          <a:off x="1219214" y="3755342"/>
+          <a:ext cx="91440" cy="319970"/>
+        </a:xfrm>
+        <a:custGeom>
+          <a:avLst/>
+          <a:gdLst/>
+          <a:ahLst/>
+          <a:cxnLst/>
+          <a:rect l="0" t="0" r="0" b="0"/>
+          <a:pathLst>
+            <a:path>
+              <a:moveTo>
+                <a:pt x="45720" y="0"/>
+              </a:moveTo>
+              <a:lnTo>
+                <a:pt x="45720" y="218050"/>
+              </a:lnTo>
+              <a:lnTo>
+                <a:pt x="87912" y="218050"/>
+              </a:lnTo>
+              <a:lnTo>
+                <a:pt x="87912" y="319970"/>
+              </a:lnTo>
+            </a:path>
+          </a:pathLst>
+        </a:custGeom>
+        <a:noFill/>
+        <a:ln w="12700" cap="flat" cmpd="sng" algn="ctr">
+          <a:solidFill>
+            <a:schemeClr val="accent1">
+              <a:shade val="80000"/>
+              <a:hueOff val="0"/>
+              <a:satOff val="0"/>
+              <a:lumOff val="0"/>
+              <a:alphaOff val="0"/>
+            </a:schemeClr>
+          </a:solidFill>
+          <a:prstDash val="solid"/>
+          <a:miter lim="800000"/>
+        </a:ln>
+        <a:effectLst/>
+        <a:scene3d>
+          <a:camera prst="orthographicFront"/>
+          <a:lightRig rig="chilly" dir="t"/>
+        </a:scene3d>
+        <a:sp3d z="-40000" prstMaterial="matte"/>
+      </dsp:spPr>
+      <dsp:style>
+        <a:lnRef idx="2">
+          <a:scrgbClr r="0" g="0" b="0"/>
+        </a:lnRef>
+        <a:fillRef idx="0">
+          <a:scrgbClr r="0" g="0" b="0"/>
+        </a:fillRef>
+        <a:effectRef idx="0">
+          <a:scrgbClr r="0" g="0" b="0"/>
+        </a:effectRef>
+        <a:fontRef idx="minor"/>
+      </dsp:style>
+    </dsp:sp>
+    <dsp:sp modelId="{8415736A-43BA-48E7-8531-13FD3867A1AB}">
+      <dsp:nvSpPr>
+        <dsp:cNvPr id="0" name=""/>
+        <dsp:cNvSpPr/>
+      </dsp:nvSpPr>
+      <dsp:spPr>
+        <a:xfrm>
+          <a:off x="1264934" y="2736753"/>
+          <a:ext cx="714527" cy="319970"/>
+        </a:xfrm>
+        <a:custGeom>
+          <a:avLst/>
+          <a:gdLst/>
+          <a:ahLst/>
+          <a:cxnLst/>
+          <a:rect l="0" t="0" r="0" b="0"/>
+          <a:pathLst>
+            <a:path>
+              <a:moveTo>
+                <a:pt x="714527" y="0"/>
+              </a:moveTo>
+              <a:lnTo>
+                <a:pt x="714527" y="218050"/>
+              </a:lnTo>
+              <a:lnTo>
+                <a:pt x="0" y="218050"/>
+              </a:lnTo>
+              <a:lnTo>
+                <a:pt x="0" y="319970"/>
+              </a:lnTo>
+            </a:path>
+          </a:pathLst>
+        </a:custGeom>
+        <a:noFill/>
+        <a:ln w="12700" cap="flat" cmpd="sng" algn="ctr">
+          <a:solidFill>
+            <a:schemeClr val="accent1">
+              <a:shade val="80000"/>
+              <a:hueOff val="0"/>
+              <a:satOff val="0"/>
+              <a:lumOff val="0"/>
+              <a:alphaOff val="0"/>
+            </a:schemeClr>
+          </a:solidFill>
+          <a:prstDash val="solid"/>
+          <a:miter lim="800000"/>
+        </a:ln>
+        <a:effectLst/>
+        <a:scene3d>
+          <a:camera prst="orthographicFront"/>
+          <a:lightRig rig="chilly" dir="t"/>
+        </a:scene3d>
+        <a:sp3d z="-40000" prstMaterial="matte"/>
+      </dsp:spPr>
+      <dsp:style>
+        <a:lnRef idx="2">
+          <a:scrgbClr r="0" g="0" b="0"/>
+        </a:lnRef>
+        <a:fillRef idx="0">
+          <a:scrgbClr r="0" g="0" b="0"/>
+        </a:fillRef>
+        <a:effectRef idx="0">
+          <a:scrgbClr r="0" g="0" b="0"/>
+        </a:effectRef>
+        <a:fontRef idx="minor"/>
+      </dsp:style>
+    </dsp:sp>
+    <dsp:sp modelId="{3F515242-3A96-42C9-97F4-E7ADDEB18684}">
+      <dsp:nvSpPr>
+        <dsp:cNvPr id="0" name=""/>
+        <dsp:cNvSpPr/>
+      </dsp:nvSpPr>
+      <dsp:spPr>
+        <a:xfrm>
+          <a:off x="1979461" y="1718165"/>
+          <a:ext cx="1008503" cy="319970"/>
+        </a:xfrm>
+        <a:custGeom>
+          <a:avLst/>
+          <a:gdLst/>
+          <a:ahLst/>
+          <a:cxnLst/>
+          <a:rect l="0" t="0" r="0" b="0"/>
+          <a:pathLst>
+            <a:path>
+              <a:moveTo>
+                <a:pt x="1008503" y="0"/>
+              </a:moveTo>
+              <a:lnTo>
+                <a:pt x="1008503" y="218050"/>
+              </a:lnTo>
+              <a:lnTo>
+                <a:pt x="0" y="218050"/>
+              </a:lnTo>
+              <a:lnTo>
+                <a:pt x="0" y="319970"/>
+              </a:lnTo>
+            </a:path>
+          </a:pathLst>
+        </a:custGeom>
+        <a:noFill/>
+        <a:ln w="12700" cap="flat" cmpd="sng" algn="ctr">
+          <a:solidFill>
+            <a:schemeClr val="accent1">
+              <a:shade val="80000"/>
+              <a:hueOff val="0"/>
+              <a:satOff val="0"/>
+              <a:lumOff val="0"/>
+              <a:alphaOff val="0"/>
+            </a:schemeClr>
+          </a:solidFill>
+          <a:prstDash val="solid"/>
+          <a:miter lim="800000"/>
+        </a:ln>
+        <a:effectLst/>
+        <a:scene3d>
+          <a:camera prst="orthographicFront"/>
+          <a:lightRig rig="chilly" dir="t"/>
+        </a:scene3d>
+        <a:sp3d z="-40000" prstMaterial="matte"/>
+      </dsp:spPr>
+      <dsp:style>
+        <a:lnRef idx="2">
+          <a:scrgbClr r="0" g="0" b="0"/>
+        </a:lnRef>
+        <a:fillRef idx="0">
+          <a:scrgbClr r="0" g="0" b="0"/>
+        </a:fillRef>
+        <a:effectRef idx="0">
+          <a:scrgbClr r="0" g="0" b="0"/>
+        </a:effectRef>
+        <a:fontRef idx="minor"/>
+      </dsp:style>
+    </dsp:sp>
+    <dsp:sp modelId="{50ACC3EB-A5A1-462F-A769-388B06E7DAE6}">
+      <dsp:nvSpPr>
+        <dsp:cNvPr id="0" name=""/>
+        <dsp:cNvSpPr/>
+      </dsp:nvSpPr>
+      <dsp:spPr>
+        <a:xfrm>
+          <a:off x="2987964" y="699577"/>
+          <a:ext cx="1512754" cy="319970"/>
+        </a:xfrm>
+        <a:custGeom>
+          <a:avLst/>
+          <a:gdLst/>
+          <a:ahLst/>
+          <a:cxnLst/>
+          <a:rect l="0" t="0" r="0" b="0"/>
+          <a:pathLst>
+            <a:path>
+              <a:moveTo>
+                <a:pt x="1512754" y="0"/>
+              </a:moveTo>
+              <a:lnTo>
+                <a:pt x="1512754" y="218050"/>
+              </a:lnTo>
+              <a:lnTo>
+                <a:pt x="0" y="218050"/>
+              </a:lnTo>
+              <a:lnTo>
+                <a:pt x="0" y="319970"/>
+              </a:lnTo>
+            </a:path>
+          </a:pathLst>
+        </a:custGeom>
+        <a:noFill/>
+        <a:ln w="12700" cap="flat" cmpd="sng" algn="ctr">
+          <a:solidFill>
+            <a:schemeClr val="accent1">
+              <a:shade val="60000"/>
+              <a:hueOff val="0"/>
+              <a:satOff val="0"/>
+              <a:lumOff val="0"/>
+              <a:alphaOff val="0"/>
+            </a:schemeClr>
+          </a:solidFill>
+          <a:prstDash val="solid"/>
+          <a:miter lim="800000"/>
+        </a:ln>
+        <a:effectLst/>
+        <a:sp3d z="-40000" prstMaterial="matte"/>
+      </dsp:spPr>
+      <dsp:style>
+        <a:lnRef idx="2">
+          <a:scrgbClr r="0" g="0" b="0"/>
+        </a:lnRef>
+        <a:fillRef idx="0">
+          <a:scrgbClr r="0" g="0" b="0"/>
+        </a:fillRef>
+        <a:effectRef idx="0">
+          <a:scrgbClr r="0" g="0" b="0"/>
+        </a:effectRef>
+        <a:fontRef idx="minor"/>
+      </dsp:style>
+    </dsp:sp>
+    <dsp:sp modelId="{016ACFFB-3D5E-4E24-B6B1-475B0D12FFBA}">
+      <dsp:nvSpPr>
+        <dsp:cNvPr id="0" name=""/>
+        <dsp:cNvSpPr/>
+      </dsp:nvSpPr>
+      <dsp:spPr>
+        <a:xfrm>
+          <a:off x="3950626" y="960"/>
+          <a:ext cx="1100185" cy="698617"/>
+        </a:xfrm>
+        <a:prstGeom prst="roundRect">
+          <a:avLst>
+            <a:gd name="adj" fmla="val 10000"/>
+          </a:avLst>
+        </a:prstGeom>
+        <a:solidFill>
+          <a:schemeClr val="accent1">
+            <a:hueOff val="0"/>
+            <a:satOff val="0"/>
+            <a:lumOff val="0"/>
+            <a:alphaOff val="0"/>
+          </a:schemeClr>
+        </a:solidFill>
+        <a:ln>
+          <a:noFill/>
+        </a:ln>
+        <a:effectLst/>
+        <a:scene3d>
+          <a:camera prst="orthographicFront"/>
+          <a:lightRig rig="chilly" dir="t"/>
+        </a:scene3d>
+        <a:sp3d prstMaterial="translucentPowder">
+          <a:bevelT w="127000" h="25400" prst="softRound"/>
+        </a:sp3d>
+      </dsp:spPr>
+      <dsp:style>
+        <a:lnRef idx="0">
+          <a:scrgbClr r="0" g="0" b="0"/>
+        </a:lnRef>
+        <a:fillRef idx="1">
+          <a:scrgbClr r="0" g="0" b="0"/>
+        </a:fillRef>
+        <a:effectRef idx="0">
+          <a:scrgbClr r="0" g="0" b="0"/>
+        </a:effectRef>
+        <a:fontRef idx="minor">
+          <a:schemeClr val="lt1"/>
+        </a:fontRef>
+      </dsp:style>
+    </dsp:sp>
+    <dsp:sp modelId="{F58BE2AB-6EA1-4477-8AEA-935FBD7A08B2}">
+      <dsp:nvSpPr>
+        <dsp:cNvPr id="0" name=""/>
+        <dsp:cNvSpPr/>
+      </dsp:nvSpPr>
+      <dsp:spPr>
+        <a:xfrm>
+          <a:off x="4072869" y="117090"/>
+          <a:ext cx="1100185" cy="698617"/>
+        </a:xfrm>
+        <a:prstGeom prst="roundRect">
+          <a:avLst>
+            <a:gd name="adj" fmla="val 10000"/>
+          </a:avLst>
+        </a:prstGeom>
+        <a:solidFill>
+          <a:schemeClr val="lt1">
+            <a:alpha val="90000"/>
+            <a:hueOff val="0"/>
+            <a:satOff val="0"/>
+            <a:lumOff val="0"/>
+            <a:alphaOff val="0"/>
+          </a:schemeClr>
+        </a:solidFill>
+        <a:ln w="6350" cap="flat" cmpd="sng" algn="ctr">
+          <a:solidFill>
+            <a:schemeClr val="accent1">
+              <a:hueOff val="0"/>
+              <a:satOff val="0"/>
+              <a:lumOff val="0"/>
+              <a:alphaOff val="0"/>
+            </a:schemeClr>
+          </a:solidFill>
+          <a:prstDash val="solid"/>
+          <a:miter lim="800000"/>
+        </a:ln>
+        <a:effectLst/>
+        <a:scene3d>
+          <a:camera prst="orthographicFront"/>
+          <a:lightRig rig="chilly" dir="t"/>
+        </a:scene3d>
+        <a:sp3d z="12700" extrusionH="1700" prstMaterial="dkEdge">
+          <a:bevelT w="25400" h="6350" prst="softRound"/>
+          <a:bevelB w="0" h="0" prst="convex"/>
+        </a:sp3d>
+      </dsp:spPr>
+      <dsp:style>
+        <a:lnRef idx="1">
+          <a:scrgbClr r="0" g="0" b="0"/>
+        </a:lnRef>
+        <a:fillRef idx="1">
+          <a:scrgbClr r="0" g="0" b="0"/>
+        </a:fillRef>
+        <a:effectRef idx="0">
+          <a:scrgbClr r="0" g="0" b="0"/>
+        </a:effectRef>
+        <a:fontRef idx="minor"/>
+      </dsp:style>
+      <dsp:txBody>
+        <a:bodyPr spcFirstLastPara="0" vert="horz" wrap="square" lIns="76200" tIns="76200" rIns="76200" bIns="76200" numCol="1" spcCol="1270" anchor="ctr" anchorCtr="0">
+          <a:noAutofit/>
+        </a:bodyPr>
+        <a:lstStyle/>
+        <a:p>
+          <a:pPr marL="0" lvl="0" indent="0" algn="ctr" defTabSz="889000">
+            <a:lnSpc>
+              <a:spcPct val="90000"/>
+            </a:lnSpc>
+            <a:spcBef>
+              <a:spcPct val="0"/>
+            </a:spcBef>
+            <a:spcAft>
+              <a:spcPct val="35000"/>
+            </a:spcAft>
+            <a:buNone/>
+          </a:pPr>
+          <a:r>
+            <a:rPr kumimoji="1" lang="en-US" altLang="ja-JP" sz="2000" kern="1200" dirty="0"/>
+            <a:t>(1,0)</a:t>
+          </a:r>
+          <a:endParaRPr kumimoji="1" lang="ja-JP" altLang="en-US" sz="2000" kern="1200" dirty="0"/>
+        </a:p>
+      </dsp:txBody>
+      <dsp:txXfrm>
+        <a:off x="4093331" y="137552"/>
+        <a:ext cx="1059261" cy="657693"/>
+      </dsp:txXfrm>
+    </dsp:sp>
+    <dsp:sp modelId="{A4B9B632-8780-49DD-9C5F-E1433F6FDBCC}">
+      <dsp:nvSpPr>
+        <dsp:cNvPr id="0" name=""/>
+        <dsp:cNvSpPr/>
+      </dsp:nvSpPr>
+      <dsp:spPr>
+        <a:xfrm>
+          <a:off x="2437871" y="1019548"/>
+          <a:ext cx="1100185" cy="698617"/>
+        </a:xfrm>
+        <a:prstGeom prst="roundRect">
+          <a:avLst>
+            <a:gd name="adj" fmla="val 10000"/>
+          </a:avLst>
+        </a:prstGeom>
+        <a:solidFill>
+          <a:schemeClr val="accent1">
+            <a:hueOff val="0"/>
+            <a:satOff val="0"/>
+            <a:lumOff val="0"/>
+            <a:alphaOff val="0"/>
+          </a:schemeClr>
+        </a:solidFill>
+        <a:ln>
+          <a:noFill/>
+        </a:ln>
+        <a:effectLst/>
+        <a:scene3d>
+          <a:camera prst="orthographicFront"/>
+          <a:lightRig rig="chilly" dir="t"/>
+        </a:scene3d>
+        <a:sp3d prstMaterial="translucentPowder">
+          <a:bevelT w="127000" h="25400" prst="softRound"/>
+        </a:sp3d>
+      </dsp:spPr>
+      <dsp:style>
+        <a:lnRef idx="0">
+          <a:scrgbClr r="0" g="0" b="0"/>
+        </a:lnRef>
+        <a:fillRef idx="1">
+          <a:scrgbClr r="0" g="0" b="0"/>
+        </a:fillRef>
+        <a:effectRef idx="0">
+          <a:scrgbClr r="0" g="0" b="0"/>
+        </a:effectRef>
+        <a:fontRef idx="minor">
+          <a:schemeClr val="lt1"/>
+        </a:fontRef>
+      </dsp:style>
+    </dsp:sp>
+    <dsp:sp modelId="{B115BAE8-48F3-4484-9286-2FD70C48F441}">
+      <dsp:nvSpPr>
+        <dsp:cNvPr id="0" name=""/>
+        <dsp:cNvSpPr/>
+      </dsp:nvSpPr>
+      <dsp:spPr>
+        <a:xfrm>
+          <a:off x="2560114" y="1135678"/>
+          <a:ext cx="1100185" cy="698617"/>
+        </a:xfrm>
+        <a:prstGeom prst="roundRect">
+          <a:avLst>
+            <a:gd name="adj" fmla="val 10000"/>
+          </a:avLst>
+        </a:prstGeom>
+        <a:solidFill>
+          <a:schemeClr val="accent2">
+            <a:alpha val="90000"/>
+          </a:schemeClr>
+        </a:solidFill>
+        <a:ln w="6350" cap="flat" cmpd="sng" algn="ctr">
+          <a:solidFill>
+            <a:schemeClr val="accent1">
+              <a:hueOff val="0"/>
+              <a:satOff val="0"/>
+              <a:lumOff val="0"/>
+              <a:alphaOff val="0"/>
+            </a:schemeClr>
+          </a:solidFill>
+          <a:prstDash val="solid"/>
+          <a:miter lim="800000"/>
+        </a:ln>
+        <a:effectLst/>
+        <a:scene3d>
+          <a:camera prst="orthographicFront"/>
+          <a:lightRig rig="chilly" dir="t"/>
+        </a:scene3d>
+        <a:sp3d z="12700" extrusionH="1700" prstMaterial="dkEdge">
+          <a:bevelT w="25400" h="6350" prst="softRound"/>
+          <a:bevelB w="0" h="0" prst="convex"/>
+        </a:sp3d>
+      </dsp:spPr>
+      <dsp:style>
+        <a:lnRef idx="1">
+          <a:scrgbClr r="0" g="0" b="0"/>
+        </a:lnRef>
+        <a:fillRef idx="1">
+          <a:scrgbClr r="0" g="0" b="0"/>
+        </a:fillRef>
+        <a:effectRef idx="0">
+          <a:scrgbClr r="0" g="0" b="0"/>
+        </a:effectRef>
+        <a:fontRef idx="minor"/>
+      </dsp:style>
+      <dsp:txBody>
+        <a:bodyPr spcFirstLastPara="0" vert="horz" wrap="square" lIns="76200" tIns="76200" rIns="76200" bIns="76200" numCol="1" spcCol="1270" anchor="ctr" anchorCtr="0">
+          <a:noAutofit/>
+        </a:bodyPr>
+        <a:lstStyle/>
+        <a:p>
+          <a:pPr marL="0" lvl="0" indent="0" algn="ctr" defTabSz="889000">
+            <a:lnSpc>
+              <a:spcPct val="90000"/>
+            </a:lnSpc>
+            <a:spcBef>
+              <a:spcPct val="0"/>
+            </a:spcBef>
+            <a:spcAft>
+              <a:spcPct val="35000"/>
+            </a:spcAft>
+            <a:buNone/>
+          </a:pPr>
+          <a:r>
+            <a:rPr kumimoji="1" lang="en-US" altLang="ja-JP" sz="2000" kern="1200" dirty="0">
+              <a:solidFill>
+                <a:schemeClr val="tx1"/>
+              </a:solidFill>
+              <a:highlight>
+                <a:srgbClr val="00FF00"/>
+              </a:highlight>
+            </a:rPr>
+            <a:t>(2,7)</a:t>
+          </a:r>
+          <a:endParaRPr kumimoji="1" lang="ja-JP" altLang="en-US" sz="2000" kern="1200" dirty="0">
+            <a:solidFill>
+              <a:schemeClr val="tx1"/>
+            </a:solidFill>
+            <a:highlight>
+              <a:srgbClr val="00FF00"/>
+            </a:highlight>
+          </a:endParaRPr>
+        </a:p>
+      </dsp:txBody>
+      <dsp:txXfrm>
+        <a:off x="2580576" y="1156140"/>
+        <a:ext cx="1059261" cy="657693"/>
+      </dsp:txXfrm>
+    </dsp:sp>
+    <dsp:sp modelId="{CFE437C3-D71E-48C2-894F-3DBA7555EDED}">
+      <dsp:nvSpPr>
+        <dsp:cNvPr id="0" name=""/>
+        <dsp:cNvSpPr/>
+      </dsp:nvSpPr>
+      <dsp:spPr>
+        <a:xfrm>
+          <a:off x="1429368" y="2038136"/>
+          <a:ext cx="1100185" cy="698617"/>
+        </a:xfrm>
+        <a:prstGeom prst="roundRect">
+          <a:avLst>
+            <a:gd name="adj" fmla="val 10000"/>
+          </a:avLst>
+        </a:prstGeom>
+        <a:solidFill>
+          <a:schemeClr val="accent1">
+            <a:hueOff val="0"/>
+            <a:satOff val="0"/>
+            <a:lumOff val="0"/>
+            <a:alphaOff val="0"/>
+          </a:schemeClr>
+        </a:solidFill>
+        <a:ln>
+          <a:noFill/>
+        </a:ln>
+        <a:effectLst/>
+        <a:scene3d>
+          <a:camera prst="orthographicFront"/>
+          <a:lightRig rig="chilly" dir="t"/>
+        </a:scene3d>
+        <a:sp3d prstMaterial="translucentPowder">
+          <a:bevelT w="127000" h="25400" prst="softRound"/>
+        </a:sp3d>
+      </dsp:spPr>
+      <dsp:style>
+        <a:lnRef idx="0">
+          <a:scrgbClr r="0" g="0" b="0"/>
+        </a:lnRef>
+        <a:fillRef idx="1">
+          <a:scrgbClr r="0" g="0" b="0"/>
+        </a:fillRef>
+        <a:effectRef idx="0">
+          <a:scrgbClr r="0" g="0" b="0"/>
+        </a:effectRef>
+        <a:fontRef idx="minor">
+          <a:schemeClr val="lt1"/>
+        </a:fontRef>
+      </dsp:style>
+    </dsp:sp>
+    <dsp:sp modelId="{E3D724D5-1DD2-4393-B85A-1D8F0722E3C7}">
+      <dsp:nvSpPr>
+        <dsp:cNvPr id="0" name=""/>
+        <dsp:cNvSpPr/>
+      </dsp:nvSpPr>
+      <dsp:spPr>
+        <a:xfrm>
+          <a:off x="1551611" y="2154267"/>
+          <a:ext cx="1100185" cy="698617"/>
+        </a:xfrm>
+        <a:prstGeom prst="roundRect">
+          <a:avLst>
+            <a:gd name="adj" fmla="val 10000"/>
+          </a:avLst>
+        </a:prstGeom>
+        <a:solidFill>
+          <a:schemeClr val="accent4">
+            <a:alpha val="90000"/>
+          </a:schemeClr>
+        </a:solidFill>
+        <a:ln w="6350" cap="flat" cmpd="sng" algn="ctr">
+          <a:solidFill>
+            <a:schemeClr val="accent1">
+              <a:hueOff val="0"/>
+              <a:satOff val="0"/>
+              <a:lumOff val="0"/>
+              <a:alphaOff val="0"/>
+            </a:schemeClr>
+          </a:solidFill>
+          <a:prstDash val="solid"/>
+          <a:miter lim="800000"/>
+        </a:ln>
+        <a:effectLst/>
+        <a:scene3d>
+          <a:camera prst="orthographicFront"/>
+          <a:lightRig rig="chilly" dir="t"/>
+        </a:scene3d>
+        <a:sp3d z="12700" extrusionH="1700" prstMaterial="dkEdge">
+          <a:bevelT w="25400" h="6350" prst="softRound"/>
+          <a:bevelB w="0" h="0" prst="convex"/>
+        </a:sp3d>
+      </dsp:spPr>
+      <dsp:style>
+        <a:lnRef idx="1">
+          <a:scrgbClr r="0" g="0" b="0"/>
+        </a:lnRef>
+        <a:fillRef idx="1">
+          <a:scrgbClr r="0" g="0" b="0"/>
+        </a:fillRef>
+        <a:effectRef idx="0">
+          <a:scrgbClr r="0" g="0" b="0"/>
+        </a:effectRef>
+        <a:fontRef idx="minor"/>
+      </dsp:style>
+      <dsp:txBody>
+        <a:bodyPr spcFirstLastPara="0" vert="horz" wrap="square" lIns="76200" tIns="76200" rIns="76200" bIns="76200" numCol="1" spcCol="1270" anchor="ctr" anchorCtr="0">
+          <a:noAutofit/>
+        </a:bodyPr>
+        <a:lstStyle/>
+        <a:p>
+          <a:pPr marL="0" lvl="0" indent="0" algn="ctr" defTabSz="889000">
+            <a:lnSpc>
+              <a:spcPct val="90000"/>
+            </a:lnSpc>
+            <a:spcBef>
+              <a:spcPct val="0"/>
+            </a:spcBef>
+            <a:spcAft>
+              <a:spcPct val="35000"/>
+            </a:spcAft>
+            <a:buNone/>
+          </a:pPr>
+          <a:r>
+            <a:rPr kumimoji="1" lang="en-US" altLang="ja-JP" sz="2000" kern="1200" dirty="0"/>
+            <a:t>(3,12)</a:t>
+          </a:r>
+          <a:endParaRPr kumimoji="1" lang="ja-JP" altLang="en-US" sz="2000" kern="1200" dirty="0"/>
+        </a:p>
+      </dsp:txBody>
+      <dsp:txXfrm>
+        <a:off x="1572073" y="2174729"/>
+        <a:ext cx="1059261" cy="657693"/>
+      </dsp:txXfrm>
+    </dsp:sp>
+    <dsp:sp modelId="{2DC796D9-B457-4A23-833A-8FBE68887679}">
+      <dsp:nvSpPr>
+        <dsp:cNvPr id="0" name=""/>
+        <dsp:cNvSpPr/>
+      </dsp:nvSpPr>
+      <dsp:spPr>
+        <a:xfrm>
+          <a:off x="714841" y="3056724"/>
+          <a:ext cx="1100185" cy="698617"/>
+        </a:xfrm>
+        <a:prstGeom prst="roundRect">
+          <a:avLst>
+            <a:gd name="adj" fmla="val 10000"/>
+          </a:avLst>
+        </a:prstGeom>
+        <a:solidFill>
+          <a:schemeClr val="accent1">
+            <a:hueOff val="0"/>
+            <a:satOff val="0"/>
+            <a:lumOff val="0"/>
+            <a:alphaOff val="0"/>
+          </a:schemeClr>
+        </a:solidFill>
+        <a:ln>
+          <a:noFill/>
+        </a:ln>
+        <a:effectLst/>
+        <a:scene3d>
+          <a:camera prst="orthographicFront"/>
+          <a:lightRig rig="chilly" dir="t"/>
+        </a:scene3d>
+        <a:sp3d prstMaterial="translucentPowder">
+          <a:bevelT w="127000" h="25400" prst="softRound"/>
+        </a:sp3d>
+      </dsp:spPr>
+      <dsp:style>
+        <a:lnRef idx="0">
+          <a:scrgbClr r="0" g="0" b="0"/>
+        </a:lnRef>
+        <a:fillRef idx="1">
+          <a:scrgbClr r="0" g="0" b="0"/>
+        </a:fillRef>
+        <a:effectRef idx="0">
+          <a:scrgbClr r="0" g="0" b="0"/>
+        </a:effectRef>
+        <a:fontRef idx="minor">
+          <a:schemeClr val="lt1"/>
+        </a:fontRef>
+      </dsp:style>
+    </dsp:sp>
+    <dsp:sp modelId="{85FAFF17-11E3-4250-913C-89A3B71CE98A}">
+      <dsp:nvSpPr>
+        <dsp:cNvPr id="0" name=""/>
+        <dsp:cNvSpPr/>
+      </dsp:nvSpPr>
+      <dsp:spPr>
+        <a:xfrm>
+          <a:off x="837084" y="3172855"/>
+          <a:ext cx="1100185" cy="698617"/>
+        </a:xfrm>
+        <a:prstGeom prst="roundRect">
+          <a:avLst>
+            <a:gd name="adj" fmla="val 10000"/>
+          </a:avLst>
+        </a:prstGeom>
+        <a:solidFill>
+          <a:schemeClr val="lt1">
+            <a:alpha val="90000"/>
+            <a:hueOff val="0"/>
+            <a:satOff val="0"/>
+            <a:lumOff val="0"/>
+            <a:alphaOff val="0"/>
+          </a:schemeClr>
+        </a:solidFill>
+        <a:ln w="6350" cap="flat" cmpd="sng" algn="ctr">
+          <a:solidFill>
+            <a:schemeClr val="accent1">
+              <a:hueOff val="0"/>
+              <a:satOff val="0"/>
+              <a:lumOff val="0"/>
+              <a:alphaOff val="0"/>
+            </a:schemeClr>
+          </a:solidFill>
+          <a:prstDash val="solid"/>
+          <a:miter lim="800000"/>
+        </a:ln>
+        <a:effectLst/>
+        <a:scene3d>
+          <a:camera prst="orthographicFront"/>
+          <a:lightRig rig="chilly" dir="t"/>
+        </a:scene3d>
+        <a:sp3d z="12700" extrusionH="1700" prstMaterial="dkEdge">
+          <a:bevelT w="25400" h="6350" prst="softRound"/>
+          <a:bevelB w="0" h="0" prst="convex"/>
+        </a:sp3d>
+      </dsp:spPr>
+      <dsp:style>
+        <a:lnRef idx="1">
+          <a:scrgbClr r="0" g="0" b="0"/>
+        </a:lnRef>
+        <a:fillRef idx="1">
+          <a:scrgbClr r="0" g="0" b="0"/>
+        </a:fillRef>
+        <a:effectRef idx="0">
+          <a:scrgbClr r="0" g="0" b="0"/>
+        </a:effectRef>
+        <a:fontRef idx="minor"/>
+      </dsp:style>
+      <dsp:txBody>
+        <a:bodyPr spcFirstLastPara="0" vert="horz" wrap="square" lIns="68580" tIns="68580" rIns="68580" bIns="68580" numCol="1" spcCol="1270" anchor="ctr" anchorCtr="0">
+          <a:noAutofit/>
+        </a:bodyPr>
+        <a:lstStyle/>
+        <a:p>
+          <a:pPr marL="0" lvl="0" indent="0" algn="ctr" defTabSz="800100">
+            <a:lnSpc>
+              <a:spcPct val="90000"/>
+            </a:lnSpc>
+            <a:spcBef>
+              <a:spcPct val="0"/>
+            </a:spcBef>
+            <a:spcAft>
+              <a:spcPct val="35000"/>
+            </a:spcAft>
+            <a:buNone/>
+          </a:pPr>
+          <a:r>
+            <a:rPr kumimoji="1" lang="en-US" altLang="ja-JP" sz="1800" kern="1200" dirty="0"/>
+            <a:t>(4,13)</a:t>
+          </a:r>
+          <a:endParaRPr kumimoji="1" lang="ja-JP" altLang="en-US" sz="1800" kern="1200" dirty="0"/>
+        </a:p>
+      </dsp:txBody>
+      <dsp:txXfrm>
+        <a:off x="857546" y="3193317"/>
+        <a:ext cx="1059261" cy="657693"/>
+      </dsp:txXfrm>
+    </dsp:sp>
+    <dsp:sp modelId="{663219F1-649B-4B10-B488-92C7724DC6F1}">
+      <dsp:nvSpPr>
+        <dsp:cNvPr id="0" name=""/>
+        <dsp:cNvSpPr/>
+      </dsp:nvSpPr>
+      <dsp:spPr>
+        <a:xfrm>
+          <a:off x="757033" y="4075312"/>
+          <a:ext cx="1100185" cy="698617"/>
+        </a:xfrm>
+        <a:prstGeom prst="roundRect">
+          <a:avLst>
+            <a:gd name="adj" fmla="val 10000"/>
+          </a:avLst>
+        </a:prstGeom>
+        <a:solidFill>
+          <a:schemeClr val="accent1">
+            <a:hueOff val="0"/>
+            <a:satOff val="0"/>
+            <a:lumOff val="0"/>
+            <a:alphaOff val="0"/>
+          </a:schemeClr>
+        </a:solidFill>
+        <a:ln>
+          <a:noFill/>
+        </a:ln>
+        <a:effectLst/>
+        <a:scene3d>
+          <a:camera prst="orthographicFront"/>
+          <a:lightRig rig="chilly" dir="t"/>
+        </a:scene3d>
+        <a:sp3d prstMaterial="translucentPowder">
+          <a:bevelT w="127000" h="25400" prst="softRound"/>
+        </a:sp3d>
+      </dsp:spPr>
+      <dsp:style>
+        <a:lnRef idx="0">
+          <a:scrgbClr r="0" g="0" b="0"/>
+        </a:lnRef>
+        <a:fillRef idx="1">
+          <a:scrgbClr r="0" g="0" b="0"/>
+        </a:fillRef>
+        <a:effectRef idx="0">
+          <a:scrgbClr r="0" g="0" b="0"/>
+        </a:effectRef>
+        <a:fontRef idx="minor">
+          <a:schemeClr val="lt1"/>
+        </a:fontRef>
+      </dsp:style>
+    </dsp:sp>
+    <dsp:sp modelId="{A4DD4CBB-9496-4A04-839C-942A2A868277}">
+      <dsp:nvSpPr>
+        <dsp:cNvPr id="0" name=""/>
+        <dsp:cNvSpPr/>
+      </dsp:nvSpPr>
+      <dsp:spPr>
+        <a:xfrm>
+          <a:off x="879276" y="4191443"/>
+          <a:ext cx="1100185" cy="698617"/>
+        </a:xfrm>
+        <a:prstGeom prst="roundRect">
+          <a:avLst>
+            <a:gd name="adj" fmla="val 10000"/>
+          </a:avLst>
+        </a:prstGeom>
+        <a:solidFill>
+          <a:schemeClr val="lt1">
+            <a:alpha val="90000"/>
+            <a:hueOff val="0"/>
+            <a:satOff val="0"/>
+            <a:lumOff val="0"/>
+            <a:alphaOff val="0"/>
+          </a:schemeClr>
+        </a:solidFill>
+        <a:ln w="6350" cap="flat" cmpd="sng" algn="ctr">
+          <a:solidFill>
+            <a:schemeClr val="accent1">
+              <a:hueOff val="0"/>
+              <a:satOff val="0"/>
+              <a:lumOff val="0"/>
+              <a:alphaOff val="0"/>
+            </a:schemeClr>
+          </a:solidFill>
+          <a:prstDash val="solid"/>
+          <a:miter lim="800000"/>
+        </a:ln>
+        <a:effectLst/>
+        <a:scene3d>
+          <a:camera prst="orthographicFront"/>
+          <a:lightRig rig="chilly" dir="t"/>
+        </a:scene3d>
+        <a:sp3d z="12700" extrusionH="1700" prstMaterial="dkEdge">
+          <a:bevelT w="25400" h="6350" prst="softRound"/>
+          <a:bevelB w="0" h="0" prst="convex"/>
+        </a:sp3d>
+      </dsp:spPr>
+      <dsp:style>
+        <a:lnRef idx="1">
+          <a:scrgbClr r="0" g="0" b="0"/>
+        </a:lnRef>
+        <a:fillRef idx="1">
+          <a:scrgbClr r="0" g="0" b="0"/>
+        </a:fillRef>
+        <a:effectRef idx="0">
+          <a:scrgbClr r="0" g="0" b="0"/>
+        </a:effectRef>
+        <a:fontRef idx="minor"/>
+      </dsp:style>
+      <dsp:txBody>
+        <a:bodyPr spcFirstLastPara="0" vert="horz" wrap="square" lIns="68580" tIns="68580" rIns="68580" bIns="68580" numCol="1" spcCol="1270" anchor="ctr" anchorCtr="0">
+          <a:noAutofit/>
+        </a:bodyPr>
+        <a:lstStyle/>
+        <a:p>
+          <a:pPr marL="0" lvl="0" indent="0" algn="ctr" defTabSz="800100">
+            <a:lnSpc>
+              <a:spcPct val="90000"/>
+            </a:lnSpc>
+            <a:spcBef>
+              <a:spcPct val="0"/>
+            </a:spcBef>
+            <a:spcAft>
+              <a:spcPct val="35000"/>
+            </a:spcAft>
+            <a:buNone/>
+          </a:pPr>
+          <a:r>
+            <a:rPr kumimoji="1" lang="en-US" altLang="ja-JP" sz="1800" kern="1200" dirty="0"/>
+            <a:t>(5,17)</a:t>
+          </a:r>
+          <a:endParaRPr kumimoji="1" lang="ja-JP" altLang="en-US" sz="1800" kern="1200" dirty="0"/>
+        </a:p>
+      </dsp:txBody>
+      <dsp:txXfrm>
+        <a:off x="899738" y="4211905"/>
+        <a:ext cx="1059261" cy="657693"/>
+      </dsp:txXfrm>
+    </dsp:sp>
+    <dsp:sp modelId="{05872E14-4F22-43B4-8F72-4CEFF6FC18B9}">
+      <dsp:nvSpPr>
+        <dsp:cNvPr id="0" name=""/>
+        <dsp:cNvSpPr/>
+      </dsp:nvSpPr>
+      <dsp:spPr>
+        <a:xfrm>
+          <a:off x="2101704" y="3056724"/>
+          <a:ext cx="1100185" cy="698617"/>
+        </a:xfrm>
+        <a:prstGeom prst="roundRect">
+          <a:avLst>
+            <a:gd name="adj" fmla="val 10000"/>
+          </a:avLst>
+        </a:prstGeom>
+        <a:solidFill>
+          <a:schemeClr val="accent1">
+            <a:hueOff val="0"/>
+            <a:satOff val="0"/>
+            <a:lumOff val="0"/>
+            <a:alphaOff val="0"/>
+          </a:schemeClr>
+        </a:solidFill>
+        <a:ln>
+          <a:noFill/>
+        </a:ln>
+        <a:effectLst/>
+        <a:scene3d>
+          <a:camera prst="orthographicFront"/>
+          <a:lightRig rig="chilly" dir="t"/>
+        </a:scene3d>
+        <a:sp3d prstMaterial="translucentPowder">
+          <a:bevelT w="127000" h="25400" prst="softRound"/>
+        </a:sp3d>
+      </dsp:spPr>
+      <dsp:style>
+        <a:lnRef idx="0">
+          <a:scrgbClr r="0" g="0" b="0"/>
+        </a:lnRef>
+        <a:fillRef idx="1">
+          <a:scrgbClr r="0" g="0" b="0"/>
+        </a:fillRef>
+        <a:effectRef idx="0">
+          <a:scrgbClr r="0" g="0" b="0"/>
+        </a:effectRef>
+        <a:fontRef idx="minor">
+          <a:schemeClr val="lt1"/>
+        </a:fontRef>
+      </dsp:style>
+    </dsp:sp>
+    <dsp:sp modelId="{EB779E5F-F9EE-4DA2-8DB9-B365645FD6F2}">
+      <dsp:nvSpPr>
+        <dsp:cNvPr id="0" name=""/>
+        <dsp:cNvSpPr/>
+      </dsp:nvSpPr>
+      <dsp:spPr>
+        <a:xfrm>
+          <a:off x="2223947" y="3172855"/>
+          <a:ext cx="1100185" cy="698617"/>
+        </a:xfrm>
+        <a:prstGeom prst="roundRect">
+          <a:avLst>
+            <a:gd name="adj" fmla="val 10000"/>
+          </a:avLst>
+        </a:prstGeom>
+        <a:solidFill>
+          <a:schemeClr val="lt1">
+            <a:alpha val="90000"/>
+            <a:hueOff val="0"/>
+            <a:satOff val="0"/>
+            <a:lumOff val="0"/>
+            <a:alphaOff val="0"/>
+          </a:schemeClr>
+        </a:solidFill>
+        <a:ln w="6350" cap="flat" cmpd="sng" algn="ctr">
+          <a:solidFill>
+            <a:schemeClr val="accent1">
+              <a:hueOff val="0"/>
+              <a:satOff val="0"/>
+              <a:lumOff val="0"/>
+              <a:alphaOff val="0"/>
+            </a:schemeClr>
+          </a:solidFill>
+          <a:prstDash val="solid"/>
+          <a:miter lim="800000"/>
+        </a:ln>
+        <a:effectLst/>
+        <a:scene3d>
+          <a:camera prst="orthographicFront"/>
+          <a:lightRig rig="chilly" dir="t"/>
+        </a:scene3d>
+        <a:sp3d z="12700" extrusionH="1700" prstMaterial="dkEdge">
+          <a:bevelT w="25400" h="6350" prst="softRound"/>
+          <a:bevelB w="0" h="0" prst="convex"/>
+        </a:sp3d>
+      </dsp:spPr>
+      <dsp:style>
+        <a:lnRef idx="1">
+          <a:scrgbClr r="0" g="0" b="0"/>
+        </a:lnRef>
+        <a:fillRef idx="1">
+          <a:scrgbClr r="0" g="0" b="0"/>
+        </a:fillRef>
+        <a:effectRef idx="0">
+          <a:scrgbClr r="0" g="0" b="0"/>
+        </a:effectRef>
+        <a:fontRef idx="minor"/>
+      </dsp:style>
+      <dsp:txBody>
+        <a:bodyPr spcFirstLastPara="0" vert="horz" wrap="square" lIns="68580" tIns="68580" rIns="68580" bIns="68580" numCol="1" spcCol="1270" anchor="ctr" anchorCtr="0">
+          <a:noAutofit/>
+        </a:bodyPr>
+        <a:lstStyle/>
+        <a:p>
+          <a:pPr marL="0" lvl="0" indent="0" algn="ctr" defTabSz="800100">
+            <a:lnSpc>
+              <a:spcPct val="90000"/>
+            </a:lnSpc>
+            <a:spcBef>
+              <a:spcPct val="0"/>
+            </a:spcBef>
+            <a:spcAft>
+              <a:spcPct val="35000"/>
+            </a:spcAft>
+            <a:buNone/>
+          </a:pPr>
+          <a:r>
+            <a:rPr kumimoji="1" lang="en-US" altLang="ja-JP" sz="1800" kern="1200" dirty="0"/>
+            <a:t>(5,15)</a:t>
+          </a:r>
+          <a:endParaRPr kumimoji="1" lang="ja-JP" altLang="en-US" sz="1800" kern="1200" dirty="0"/>
+        </a:p>
+      </dsp:txBody>
+      <dsp:txXfrm>
+        <a:off x="2244409" y="3193317"/>
+        <a:ext cx="1059261" cy="657693"/>
+      </dsp:txXfrm>
+    </dsp:sp>
+    <dsp:sp modelId="{63E0BE0B-87C5-4E9E-A222-AF624768F0DA}">
+      <dsp:nvSpPr>
+        <dsp:cNvPr id="0" name=""/>
+        <dsp:cNvSpPr/>
+      </dsp:nvSpPr>
+      <dsp:spPr>
+        <a:xfrm>
+          <a:off x="3446375" y="2038136"/>
+          <a:ext cx="1100185" cy="698617"/>
+        </a:xfrm>
+        <a:prstGeom prst="roundRect">
+          <a:avLst>
+            <a:gd name="adj" fmla="val 10000"/>
+          </a:avLst>
+        </a:prstGeom>
+        <a:solidFill>
+          <a:schemeClr val="accent1">
+            <a:hueOff val="0"/>
+            <a:satOff val="0"/>
+            <a:lumOff val="0"/>
+            <a:alphaOff val="0"/>
+          </a:schemeClr>
+        </a:solidFill>
+        <a:ln>
+          <a:noFill/>
+        </a:ln>
+        <a:effectLst/>
+        <a:scene3d>
+          <a:camera prst="orthographicFront"/>
+          <a:lightRig rig="chilly" dir="t"/>
+        </a:scene3d>
+        <a:sp3d prstMaterial="translucentPowder">
+          <a:bevelT w="127000" h="25400" prst="softRound"/>
+        </a:sp3d>
+      </dsp:spPr>
+      <dsp:style>
+        <a:lnRef idx="0">
+          <a:scrgbClr r="0" g="0" b="0"/>
+        </a:lnRef>
+        <a:fillRef idx="1">
+          <a:scrgbClr r="0" g="0" b="0"/>
+        </a:fillRef>
+        <a:effectRef idx="0">
+          <a:scrgbClr r="0" g="0" b="0"/>
+        </a:effectRef>
+        <a:fontRef idx="minor">
+          <a:schemeClr val="lt1"/>
+        </a:fontRef>
+      </dsp:style>
+    </dsp:sp>
+    <dsp:sp modelId="{06B27FFD-D997-465E-A198-1E54EDCA58B9}">
+      <dsp:nvSpPr>
+        <dsp:cNvPr id="0" name=""/>
+        <dsp:cNvSpPr/>
+      </dsp:nvSpPr>
+      <dsp:spPr>
+        <a:xfrm>
+          <a:off x="3568617" y="2154267"/>
+          <a:ext cx="1100185" cy="698617"/>
+        </a:xfrm>
+        <a:prstGeom prst="roundRect">
+          <a:avLst>
+            <a:gd name="adj" fmla="val 10000"/>
+          </a:avLst>
+        </a:prstGeom>
+        <a:solidFill>
+          <a:schemeClr val="accent6">
+            <a:alpha val="90000"/>
+          </a:schemeClr>
+        </a:solidFill>
+        <a:ln w="6350" cap="flat" cmpd="sng" algn="ctr">
+          <a:solidFill>
+            <a:schemeClr val="accent1">
+              <a:hueOff val="0"/>
+              <a:satOff val="0"/>
+              <a:lumOff val="0"/>
+              <a:alphaOff val="0"/>
+            </a:schemeClr>
+          </a:solidFill>
+          <a:prstDash val="solid"/>
+          <a:miter lim="800000"/>
+        </a:ln>
+        <a:effectLst/>
+        <a:scene3d>
+          <a:camera prst="orthographicFront"/>
+          <a:lightRig rig="chilly" dir="t"/>
+        </a:scene3d>
+        <a:sp3d z="12700" extrusionH="1700" prstMaterial="dkEdge">
+          <a:bevelT w="25400" h="6350" prst="softRound"/>
+          <a:bevelB w="0" h="0" prst="convex"/>
+        </a:sp3d>
+      </dsp:spPr>
+      <dsp:style>
+        <a:lnRef idx="1">
+          <a:scrgbClr r="0" g="0" b="0"/>
+        </a:lnRef>
+        <a:fillRef idx="1">
+          <a:scrgbClr r="0" g="0" b="0"/>
+        </a:fillRef>
+        <a:effectRef idx="0">
+          <a:scrgbClr r="0" g="0" b="0"/>
+        </a:effectRef>
+        <a:fontRef idx="minor"/>
+      </dsp:style>
+      <dsp:txBody>
+        <a:bodyPr spcFirstLastPara="0" vert="horz" wrap="square" lIns="76200" tIns="76200" rIns="76200" bIns="76200" numCol="1" spcCol="1270" anchor="ctr" anchorCtr="0">
+          <a:noAutofit/>
+        </a:bodyPr>
+        <a:lstStyle/>
+        <a:p>
+          <a:pPr marL="0" lvl="0" indent="0" algn="ctr" defTabSz="889000">
+            <a:lnSpc>
+              <a:spcPct val="90000"/>
+            </a:lnSpc>
+            <a:spcBef>
+              <a:spcPct val="0"/>
+            </a:spcBef>
+            <a:spcAft>
+              <a:spcPct val="35000"/>
+            </a:spcAft>
+            <a:buNone/>
+          </a:pPr>
+          <a:r>
+            <a:rPr kumimoji="1" lang="en-US" altLang="ja-JP" sz="2000" kern="1200" dirty="0"/>
+            <a:t>(4,11)</a:t>
+          </a:r>
+          <a:endParaRPr kumimoji="1" lang="ja-JP" altLang="en-US" sz="2000" kern="1200" dirty="0"/>
+        </a:p>
+      </dsp:txBody>
+      <dsp:txXfrm>
+        <a:off x="3589079" y="2174729"/>
+        <a:ext cx="1059261" cy="657693"/>
+      </dsp:txXfrm>
+    </dsp:sp>
+    <dsp:sp modelId="{458751D7-FEF3-4645-84DA-4D068B794437}">
+      <dsp:nvSpPr>
+        <dsp:cNvPr id="0" name=""/>
+        <dsp:cNvSpPr/>
+      </dsp:nvSpPr>
+      <dsp:spPr>
+        <a:xfrm>
+          <a:off x="3446375" y="3056724"/>
+          <a:ext cx="1100185" cy="698617"/>
+        </a:xfrm>
+        <a:prstGeom prst="roundRect">
+          <a:avLst>
+            <a:gd name="adj" fmla="val 10000"/>
+          </a:avLst>
+        </a:prstGeom>
+        <a:solidFill>
+          <a:schemeClr val="accent1">
+            <a:hueOff val="0"/>
+            <a:satOff val="0"/>
+            <a:lumOff val="0"/>
+            <a:alphaOff val="0"/>
+          </a:schemeClr>
+        </a:solidFill>
+        <a:ln>
+          <a:noFill/>
+        </a:ln>
+        <a:effectLst/>
+        <a:scene3d>
+          <a:camera prst="orthographicFront"/>
+          <a:lightRig rig="chilly" dir="t"/>
+        </a:scene3d>
+        <a:sp3d prstMaterial="translucentPowder">
+          <a:bevelT w="127000" h="25400" prst="softRound"/>
+        </a:sp3d>
+      </dsp:spPr>
+      <dsp:style>
+        <a:lnRef idx="0">
+          <a:scrgbClr r="0" g="0" b="0"/>
+        </a:lnRef>
+        <a:fillRef idx="1">
+          <a:scrgbClr r="0" g="0" b="0"/>
+        </a:fillRef>
+        <a:effectRef idx="0">
+          <a:scrgbClr r="0" g="0" b="0"/>
+        </a:effectRef>
+        <a:fontRef idx="minor">
+          <a:schemeClr val="lt1"/>
+        </a:fontRef>
+      </dsp:style>
+    </dsp:sp>
+    <dsp:sp modelId="{2DEE47DD-C257-4214-A28A-846A8C9BFCB3}">
+      <dsp:nvSpPr>
+        <dsp:cNvPr id="0" name=""/>
+        <dsp:cNvSpPr/>
+      </dsp:nvSpPr>
+      <dsp:spPr>
+        <a:xfrm>
+          <a:off x="3568617" y="3172855"/>
+          <a:ext cx="1100185" cy="698617"/>
+        </a:xfrm>
+        <a:prstGeom prst="roundRect">
+          <a:avLst>
+            <a:gd name="adj" fmla="val 10000"/>
+          </a:avLst>
+        </a:prstGeom>
+        <a:solidFill>
+          <a:schemeClr val="bg1">
+            <a:alpha val="90000"/>
+          </a:schemeClr>
+        </a:solidFill>
+        <a:ln w="6350" cap="flat" cmpd="sng" algn="ctr">
+          <a:solidFill>
+            <a:schemeClr val="accent1">
+              <a:hueOff val="0"/>
+              <a:satOff val="0"/>
+              <a:lumOff val="0"/>
+              <a:alphaOff val="0"/>
+            </a:schemeClr>
+          </a:solidFill>
+          <a:prstDash val="solid"/>
+          <a:miter lim="800000"/>
+        </a:ln>
+        <a:effectLst/>
+        <a:scene3d>
+          <a:camera prst="orthographicFront"/>
+          <a:lightRig rig="chilly" dir="t"/>
+        </a:scene3d>
+        <a:sp3d z="12700" extrusionH="1700" prstMaterial="dkEdge">
+          <a:bevelT w="25400" h="6350" prst="softRound"/>
+          <a:bevelB w="0" h="0" prst="convex"/>
+        </a:sp3d>
+      </dsp:spPr>
+      <dsp:style>
+        <a:lnRef idx="1">
+          <a:scrgbClr r="0" g="0" b="0"/>
+        </a:lnRef>
+        <a:fillRef idx="1">
+          <a:scrgbClr r="0" g="0" b="0"/>
+        </a:fillRef>
+        <a:effectRef idx="0">
+          <a:scrgbClr r="0" g="0" b="0"/>
+        </a:effectRef>
+        <a:fontRef idx="minor"/>
+      </dsp:style>
+      <dsp:txBody>
+        <a:bodyPr spcFirstLastPara="0" vert="horz" wrap="square" lIns="76200" tIns="76200" rIns="76200" bIns="76200" numCol="1" spcCol="1270" anchor="ctr" anchorCtr="0">
+          <a:noAutofit/>
+        </a:bodyPr>
+        <a:lstStyle/>
+        <a:p>
+          <a:pPr marL="0" lvl="0" indent="0" algn="ctr" defTabSz="889000">
+            <a:lnSpc>
+              <a:spcPct val="90000"/>
+            </a:lnSpc>
+            <a:spcBef>
+              <a:spcPct val="0"/>
+            </a:spcBef>
+            <a:spcAft>
+              <a:spcPct val="35000"/>
+            </a:spcAft>
+            <a:buNone/>
+          </a:pPr>
+          <a:r>
+            <a:rPr kumimoji="1" lang="en-US" altLang="ja-JP" sz="2000" kern="1200" dirty="0"/>
+            <a:t>(5,16)</a:t>
+          </a:r>
+          <a:endParaRPr kumimoji="1" lang="ja-JP" altLang="en-US" sz="2000" kern="1200" dirty="0"/>
+        </a:p>
+      </dsp:txBody>
+      <dsp:txXfrm>
+        <a:off x="3589079" y="3193317"/>
+        <a:ext cx="1059261" cy="657693"/>
+      </dsp:txXfrm>
+    </dsp:sp>
+    <dsp:sp modelId="{71C96669-7B3C-49C3-BA06-9752874EE797}">
+      <dsp:nvSpPr>
+        <dsp:cNvPr id="0" name=""/>
+        <dsp:cNvSpPr/>
+      </dsp:nvSpPr>
+      <dsp:spPr>
+        <a:xfrm>
+          <a:off x="5463381" y="1019548"/>
+          <a:ext cx="1100185" cy="698617"/>
+        </a:xfrm>
+        <a:prstGeom prst="roundRect">
+          <a:avLst>
+            <a:gd name="adj" fmla="val 10000"/>
+          </a:avLst>
+        </a:prstGeom>
+        <a:solidFill>
+          <a:schemeClr val="accent1">
+            <a:hueOff val="0"/>
+            <a:satOff val="0"/>
+            <a:lumOff val="0"/>
+            <a:alphaOff val="0"/>
+          </a:schemeClr>
+        </a:solidFill>
+        <a:ln>
+          <a:noFill/>
+        </a:ln>
+        <a:effectLst/>
+        <a:scene3d>
+          <a:camera prst="orthographicFront"/>
+          <a:lightRig rig="chilly" dir="t"/>
+        </a:scene3d>
+        <a:sp3d prstMaterial="translucentPowder">
+          <a:bevelT w="127000" h="25400" prst="softRound"/>
+        </a:sp3d>
+      </dsp:spPr>
+      <dsp:style>
+        <a:lnRef idx="0">
+          <a:scrgbClr r="0" g="0" b="0"/>
+        </a:lnRef>
+        <a:fillRef idx="1">
+          <a:scrgbClr r="0" g="0" b="0"/>
+        </a:fillRef>
+        <a:effectRef idx="0">
+          <a:scrgbClr r="0" g="0" b="0"/>
+        </a:effectRef>
+        <a:fontRef idx="minor">
+          <a:schemeClr val="lt1"/>
+        </a:fontRef>
+      </dsp:style>
+    </dsp:sp>
+    <dsp:sp modelId="{0E6A1C1F-79F9-4131-B101-EEDEC0E33A58}">
+      <dsp:nvSpPr>
+        <dsp:cNvPr id="0" name=""/>
+        <dsp:cNvSpPr/>
+      </dsp:nvSpPr>
+      <dsp:spPr>
+        <a:xfrm>
+          <a:off x="5585623" y="1135678"/>
+          <a:ext cx="1100185" cy="698617"/>
+        </a:xfrm>
+        <a:prstGeom prst="roundRect">
+          <a:avLst>
+            <a:gd name="adj" fmla="val 10000"/>
+          </a:avLst>
+        </a:prstGeom>
+        <a:solidFill>
+          <a:schemeClr val="accent4">
+            <a:alpha val="90000"/>
+          </a:schemeClr>
+        </a:solidFill>
+        <a:ln w="6350" cap="flat" cmpd="sng" algn="ctr">
+          <a:solidFill>
+            <a:schemeClr val="accent1">
+              <a:hueOff val="0"/>
+              <a:satOff val="0"/>
+              <a:lumOff val="0"/>
+              <a:alphaOff val="0"/>
+            </a:schemeClr>
+          </a:solidFill>
+          <a:prstDash val="solid"/>
+          <a:miter lim="800000"/>
+        </a:ln>
+        <a:effectLst/>
+        <a:scene3d>
+          <a:camera prst="orthographicFront"/>
+          <a:lightRig rig="chilly" dir="t"/>
+        </a:scene3d>
+        <a:sp3d z="12700" extrusionH="1700" prstMaterial="dkEdge">
+          <a:bevelT w="25400" h="6350" prst="softRound"/>
+          <a:bevelB w="0" h="0" prst="convex"/>
+        </a:sp3d>
+      </dsp:spPr>
+      <dsp:style>
+        <a:lnRef idx="1">
+          <a:scrgbClr r="0" g="0" b="0"/>
+        </a:lnRef>
+        <a:fillRef idx="1">
+          <a:scrgbClr r="0" g="0" b="0"/>
+        </a:fillRef>
+        <a:effectRef idx="0">
+          <a:scrgbClr r="0" g="0" b="0"/>
+        </a:effectRef>
+        <a:fontRef idx="minor"/>
+      </dsp:style>
+      <dsp:txBody>
+        <a:bodyPr spcFirstLastPara="0" vert="horz" wrap="square" lIns="76200" tIns="76200" rIns="76200" bIns="76200" numCol="1" spcCol="1270" anchor="ctr" anchorCtr="0">
+          <a:noAutofit/>
+        </a:bodyPr>
+        <a:lstStyle/>
+        <a:p>
+          <a:pPr marL="0" lvl="0" indent="0" algn="ctr" defTabSz="889000">
+            <a:lnSpc>
+              <a:spcPct val="90000"/>
+            </a:lnSpc>
+            <a:spcBef>
+              <a:spcPct val="0"/>
+            </a:spcBef>
+            <a:spcAft>
+              <a:spcPct val="35000"/>
+            </a:spcAft>
+            <a:buNone/>
+          </a:pPr>
+          <a:r>
+            <a:rPr kumimoji="1" lang="en-US" altLang="ja-JP" sz="2000" kern="1200" dirty="0">
+              <a:highlight>
+                <a:srgbClr val="00FF00"/>
+              </a:highlight>
+            </a:rPr>
+            <a:t>(3,2)</a:t>
+          </a:r>
+          <a:endParaRPr kumimoji="1" lang="ja-JP" altLang="en-US" sz="2000" kern="1200" dirty="0">
+            <a:highlight>
+              <a:srgbClr val="00FF00"/>
+            </a:highlight>
+          </a:endParaRPr>
+        </a:p>
+      </dsp:txBody>
+      <dsp:txXfrm>
+        <a:off x="5606085" y="1156140"/>
+        <a:ext cx="1059261" cy="657693"/>
+      </dsp:txXfrm>
+    </dsp:sp>
+    <dsp:sp modelId="{7581C061-0877-4E84-BA36-D96C8AD1EE30}">
+      <dsp:nvSpPr>
+        <dsp:cNvPr id="0" name=""/>
+        <dsp:cNvSpPr/>
+      </dsp:nvSpPr>
+      <dsp:spPr>
+        <a:xfrm>
+          <a:off x="4791045" y="2038136"/>
+          <a:ext cx="1100185" cy="698617"/>
+        </a:xfrm>
+        <a:prstGeom prst="roundRect">
+          <a:avLst>
+            <a:gd name="adj" fmla="val 10000"/>
+          </a:avLst>
+        </a:prstGeom>
+        <a:solidFill>
+          <a:schemeClr val="accent1">
+            <a:hueOff val="0"/>
+            <a:satOff val="0"/>
+            <a:lumOff val="0"/>
+            <a:alphaOff val="0"/>
+          </a:schemeClr>
+        </a:solidFill>
+        <a:ln>
+          <a:noFill/>
+        </a:ln>
+        <a:effectLst/>
+        <a:scene3d>
+          <a:camera prst="orthographicFront"/>
+          <a:lightRig rig="chilly" dir="t"/>
+        </a:scene3d>
+        <a:sp3d prstMaterial="translucentPowder">
+          <a:bevelT w="127000" h="25400" prst="softRound"/>
+        </a:sp3d>
+      </dsp:spPr>
+      <dsp:style>
+        <a:lnRef idx="0">
+          <a:scrgbClr r="0" g="0" b="0"/>
+        </a:lnRef>
+        <a:fillRef idx="1">
+          <a:scrgbClr r="0" g="0" b="0"/>
+        </a:fillRef>
+        <a:effectRef idx="0">
+          <a:scrgbClr r="0" g="0" b="0"/>
+        </a:effectRef>
+        <a:fontRef idx="minor">
+          <a:schemeClr val="lt1"/>
+        </a:fontRef>
+      </dsp:style>
+    </dsp:sp>
+    <dsp:sp modelId="{3AB123D1-FA81-4809-9E5F-8085A411214A}">
+      <dsp:nvSpPr>
+        <dsp:cNvPr id="0" name=""/>
+        <dsp:cNvSpPr/>
+      </dsp:nvSpPr>
+      <dsp:spPr>
+        <a:xfrm>
+          <a:off x="4913288" y="2154267"/>
+          <a:ext cx="1100185" cy="698617"/>
+        </a:xfrm>
+        <a:prstGeom prst="roundRect">
+          <a:avLst>
+            <a:gd name="adj" fmla="val 10000"/>
+          </a:avLst>
+        </a:prstGeom>
+        <a:solidFill>
+          <a:schemeClr val="accent6">
+            <a:alpha val="90000"/>
+          </a:schemeClr>
+        </a:solidFill>
+        <a:ln w="6350" cap="flat" cmpd="sng" algn="ctr">
+          <a:solidFill>
+            <a:schemeClr val="accent1">
+              <a:hueOff val="0"/>
+              <a:satOff val="0"/>
+              <a:lumOff val="0"/>
+              <a:alphaOff val="0"/>
+            </a:schemeClr>
+          </a:solidFill>
+          <a:prstDash val="solid"/>
+          <a:miter lim="800000"/>
+        </a:ln>
+        <a:effectLst/>
+        <a:scene3d>
+          <a:camera prst="orthographicFront"/>
+          <a:lightRig rig="chilly" dir="t"/>
+        </a:scene3d>
+        <a:sp3d z="12700" extrusionH="1700" prstMaterial="dkEdge">
+          <a:bevelT w="25400" h="6350" prst="softRound"/>
+          <a:bevelB w="0" h="0" prst="convex"/>
+        </a:sp3d>
+      </dsp:spPr>
+      <dsp:style>
+        <a:lnRef idx="1">
+          <a:scrgbClr r="0" g="0" b="0"/>
+        </a:lnRef>
+        <a:fillRef idx="1">
+          <a:scrgbClr r="0" g="0" b="0"/>
+        </a:fillRef>
+        <a:effectRef idx="0">
+          <a:scrgbClr r="0" g="0" b="0"/>
+        </a:effectRef>
+        <a:fontRef idx="minor"/>
+      </dsp:style>
+      <dsp:txBody>
+        <a:bodyPr spcFirstLastPara="0" vert="horz" wrap="square" lIns="68580" tIns="68580" rIns="68580" bIns="68580" numCol="1" spcCol="1270" anchor="ctr" anchorCtr="0">
+          <a:noAutofit/>
+        </a:bodyPr>
+        <a:lstStyle/>
+        <a:p>
+          <a:pPr marL="0" lvl="0" indent="0" algn="ctr" defTabSz="800100">
+            <a:lnSpc>
+              <a:spcPct val="90000"/>
+            </a:lnSpc>
+            <a:spcBef>
+              <a:spcPct val="0"/>
+            </a:spcBef>
+            <a:spcAft>
+              <a:spcPct val="35000"/>
+            </a:spcAft>
+            <a:buNone/>
+          </a:pPr>
+          <a:r>
+            <a:rPr kumimoji="1" lang="en-US" altLang="ja-JP" sz="1800" kern="1200" dirty="0">
+              <a:highlight>
+                <a:srgbClr val="00FF00"/>
+              </a:highlight>
+            </a:rPr>
+            <a:t>(4,3)</a:t>
+          </a:r>
+          <a:endParaRPr kumimoji="1" lang="ja-JP" altLang="en-US" sz="1800" kern="1200" dirty="0">
+            <a:highlight>
+              <a:srgbClr val="00FF00"/>
+            </a:highlight>
+          </a:endParaRPr>
+        </a:p>
+      </dsp:txBody>
+      <dsp:txXfrm>
+        <a:off x="4933750" y="2174729"/>
+        <a:ext cx="1059261" cy="657693"/>
+      </dsp:txXfrm>
+    </dsp:sp>
+    <dsp:sp modelId="{0D45498E-75F9-4A84-97E5-E79129DE5AF2}">
+      <dsp:nvSpPr>
+        <dsp:cNvPr id="0" name=""/>
+        <dsp:cNvSpPr/>
+      </dsp:nvSpPr>
+      <dsp:spPr>
+        <a:xfrm>
+          <a:off x="4791045" y="3056724"/>
+          <a:ext cx="1100185" cy="698617"/>
+        </a:xfrm>
+        <a:prstGeom prst="roundRect">
+          <a:avLst>
+            <a:gd name="adj" fmla="val 10000"/>
+          </a:avLst>
+        </a:prstGeom>
+        <a:solidFill>
+          <a:schemeClr val="accent1">
+            <a:hueOff val="0"/>
+            <a:satOff val="0"/>
+            <a:lumOff val="0"/>
+            <a:alphaOff val="0"/>
+          </a:schemeClr>
+        </a:solidFill>
+        <a:ln>
+          <a:noFill/>
+        </a:ln>
+        <a:effectLst/>
+        <a:scene3d>
+          <a:camera prst="orthographicFront"/>
+          <a:lightRig rig="chilly" dir="t"/>
+        </a:scene3d>
+        <a:sp3d prstMaterial="translucentPowder">
+          <a:bevelT w="127000" h="25400" prst="softRound"/>
+        </a:sp3d>
+      </dsp:spPr>
+      <dsp:style>
+        <a:lnRef idx="0">
+          <a:scrgbClr r="0" g="0" b="0"/>
+        </a:lnRef>
+        <a:fillRef idx="1">
+          <a:scrgbClr r="0" g="0" b="0"/>
+        </a:fillRef>
+        <a:effectRef idx="0">
+          <a:scrgbClr r="0" g="0" b="0"/>
+        </a:effectRef>
+        <a:fontRef idx="minor">
+          <a:schemeClr val="lt1"/>
+        </a:fontRef>
+      </dsp:style>
+    </dsp:sp>
+    <dsp:sp modelId="{AC768B6C-95E6-4F3C-A80D-515646F09449}">
+      <dsp:nvSpPr>
+        <dsp:cNvPr id="0" name=""/>
+        <dsp:cNvSpPr/>
+      </dsp:nvSpPr>
+      <dsp:spPr>
+        <a:xfrm>
+          <a:off x="4913288" y="3172855"/>
+          <a:ext cx="1100185" cy="698617"/>
+        </a:xfrm>
+        <a:prstGeom prst="roundRect">
+          <a:avLst>
+            <a:gd name="adj" fmla="val 10000"/>
+          </a:avLst>
+        </a:prstGeom>
+        <a:solidFill>
+          <a:srgbClr val="C00000">
+            <a:alpha val="90000"/>
+          </a:srgbClr>
+        </a:solidFill>
+        <a:ln w="6350" cap="flat" cmpd="sng" algn="ctr">
+          <a:solidFill>
+            <a:schemeClr val="accent1">
+              <a:hueOff val="0"/>
+              <a:satOff val="0"/>
+              <a:lumOff val="0"/>
+              <a:alphaOff val="0"/>
+            </a:schemeClr>
+          </a:solidFill>
+          <a:prstDash val="solid"/>
+          <a:miter lim="800000"/>
+        </a:ln>
+        <a:effectLst/>
+        <a:scene3d>
+          <a:camera prst="orthographicFront"/>
+          <a:lightRig rig="chilly" dir="t"/>
+        </a:scene3d>
+        <a:sp3d z="12700" extrusionH="1700" prstMaterial="dkEdge">
+          <a:bevelT w="25400" h="6350" prst="softRound"/>
+          <a:bevelB w="0" h="0" prst="convex"/>
+        </a:sp3d>
+      </dsp:spPr>
+      <dsp:style>
+        <a:lnRef idx="1">
+          <a:scrgbClr r="0" g="0" b="0"/>
+        </a:lnRef>
+        <a:fillRef idx="1">
+          <a:scrgbClr r="0" g="0" b="0"/>
+        </a:fillRef>
+        <a:effectRef idx="0">
+          <a:scrgbClr r="0" g="0" b="0"/>
+        </a:effectRef>
+        <a:fontRef idx="minor"/>
+      </dsp:style>
+      <dsp:txBody>
+        <a:bodyPr spcFirstLastPara="0" vert="horz" wrap="square" lIns="68580" tIns="68580" rIns="68580" bIns="68580" numCol="1" spcCol="1270" anchor="ctr" anchorCtr="0">
+          <a:noAutofit/>
+        </a:bodyPr>
+        <a:lstStyle/>
+        <a:p>
+          <a:pPr marL="0" lvl="0" indent="0" algn="ctr" defTabSz="800100">
+            <a:lnSpc>
+              <a:spcPct val="90000"/>
+            </a:lnSpc>
+            <a:spcBef>
+              <a:spcPct val="0"/>
+            </a:spcBef>
+            <a:spcAft>
+              <a:spcPct val="35000"/>
+            </a:spcAft>
+            <a:buNone/>
+          </a:pPr>
+          <a:r>
+            <a:rPr kumimoji="1" lang="en-US" altLang="ja-JP" sz="1800" kern="1200" dirty="0"/>
+            <a:t>(5,7)</a:t>
+          </a:r>
+          <a:endParaRPr kumimoji="1" lang="ja-JP" altLang="en-US" sz="1800" kern="1200" dirty="0"/>
+        </a:p>
+      </dsp:txBody>
+      <dsp:txXfrm>
+        <a:off x="4933750" y="3193317"/>
+        <a:ext cx="1059261" cy="657693"/>
+      </dsp:txXfrm>
+    </dsp:sp>
+    <dsp:sp modelId="{5B67495B-E4B9-44A2-816A-4E4EDCE05A72}">
+      <dsp:nvSpPr>
+        <dsp:cNvPr id="0" name=""/>
+        <dsp:cNvSpPr/>
+      </dsp:nvSpPr>
+      <dsp:spPr>
+        <a:xfrm>
+          <a:off x="6135716" y="2038136"/>
+          <a:ext cx="1100185" cy="698617"/>
+        </a:xfrm>
+        <a:prstGeom prst="roundRect">
+          <a:avLst>
+            <a:gd name="adj" fmla="val 10000"/>
+          </a:avLst>
+        </a:prstGeom>
+        <a:solidFill>
+          <a:schemeClr val="accent1">
+            <a:hueOff val="0"/>
+            <a:satOff val="0"/>
+            <a:lumOff val="0"/>
+            <a:alphaOff val="0"/>
+          </a:schemeClr>
+        </a:solidFill>
+        <a:ln>
+          <a:noFill/>
+        </a:ln>
+        <a:effectLst/>
+        <a:scene3d>
+          <a:camera prst="orthographicFront"/>
+          <a:lightRig rig="chilly" dir="t"/>
+        </a:scene3d>
+        <a:sp3d prstMaterial="translucentPowder">
+          <a:bevelT w="127000" h="25400" prst="softRound"/>
+        </a:sp3d>
+      </dsp:spPr>
+      <dsp:style>
+        <a:lnRef idx="0">
+          <a:scrgbClr r="0" g="0" b="0"/>
+        </a:lnRef>
+        <a:fillRef idx="1">
+          <a:scrgbClr r="0" g="0" b="0"/>
+        </a:fillRef>
+        <a:effectRef idx="0">
+          <a:scrgbClr r="0" g="0" b="0"/>
+        </a:effectRef>
+        <a:fontRef idx="minor">
+          <a:schemeClr val="lt1"/>
+        </a:fontRef>
+      </dsp:style>
+    </dsp:sp>
+    <dsp:sp modelId="{5D6E0E8C-A1AF-4835-8ABF-7D79CEA51758}">
+      <dsp:nvSpPr>
+        <dsp:cNvPr id="0" name=""/>
+        <dsp:cNvSpPr/>
+      </dsp:nvSpPr>
+      <dsp:spPr>
+        <a:xfrm>
+          <a:off x="6257959" y="2154267"/>
+          <a:ext cx="1100185" cy="698617"/>
+        </a:xfrm>
+        <a:prstGeom prst="roundRect">
+          <a:avLst>
+            <a:gd name="adj" fmla="val 10000"/>
+          </a:avLst>
+        </a:prstGeom>
+        <a:solidFill>
+          <a:srgbClr val="C00000">
+            <a:alpha val="90000"/>
+          </a:srgbClr>
+        </a:solidFill>
+        <a:ln w="6350" cap="flat" cmpd="sng" algn="ctr">
+          <a:solidFill>
+            <a:schemeClr val="accent1">
+              <a:hueOff val="0"/>
+              <a:satOff val="0"/>
+              <a:lumOff val="0"/>
+              <a:alphaOff val="0"/>
+            </a:schemeClr>
+          </a:solidFill>
+          <a:prstDash val="solid"/>
+          <a:miter lim="800000"/>
+        </a:ln>
+        <a:effectLst/>
+        <a:scene3d>
+          <a:camera prst="orthographicFront"/>
+          <a:lightRig rig="chilly" dir="t"/>
+        </a:scene3d>
+        <a:sp3d z="12700" extrusionH="1700" prstMaterial="dkEdge">
+          <a:bevelT w="25400" h="6350" prst="softRound"/>
+          <a:bevelB w="0" h="0" prst="convex"/>
+        </a:sp3d>
+      </dsp:spPr>
+      <dsp:style>
+        <a:lnRef idx="1">
+          <a:scrgbClr r="0" g="0" b="0"/>
+        </a:lnRef>
+        <a:fillRef idx="1">
+          <a:scrgbClr r="0" g="0" b="0"/>
+        </a:fillRef>
+        <a:effectRef idx="0">
+          <a:scrgbClr r="0" g="0" b="0"/>
+        </a:effectRef>
+        <a:fontRef idx="minor"/>
+      </dsp:style>
+      <dsp:txBody>
+        <a:bodyPr spcFirstLastPara="0" vert="horz" wrap="square" lIns="68580" tIns="68580" rIns="68580" bIns="68580" numCol="1" spcCol="1270" anchor="ctr" anchorCtr="0">
+          <a:noAutofit/>
+        </a:bodyPr>
+        <a:lstStyle/>
+        <a:p>
+          <a:pPr marL="0" lvl="0" indent="0" algn="ctr" defTabSz="800100">
+            <a:lnSpc>
+              <a:spcPct val="90000"/>
+            </a:lnSpc>
+            <a:spcBef>
+              <a:spcPct val="0"/>
+            </a:spcBef>
+            <a:spcAft>
+              <a:spcPct val="35000"/>
+            </a:spcAft>
+            <a:buNone/>
+          </a:pPr>
+          <a:r>
+            <a:rPr kumimoji="1" lang="en-US" altLang="ja-JP" sz="1800" kern="1200" dirty="0">
+              <a:highlight>
+                <a:srgbClr val="00FF00"/>
+              </a:highlight>
+            </a:rPr>
+            <a:t>(5,5)</a:t>
+          </a:r>
+          <a:endParaRPr kumimoji="1" lang="ja-JP" altLang="en-US" sz="1800" kern="1200" dirty="0">
+            <a:highlight>
+              <a:srgbClr val="00FF00"/>
+            </a:highlight>
+          </a:endParaRPr>
+        </a:p>
+      </dsp:txBody>
+      <dsp:txXfrm>
+        <a:off x="6278421" y="2174729"/>
+        <a:ext cx="1059261" cy="657693"/>
+      </dsp:txXfrm>
+    </dsp:sp>
+  </dsp:spTree>
+</dsp:drawing>
+</file>
+
+<file path=ppt/diagrams/layout1.xml><?xml version="1.0" encoding="utf-8"?>
+<dgm:layoutDef xmlns:dgm="http://schemas.openxmlformats.org/drawingml/2006/diagram" xmlns:a="http://schemas.openxmlformats.org/drawingml/2006/main" uniqueId="urn:microsoft.com/office/officeart/2005/8/layout/hierarchy1">
+  <dgm:title val=""/>
+  <dgm:desc val=""/>
+  <dgm:catLst>
+    <dgm:cat type="hierarchy" pri="2000"/>
+  </dgm:catLst>
+  <dgm:sampData>
+    <dgm:dataModel>
+      <dgm:ptLst>
+        <dgm:pt modelId="0" type="doc"/>
+        <dgm:pt modelId="1">
+          <dgm:prSet phldr="1"/>
+        </dgm:pt>
+        <dgm:pt modelId="2">
+          <dgm:prSet phldr="1"/>
+        </dgm:pt>
+        <dgm:pt modelId="21">
+          <dgm:prSet phldr="1"/>
+        </dgm:pt>
+        <dgm:pt modelId="22">
+          <dgm:prSet phldr="1"/>
+        </dgm:pt>
+        <dgm:pt modelId="3">
+          <dgm:prSet phldr="1"/>
+        </dgm:pt>
+        <dgm:pt modelId="31">
+          <dgm:prSet phldr="1"/>
+        </dgm:pt>
+      </dgm:ptLst>
+      <dgm:cxnLst>
+        <dgm:cxn modelId="4" srcId="0" destId="1" srcOrd="0" destOrd="0"/>
+        <dgm:cxn modelId="5" srcId="1" destId="2" srcOrd="0" destOrd="0"/>
+        <dgm:cxn modelId="6" srcId="1" destId="3" srcOrd="1" destOrd="0"/>
+        <dgm:cxn modelId="23" srcId="2" destId="21" srcOrd="0" destOrd="0"/>
+        <dgm:cxn modelId="24" srcId="2" destId="22" srcOrd="1" destOrd="0"/>
+        <dgm:cxn modelId="33" srcId="3" destId="31" srcOrd="0" destOrd="0"/>
+      </dgm:cxnLst>
+      <dgm:bg/>
+      <dgm:whole/>
+    </dgm:dataModel>
+  </dgm:sampData>
+  <dgm:styleData>
+    <dgm:dataModel>
+      <dgm:ptLst>
+        <dgm:pt modelId="0" type="doc"/>
+        <dgm:pt modelId="1"/>
+        <dgm:pt modelId="11"/>
+        <dgm:pt modelId="12"/>
+      </dgm:ptLst>
+      <dgm:cxnLst>
+        <dgm:cxn modelId="2" srcId="0" destId="1" srcOrd="0" destOrd="0"/>
+        <dgm:cxn modelId="13" srcId="1" destId="11" srcOrd="0" destOrd="0"/>
+        <dgm:cxn modelId="14" srcId="1" destId="12" srcOrd="1" destOrd="0"/>
+      </dgm:cxnLst>
+      <dgm:bg/>
+      <dgm:whole/>
+    </dgm:dataModel>
+  </dgm:styleData>
+  <dgm:clrData>
+    <dgm:dataModel>
+      <dgm:ptLst>
+        <dgm:pt modelId="0" type="doc"/>
+        <dgm:pt modelId="1"/>
+        <dgm:pt modelId="2"/>
+        <dgm:pt modelId="21"/>
+        <dgm:pt modelId="211"/>
+        <dgm:pt modelId="3"/>
+        <dgm:pt modelId="31"/>
+        <dgm:pt modelId="311"/>
+      </dgm:ptLst>
+      <dgm:cxnLst>
+        <dgm:cxn modelId="4" srcId="0" destId="1" srcOrd="0" destOrd="0"/>
+        <dgm:cxn modelId="5" srcId="1" destId="2" srcOrd="0" destOrd="0"/>
+        <dgm:cxn modelId="6" srcId="1" destId="3" srcOrd="1" destOrd="0"/>
+        <dgm:cxn modelId="23" srcId="2" destId="21" srcOrd="0" destOrd="0"/>
+        <dgm:cxn modelId="24" srcId="21" destId="211" srcOrd="0" destOrd="0"/>
+        <dgm:cxn modelId="33" srcId="3" destId="31" srcOrd="0" destOrd="0"/>
+        <dgm:cxn modelId="34" srcId="31" destId="311" srcOrd="0" destOrd="0"/>
+      </dgm:cxnLst>
+      <dgm:bg/>
+      <dgm:whole/>
+    </dgm:dataModel>
+  </dgm:clrData>
+  <dgm:layoutNode name="hierChild1">
+    <dgm:varLst>
+      <dgm:chPref val="1"/>
+      <dgm:dir/>
+      <dgm:animOne val="branch"/>
+      <dgm:animLvl val="lvl"/>
+      <dgm:resizeHandles/>
+    </dgm:varLst>
+    <dgm:choose name="Name0">
+      <dgm:if name="Name1" func="var" arg="dir" op="equ" val="norm">
+        <dgm:alg type="hierChild">
+          <dgm:param type="linDir" val="fromL"/>
+        </dgm:alg>
+      </dgm:if>
+      <dgm:else name="Name2">
+        <dgm:alg type="hierChild">
+          <dgm:param type="linDir" val="fromR"/>
+        </dgm:alg>
+      </dgm:else>
+    </dgm:choose>
+    <dgm:shape xmlns:r="http://schemas.openxmlformats.org/officeDocument/2006/relationships" r:blip="">
+      <dgm:adjLst/>
+    </dgm:shape>
+    <dgm:presOf/>
+    <dgm:constrLst>
+      <dgm:constr type="primFontSz" for="des" ptType="node" op="equ" val="65"/>
+      <dgm:constr type="w" for="des" forName="composite" refType="w"/>
+      <dgm:constr type="h" for="des" forName="composite" refType="w" refFor="des" refForName="composite" fact="0.667"/>
+      <dgm:constr type="w" for="des" forName="composite2" refType="w" refFor="des" refForName="composite"/>
+      <dgm:constr type="h" for="des" forName="composite2" refType="h" refFor="des" refForName="composite"/>
+      <dgm:constr type="w" for="des" forName="composite3" refType="w" refFor="des" refForName="composite"/>
+      <dgm:constr type="h" for="des" forName="composite3" refType="h" refFor="des" refForName="composite"/>
+      <dgm:constr type="w" for="des" forName="composite4" refType="w" refFor="des" refForName="composite"/>
+      <dgm:constr type="h" for="des" forName="composite4" refType="h" refFor="des" refForName="composite"/>
+      <dgm:constr type="w" for="des" forName="composite5" refType="w" refFor="des" refForName="composite"/>
+      <dgm:constr type="h" for="des" forName="composite5" refType="h" refFor="des" refForName="composite"/>
+      <dgm:constr type="sibSp" refType="w" refFor="des" refForName="composite" fact="0.1"/>
+      <dgm:constr type="sibSp" for="des" forName="hierChild2" refType="sibSp"/>
+      <dgm:constr type="sibSp" for="des" forName="hierChild3" refType="sibSp"/>
+      <dgm:constr type="sibSp" for="des" forName="hierChild4" refType="sibSp"/>
+      <dgm:constr type="sibSp" for="des" forName="hierChild5" refType="sibSp"/>
+      <dgm:constr type="sibSp" for="des" forName="hierChild6" refType="sibSp"/>
+      <dgm:constr type="sp" for="des" forName="hierRoot1" refType="h" refFor="des" refForName="composite" fact="0.25"/>
+      <dgm:constr type="sp" for="des" forName="hierRoot2" refType="sp" refFor="des" refForName="hierRoot1"/>
+      <dgm:constr type="sp" for="des" forName="hierRoot3" refType="sp" refFor="des" refForName="hierRoot1"/>
+      <dgm:constr type="sp" for="des" forName="hierRoot4" refType="sp" refFor="des" refForName="hierRoot1"/>
+      <dgm:constr type="sp" for="des" forName="hierRoot5" refType="sp" refFor="des" refForName="hierRoot1"/>
+    </dgm:constrLst>
+    <dgm:ruleLst/>
+    <dgm:forEach name="Name3" axis="ch">
+      <dgm:forEach name="Name4" axis="self" ptType="node">
+        <dgm:layoutNode name="hierRoot1">
+          <dgm:alg type="hierRoot"/>
+          <dgm:shape xmlns:r="http://schemas.openxmlformats.org/officeDocument/2006/relationships" r:blip="">
+            <dgm:adjLst/>
+          </dgm:shape>
+          <dgm:presOf/>
+          <dgm:constrLst>
+            <dgm:constr type="bendDist" for="des" ptType="parTrans" refType="sp" fact="0.5"/>
+          </dgm:constrLst>
+          <dgm:ruleLst/>
+          <dgm:layoutNode name="composite">
+            <dgm:alg type="composite"/>
+            <dgm:shape xmlns:r="http://schemas.openxmlformats.org/officeDocument/2006/relationships" r:blip="">
+              <dgm:adjLst/>
+            </dgm:shape>
+            <dgm:presOf/>
+            <dgm:constrLst>
+              <dgm:constr type="w" for="ch" forName="background" refType="w" fact="0.9"/>
+              <dgm:constr type="h" for="ch" forName="background" refType="w" refFor="ch" refForName="background" fact="0.635"/>
+              <dgm:constr type="t" for="ch" forName="background"/>
+              <dgm:constr type="l" for="ch" forName="background"/>
+              <dgm:constr type="w" for="ch" forName="text" refType="w" fact="0.9"/>
+              <dgm:constr type="h" for="ch" forName="text" refType="w" refFor="ch" refForName="text" fact="0.635"/>
+              <dgm:constr type="t" for="ch" forName="text" refType="w" fact="0.095"/>
+              <dgm:constr type="l" for="ch" forName="text" refType="w" fact="0.1"/>
+            </dgm:constrLst>
+            <dgm:ruleLst/>
+            <dgm:layoutNode name="background" styleLbl="node0" moveWith="text">
+              <dgm:alg type="sp"/>
+              <dgm:shape xmlns:r="http://schemas.openxmlformats.org/officeDocument/2006/relationships" type="roundRect" r:blip="">
+                <dgm:adjLst>
+                  <dgm:adj idx="1" val="0.1"/>
+                </dgm:adjLst>
+              </dgm:shape>
+              <dgm:presOf/>
+              <dgm:constrLst/>
+              <dgm:ruleLst/>
+            </dgm:layoutNode>
+            <dgm:layoutNode name="text" styleLbl="fgAcc0">
+              <dgm:varLst>
+                <dgm:chPref val="3"/>
+              </dgm:varLst>
+              <dgm:alg type="tx"/>
+              <dgm:shape xmlns:r="http://schemas.openxmlformats.org/officeDocument/2006/relationships" type="roundRect" r:blip="">
+                <dgm:adjLst>
+                  <dgm:adj idx="1" val="0.1"/>
+                </dgm:adjLst>
+              </dgm:shape>
+              <dgm:presOf axis="self"/>
+              <dgm:constrLst>
+                <dgm:constr type="tMarg" refType="primFontSz" fact="0.3"/>
+                <dgm:constr type="bMarg" refType="primFontSz" fact="0.3"/>
+                <dgm:constr type="lMarg" refType="primFontSz" fact="0.3"/>
+                <dgm:constr type="rMarg" refType="primFontSz" fact="0.3"/>
+              </dgm:constrLst>
+              <dgm:ruleLst>
+                <dgm:rule type="primFontSz" val="5" fact="NaN" max="NaN"/>
+              </dgm:ruleLst>
+            </dgm:layoutNode>
+          </dgm:layoutNode>
+          <dgm:layoutNode name="hierChild2">
+            <dgm:choose name="Name5">
+              <dgm:if name="Name6" func="var" arg="dir" op="equ" val="norm">
+                <dgm:alg type="hierChild">
+                  <dgm:param type="linDir" val="fromL"/>
+                </dgm:alg>
+              </dgm:if>
+              <dgm:else name="Name7">
+                <dgm:alg type="hierChild">
+                  <dgm:param type="linDir" val="fromR"/>
+                </dgm:alg>
+              </dgm:else>
+            </dgm:choose>
+            <dgm:shape xmlns:r="http://schemas.openxmlformats.org/officeDocument/2006/relationships" r:blip="">
+              <dgm:adjLst/>
+            </dgm:shape>
+            <dgm:presOf/>
+            <dgm:constrLst/>
+            <dgm:ruleLst/>
+            <dgm:forEach name="Name8" axis="ch">
+              <dgm:forEach name="Name9" axis="self" ptType="parTrans" cnt="1">
+                <dgm:layoutNode name="Name10">
+                  <dgm:alg type="conn">
+                    <dgm:param type="dim" val="1D"/>
+                    <dgm:param type="endSty" val="noArr"/>
+                    <dgm:param type="connRout" val="bend"/>
+                    <dgm:param type="bendPt" val="end"/>
+                    <dgm:param type="begPts" val="bCtr"/>
+                    <dgm:param type="endPts" val="tCtr"/>
+                    <dgm:param type="srcNode" val="background"/>
+                    <dgm:param type="dstNode" val="background2"/>
+                  </dgm:alg>
+                  <dgm:shape xmlns:r="http://schemas.openxmlformats.org/officeDocument/2006/relationships" type="conn" r:blip="" zOrderOff="-999">
+                    <dgm:adjLst/>
+                  </dgm:shape>
+                  <dgm:presOf axis="self"/>
+                  <dgm:constrLst>
+                    <dgm:constr type="begPad"/>
+                    <dgm:constr type="endPad"/>
+                  </dgm:constrLst>
+                  <dgm:ruleLst/>
+                </dgm:layoutNode>
+              </dgm:forEach>
+              <dgm:forEach name="Name11" axis="self" ptType="node">
+                <dgm:layoutNode name="hierRoot2">
+                  <dgm:alg type="hierRoot"/>
+                  <dgm:shape xmlns:r="http://schemas.openxmlformats.org/officeDocument/2006/relationships" r:blip="">
+                    <dgm:adjLst/>
+                  </dgm:shape>
+                  <dgm:presOf/>
+                  <dgm:constrLst>
+                    <dgm:constr type="bendDist" for="des" ptType="parTrans" refType="sp" fact="0.5"/>
+                  </dgm:constrLst>
+                  <dgm:ruleLst/>
+                  <dgm:layoutNode name="composite2">
+                    <dgm:alg type="composite"/>
+                    <dgm:shape xmlns:r="http://schemas.openxmlformats.org/officeDocument/2006/relationships" r:blip="">
+                      <dgm:adjLst/>
+                    </dgm:shape>
+                    <dgm:presOf/>
+                    <dgm:constrLst>
+                      <dgm:constr type="w" for="ch" forName="background2" refType="w" fact="0.9"/>
+                      <dgm:constr type="h" for="ch" forName="background2" refType="w" refFor="ch" refForName="background2" fact="0.635"/>
+                      <dgm:constr type="t" for="ch" forName="background2"/>
+                      <dgm:constr type="l" for="ch" forName="background2"/>
+                      <dgm:constr type="w" for="ch" forName="text2" refType="w" fact="0.9"/>
+                      <dgm:constr type="h" for="ch" forName="text2" refType="w" refFor="ch" refForName="text2" fact="0.635"/>
+                      <dgm:constr type="t" for="ch" forName="text2" refType="w" fact="0.095"/>
+                      <dgm:constr type="l" for="ch" forName="text2" refType="w" fact="0.1"/>
+                    </dgm:constrLst>
+                    <dgm:ruleLst/>
+                    <dgm:layoutNode name="background2" moveWith="text2">
+                      <dgm:alg type="sp"/>
+                      <dgm:shape xmlns:r="http://schemas.openxmlformats.org/officeDocument/2006/relationships" type="roundRect" r:blip="">
+                        <dgm:adjLst>
+                          <dgm:adj idx="1" val="0.1"/>
+                        </dgm:adjLst>
+                      </dgm:shape>
+                      <dgm:presOf/>
+                      <dgm:constrLst/>
+                      <dgm:ruleLst/>
+                    </dgm:layoutNode>
+                    <dgm:layoutNode name="text2" styleLbl="fgAcc2">
+                      <dgm:varLst>
+                        <dgm:chPref val="3"/>
+                      </dgm:varLst>
+                      <dgm:alg type="tx"/>
+                      <dgm:shape xmlns:r="http://schemas.openxmlformats.org/officeDocument/2006/relationships" type="roundRect" r:blip="">
+                        <dgm:adjLst>
+                          <dgm:adj idx="1" val="0.1"/>
+                        </dgm:adjLst>
+                      </dgm:shape>
+                      <dgm:presOf axis="self"/>
+                      <dgm:constrLst>
+                        <dgm:constr type="tMarg" refType="primFontSz" fact="0.3"/>
+                        <dgm:constr type="bMarg" refType="primFontSz" fact="0.3"/>
+                        <dgm:constr type="lMarg" refType="primFontSz" fact="0.3"/>
+                        <dgm:constr type="rMarg" refType="primFontSz" fact="0.3"/>
+                      </dgm:constrLst>
+                      <dgm:ruleLst>
+                        <dgm:rule type="primFontSz" val="5" fact="NaN" max="NaN"/>
+                      </dgm:ruleLst>
+                    </dgm:layoutNode>
+                  </dgm:layoutNode>
+                  <dgm:layoutNode name="hierChild3">
+                    <dgm:choose name="Name12">
+                      <dgm:if name="Name13" func="var" arg="dir" op="equ" val="norm">
+                        <dgm:alg type="hierChild">
+                          <dgm:param type="linDir" val="fromL"/>
+                        </dgm:alg>
+                      </dgm:if>
+                      <dgm:else name="Name14">
+                        <dgm:alg type="hierChild">
+                          <dgm:param type="linDir" val="fromR"/>
+                        </dgm:alg>
+                      </dgm:else>
+                    </dgm:choose>
+                    <dgm:shape xmlns:r="http://schemas.openxmlformats.org/officeDocument/2006/relationships" r:blip="">
+                      <dgm:adjLst/>
+                    </dgm:shape>
+                    <dgm:presOf/>
+                    <dgm:constrLst/>
+                    <dgm:ruleLst/>
+                    <dgm:forEach name="Name15" axis="ch">
+                      <dgm:forEach name="Name16" axis="self" ptType="parTrans" cnt="1">
+                        <dgm:layoutNode name="Name17">
+                          <dgm:alg type="conn">
+                            <dgm:param type="dim" val="1D"/>
+                            <dgm:param type="endSty" val="noArr"/>
+                            <dgm:param type="connRout" val="bend"/>
+                            <dgm:param type="bendPt" val="end"/>
+                            <dgm:param type="begPts" val="bCtr"/>
+                            <dgm:param type="endPts" val="tCtr"/>
+                            <dgm:param type="srcNode" val="background2"/>
+                            <dgm:param type="dstNode" val="background3"/>
+                          </dgm:alg>
+                          <dgm:shape xmlns:r="http://schemas.openxmlformats.org/officeDocument/2006/relationships" type="conn" r:blip="" zOrderOff="-999">
+                            <dgm:adjLst/>
+                          </dgm:shape>
+                          <dgm:presOf axis="self"/>
+                          <dgm:constrLst>
+                            <dgm:constr type="begPad"/>
+                            <dgm:constr type="endPad"/>
+                          </dgm:constrLst>
+                          <dgm:ruleLst/>
+                        </dgm:layoutNode>
+                      </dgm:forEach>
+                      <dgm:forEach name="Name18" axis="self" ptType="node">
+                        <dgm:layoutNode name="hierRoot3">
+                          <dgm:alg type="hierRoot"/>
+                          <dgm:shape xmlns:r="http://schemas.openxmlformats.org/officeDocument/2006/relationships" r:blip="">
+                            <dgm:adjLst/>
+                          </dgm:shape>
+                          <dgm:presOf/>
+                          <dgm:constrLst>
+                            <dgm:constr type="bendDist" for="des" ptType="parTrans" refType="sp" fact="0.5"/>
+                          </dgm:constrLst>
+                          <dgm:ruleLst/>
+                          <dgm:layoutNode name="composite3">
+                            <dgm:alg type="composite"/>
+                            <dgm:shape xmlns:r="http://schemas.openxmlformats.org/officeDocument/2006/relationships" r:blip="">
+                              <dgm:adjLst/>
+                            </dgm:shape>
+                            <dgm:presOf/>
+                            <dgm:constrLst>
+                              <dgm:constr type="w" for="ch" forName="background3" refType="w" fact="0.9"/>
+                              <dgm:constr type="h" for="ch" forName="background3" refType="w" refFor="ch" refForName="background3" fact="0.635"/>
+                              <dgm:constr type="t" for="ch" forName="background3"/>
+                              <dgm:constr type="l" for="ch" forName="background3"/>
+                              <dgm:constr type="w" for="ch" forName="text3" refType="w" fact="0.9"/>
+                              <dgm:constr type="h" for="ch" forName="text3" refType="w" refFor="ch" refForName="text3" fact="0.635"/>
+                              <dgm:constr type="t" for="ch" forName="text3" refType="w" fact="0.095"/>
+                              <dgm:constr type="l" for="ch" forName="text3" refType="w" fact="0.1"/>
+                            </dgm:constrLst>
+                            <dgm:ruleLst/>
+                            <dgm:layoutNode name="background3" moveWith="text3">
+                              <dgm:alg type="sp"/>
+                              <dgm:shape xmlns:r="http://schemas.openxmlformats.org/officeDocument/2006/relationships" type="roundRect" r:blip="">
+                                <dgm:adjLst>
+                                  <dgm:adj idx="1" val="0.1"/>
+                                </dgm:adjLst>
+                              </dgm:shape>
+                              <dgm:presOf/>
+                              <dgm:constrLst/>
+                              <dgm:ruleLst/>
+                            </dgm:layoutNode>
+                            <dgm:layoutNode name="text3" styleLbl="fgAcc3">
+                              <dgm:varLst>
+                                <dgm:chPref val="3"/>
+                              </dgm:varLst>
+                              <dgm:alg type="tx"/>
+                              <dgm:shape xmlns:r="http://schemas.openxmlformats.org/officeDocument/2006/relationships" type="roundRect" r:blip="">
+                                <dgm:adjLst>
+                                  <dgm:adj idx="1" val="0.1"/>
+                                </dgm:adjLst>
+                              </dgm:shape>
+                              <dgm:presOf axis="self"/>
+                              <dgm:constrLst>
+                                <dgm:constr type="tMarg" refType="primFontSz" fact="0.3"/>
+                                <dgm:constr type="bMarg" refType="primFontSz" fact="0.3"/>
+                                <dgm:constr type="lMarg" refType="primFontSz" fact="0.3"/>
+                                <dgm:constr type="rMarg" refType="primFontSz" fact="0.3"/>
+                              </dgm:constrLst>
+                              <dgm:ruleLst>
+                                <dgm:rule type="primFontSz" val="5" fact="NaN" max="NaN"/>
+                              </dgm:ruleLst>
+                            </dgm:layoutNode>
+                          </dgm:layoutNode>
+                          <dgm:layoutNode name="hierChild4">
+                            <dgm:choose name="Name19">
+                              <dgm:if name="Name20" func="var" arg="dir" op="equ" val="norm">
+                                <dgm:alg type="hierChild">
+                                  <dgm:param type="linDir" val="fromL"/>
+                                </dgm:alg>
+                              </dgm:if>
+                              <dgm:else name="Name21">
+                                <dgm:alg type="hierChild">
+                                  <dgm:param type="linDir" val="fromR"/>
+                                </dgm:alg>
+                              </dgm:else>
+                            </dgm:choose>
+                            <dgm:shape xmlns:r="http://schemas.openxmlformats.org/officeDocument/2006/relationships" r:blip="">
+                              <dgm:adjLst/>
+                            </dgm:shape>
+                            <dgm:presOf/>
+                            <dgm:constrLst/>
+                            <dgm:ruleLst/>
+                            <dgm:forEach name="repeat" axis="ch">
+                              <dgm:forEach name="Name22" axis="self" ptType="parTrans" cnt="1">
+                                <dgm:layoutNode name="Name23">
+                                  <dgm:choose name="Name24">
+                                    <dgm:if name="Name25" axis="self" func="depth" op="lte" val="4">
+                                      <dgm:alg type="conn">
+                                        <dgm:param type="dim" val="1D"/>
+                                        <dgm:param type="endSty" val="noArr"/>
+                                        <dgm:param type="connRout" val="bend"/>
+                                        <dgm:param type="bendPt" val="end"/>
+                                        <dgm:param type="begPts" val="bCtr"/>
+                                        <dgm:param type="endPts" val="tCtr"/>
+                                        <dgm:param type="srcNode" val="background3"/>
+                                        <dgm:param type="dstNode" val="background4"/>
+                                      </dgm:alg>
+                                    </dgm:if>
+                                    <dgm:else name="Name26">
+                                      <dgm:alg type="conn">
+                                        <dgm:param type="dim" val="1D"/>
+                                        <dgm:param type="endSty" val="noArr"/>
+                                        <dgm:param type="connRout" val="bend"/>
+                                        <dgm:param type="bendPt" val="end"/>
+                                        <dgm:param type="begPts" val="bCtr"/>
+                                        <dgm:param type="endPts" val="tCtr"/>
+                                        <dgm:param type="srcNode" val="background4"/>
+                                        <dgm:param type="dstNode" val="background4"/>
+                                      </dgm:alg>
+                                    </dgm:else>
+                                  </dgm:choose>
+                                  <dgm:shape xmlns:r="http://schemas.openxmlformats.org/officeDocument/2006/relationships" type="conn" r:blip="" zOrderOff="-999">
+                                    <dgm:adjLst/>
+                                  </dgm:shape>
+                                  <dgm:presOf axis="self"/>
+                                  <dgm:constrLst>
+                                    <dgm:constr type="begPad"/>
+                                    <dgm:constr type="endPad"/>
+                                  </dgm:constrLst>
+                                  <dgm:ruleLst/>
+                                </dgm:layoutNode>
+                              </dgm:forEach>
+                              <dgm:forEach name="Name27" axis="self" ptType="node">
+                                <dgm:layoutNode name="hierRoot4">
+                                  <dgm:alg type="hierRoot"/>
+                                  <dgm:shape xmlns:r="http://schemas.openxmlformats.org/officeDocument/2006/relationships" r:blip="">
+                                    <dgm:adjLst/>
+                                  </dgm:shape>
+                                  <dgm:presOf/>
+                                  <dgm:constrLst>
+                                    <dgm:constr type="bendDist" for="des" ptType="parTrans" refType="sp" fact="0.5"/>
+                                  </dgm:constrLst>
+                                  <dgm:ruleLst/>
+                                  <dgm:layoutNode name="composite4">
+                                    <dgm:alg type="composite"/>
+                                    <dgm:shape xmlns:r="http://schemas.openxmlformats.org/officeDocument/2006/relationships" r:blip="">
+                                      <dgm:adjLst/>
+                                    </dgm:shape>
+                                    <dgm:presOf/>
+                                    <dgm:constrLst>
+                                      <dgm:constr type="w" for="ch" forName="background4" refType="w" fact="0.9"/>
+                                      <dgm:constr type="h" for="ch" forName="background4" refType="w" refFor="ch" refForName="background4" fact="0.635"/>
+                                      <dgm:constr type="t" for="ch" forName="background4"/>
+                                      <dgm:constr type="l" for="ch" forName="background4"/>
+                                      <dgm:constr type="w" for="ch" forName="text4" refType="w" fact="0.9"/>
+                                      <dgm:constr type="h" for="ch" forName="text4" refType="w" refFor="ch" refForName="text4" fact="0.635"/>
+                                      <dgm:constr type="t" for="ch" forName="text4" refType="w" fact="0.095"/>
+                                      <dgm:constr type="l" for="ch" forName="text4" refType="w" fact="0.1"/>
+                                    </dgm:constrLst>
+                                    <dgm:ruleLst/>
+                                    <dgm:layoutNode name="background4" moveWith="text4">
+                                      <dgm:alg type="sp"/>
+                                      <dgm:shape xmlns:r="http://schemas.openxmlformats.org/officeDocument/2006/relationships" type="roundRect" r:blip="">
+                                        <dgm:adjLst>
+                                          <dgm:adj idx="1" val="0.1"/>
+                                        </dgm:adjLst>
+                                      </dgm:shape>
+                                      <dgm:presOf/>
+                                      <dgm:constrLst/>
+                                      <dgm:ruleLst/>
+                                    </dgm:layoutNode>
+                                    <dgm:layoutNode name="text4" styleLbl="fgAcc4">
+                                      <dgm:varLst>
+                                        <dgm:chPref val="3"/>
+                                      </dgm:varLst>
+                                      <dgm:alg type="tx"/>
+                                      <dgm:shape xmlns:r="http://schemas.openxmlformats.org/officeDocument/2006/relationships" type="roundRect" r:blip="">
+                                        <dgm:adjLst>
+                                          <dgm:adj idx="1" val="0.1"/>
+                                        </dgm:adjLst>
+                                      </dgm:shape>
+                                      <dgm:presOf axis="self"/>
+                                      <dgm:constrLst>
+                                        <dgm:constr type="tMarg" refType="primFontSz" fact="0.3"/>
+                                        <dgm:constr type="bMarg" refType="primFontSz" fact="0.3"/>
+                                        <dgm:constr type="lMarg" refType="primFontSz" fact="0.3"/>
+                                        <dgm:constr type="rMarg" refType="primFontSz" fact="0.3"/>
+                                      </dgm:constrLst>
+                                      <dgm:ruleLst>
+                                        <dgm:rule type="primFontSz" val="5" fact="NaN" max="NaN"/>
+                                      </dgm:ruleLst>
+                                    </dgm:layoutNode>
+                                  </dgm:layoutNode>
+                                  <dgm:layoutNode name="hierChild5">
+                                    <dgm:choose name="Name28">
+                                      <dgm:if name="Name29" func="var" arg="dir" op="equ" val="norm">
+                                        <dgm:alg type="hierChild">
+                                          <dgm:param type="linDir" val="fromL"/>
+                                        </dgm:alg>
+                                      </dgm:if>
+                                      <dgm:else name="Name30">
+                                        <dgm:alg type="hierChild">
+                                          <dgm:param type="linDir" val="fromR"/>
+                                        </dgm:alg>
+                                      </dgm:else>
+                                    </dgm:choose>
+                                    <dgm:shape xmlns:r="http://schemas.openxmlformats.org/officeDocument/2006/relationships" r:blip="">
+                                      <dgm:adjLst/>
+                                    </dgm:shape>
+                                    <dgm:presOf/>
+                                    <dgm:constrLst/>
+                                    <dgm:ruleLst/>
+                                    <dgm:forEach name="Name31" ref="repeat"/>
+                                  </dgm:layoutNode>
+                                </dgm:layoutNode>
+                              </dgm:forEach>
+                            </dgm:forEach>
+                          </dgm:layoutNode>
+                        </dgm:layoutNode>
+                      </dgm:forEach>
+                    </dgm:forEach>
+                  </dgm:layoutNode>
+                </dgm:layoutNode>
+              </dgm:forEach>
+            </dgm:forEach>
+          </dgm:layoutNode>
+        </dgm:layoutNode>
+      </dgm:forEach>
+    </dgm:forEach>
+  </dgm:layoutNode>
+</dgm:layoutDef>
+</file>
+
+<file path=ppt/diagrams/quickStyle1.xml><?xml version="1.0" encoding="utf-8"?>
+<dgm:styleDef xmlns:dgm="http://schemas.openxmlformats.org/drawingml/2006/diagram" xmlns:a="http://schemas.openxmlformats.org/drawingml/2006/main" uniqueId="urn:microsoft.com/office/officeart/2005/8/quickstyle/3d4">
+  <dgm:title val=""/>
+  <dgm:desc val=""/>
+  <dgm:catLst>
+    <dgm:cat type="3D" pri="11400"/>
+  </dgm:catLst>
+  <dgm:scene3d>
+    <a:camera prst="orthographicFront"/>
+    <a:lightRig rig="threePt" dir="t"/>
+  </dgm:scene3d>
+  <dgm:styleLbl name="node0">
+    <dgm:scene3d>
+      <a:camera prst="orthographicFront"/>
+      <a:lightRig rig="chilly" dir="t"/>
+    </dgm:scene3d>
+    <dgm:sp3d prstMaterial="translucentPowder">
+      <a:bevelT w="127000" h="25400" prst="softRound"/>
+    </dgm:sp3d>
+    <dgm:txPr/>
+    <dgm:style>
+      <a:lnRef idx="0">
+        <a:scrgbClr r="0" g="0" b="0"/>
+      </a:lnRef>
+      <a:fillRef idx="1">
+        <a:scrgbClr r="0" g="0" b="0"/>
+      </a:fillRef>
+      <a:effectRef idx="0">
+        <a:scrgbClr r="0" g="0" b="0"/>
+      </a:effectRef>
+      <a:fontRef idx="minor">
+        <a:schemeClr val="lt1"/>
+      </a:fontRef>
+    </dgm:style>
+  </dgm:styleLbl>
+  <dgm:styleLbl name="lnNode1">
+    <dgm:scene3d>
+      <a:camera prst="orthographicFront"/>
+      <a:lightRig rig="chilly" dir="t"/>
+    </dgm:scene3d>
+    <dgm:sp3d prstMaterial="translucentPowder">
+      <a:bevelT w="127000" h="25400" prst="softRound"/>
+    </dgm:sp3d>
+    <dgm:txPr/>
+    <dgm:style>
+      <a:lnRef idx="0">
+        <a:scrgbClr r="0" g="0" b="0"/>
+      </a:lnRef>
+      <a:fillRef idx="1">
+        <a:scrgbClr r="0" g="0" b="0"/>
+      </a:fillRef>
+      <a:effectRef idx="0">
+        <a:scrgbClr r="0" g="0" b="0"/>
+      </a:effectRef>
+      <a:fontRef idx="minor">
+        <a:schemeClr val="lt1"/>
+      </a:fontRef>
+    </dgm:style>
+  </dgm:styleLbl>
+  <dgm:styleLbl name="vennNode1">
+    <dgm:scene3d>
+      <a:camera prst="orthographicFront"/>
+      <a:lightRig rig="chilly" dir="t"/>
+    </dgm:scene3d>
+    <dgm:sp3d prstMaterial="translucentPowder">
+      <a:bevelT w="127000" h="25400" prst="softRound"/>
+    </dgm:sp3d>
+    <dgm:txPr/>
+    <dgm:style>
+      <a:lnRef idx="0">
+        <a:scrgbClr r="0" g="0" b="0"/>
+      </a:lnRef>
+      <a:fillRef idx="1">
+        <a:scrgbClr r="0" g="0" b="0"/>
+      </a:fillRef>
+      <a:effectRef idx="0">
+        <a:scrgbClr r="0" g="0" b="0"/>
+      </a:effectRef>
+      <a:fontRef idx="minor">
+        <a:schemeClr val="tx1"/>
+      </a:fontRef>
+    </dgm:style>
+  </dgm:styleLbl>
+  <dgm:styleLbl name="alignNode1">
+    <dgm:scene3d>
+      <a:camera prst="orthographicFront"/>
+      <a:lightRig rig="chilly" dir="t"/>
+    </dgm:scene3d>
+    <dgm:sp3d prstMaterial="translucentPowder">
+      <a:bevelT w="127000" h="25400" prst="softRound"/>
+    </dgm:sp3d>
+    <dgm:txPr/>
+    <dgm:style>
+      <a:lnRef idx="1">
+        <a:scrgbClr r="0" g="0" b="0"/>
+      </a:lnRef>
+      <a:fillRef idx="1">
+        <a:scrgbClr r="0" g="0" b="0"/>
+      </a:fillRef>
+      <a:effectRef idx="0">
+        <a:scrgbClr r="0" g="0" b="0"/>
+      </a:effectRef>
+      <a:fontRef idx="minor">
+        <a:schemeClr val="lt1"/>
+      </a:fontRef>
+    </dgm:style>
+  </dgm:styleLbl>
+  <dgm:styleLbl name="node1">
+    <dgm:scene3d>
+      <a:camera prst="orthographicFront"/>
+      <a:lightRig rig="chilly" dir="t"/>
+    </dgm:scene3d>
+    <dgm:sp3d prstMaterial="translucentPowder">
+      <a:bevelT w="127000" h="25400" prst="softRound"/>
+    </dgm:sp3d>
+    <dgm:txPr/>
+    <dgm:style>
+      <a:lnRef idx="0">
+        <a:scrgbClr r="0" g="0" b="0"/>
+      </a:lnRef>
+      <a:fillRef idx="1">
+        <a:scrgbClr r="0" g="0" b="0"/>
+      </a:fillRef>
+      <a:effectRef idx="0">
+        <a:scrgbClr r="0" g="0" b="0"/>
+      </a:effectRef>
+      <a:fontRef idx="minor">
+        <a:schemeClr val="lt1"/>
+      </a:fontRef>
+    </dgm:style>
+  </dgm:styleLbl>
+  <dgm:styleLbl name="node2">
+    <dgm:scene3d>
+      <a:camera prst="orthographicFront"/>
+      <a:lightRig rig="chilly" dir="t"/>
+    </dgm:scene3d>
+    <dgm:sp3d prstMaterial="translucentPowder">
+      <a:bevelT w="127000" h="25400" prst="softRound"/>
+    </dgm:sp3d>
+    <dgm:txPr/>
+    <dgm:style>
+      <a:lnRef idx="0">
+        <a:scrgbClr r="0" g="0" b="0"/>
+      </a:lnRef>
+      <a:fillRef idx="1">
+        <a:scrgbClr r="0" g="0" b="0"/>
+      </a:fillRef>
+      <a:effectRef idx="0">
+        <a:scrgbClr r="0" g="0" b="0"/>
+      </a:effectRef>
+      <a:fontRef idx="minor">
+        <a:schemeClr val="lt1"/>
+      </a:fontRef>
+    </dgm:style>
+  </dgm:styleLbl>
+  <dgm:styleLbl name="node3">
+    <dgm:scene3d>
+      <a:camera prst="orthographicFront"/>
+      <a:lightRig rig="chilly" dir="t"/>
+    </dgm:scene3d>
+    <dgm:sp3d prstMaterial="translucentPowder">
+      <a:bevelT w="127000" h="25400" prst="softRound"/>
+    </dgm:sp3d>
+    <dgm:txPr/>
+    <dgm:style>
+      <a:lnRef idx="0">
+        <a:scrgbClr r="0" g="0" b="0"/>
+      </a:lnRef>
+      <a:fillRef idx="1">
+        <a:scrgbClr r="0" g="0" b="0"/>
+      </a:fillRef>
+      <a:effectRef idx="0">
+        <a:scrgbClr r="0" g="0" b="0"/>
+      </a:effectRef>
+      <a:fontRef idx="minor">
+        <a:schemeClr val="lt1"/>
+      </a:fontRef>
+    </dgm:style>
+  </dgm:styleLbl>
+  <dgm:styleLbl name="node4">
+    <dgm:scene3d>
+      <a:camera prst="orthographicFront"/>
+      <a:lightRig rig="chilly" dir="t"/>
+    </dgm:scene3d>
+    <dgm:sp3d prstMaterial="translucentPowder">
+      <a:bevelT w="127000" h="25400" prst="softRound"/>
+    </dgm:sp3d>
+    <dgm:txPr/>
+    <dgm:style>
+      <a:lnRef idx="0">
+        <a:scrgbClr r="0" g="0" b="0"/>
+      </a:lnRef>
+      <a:fillRef idx="1">
+        <a:scrgbClr r="0" g="0" b="0"/>
+      </a:fillRef>
+      <a:effectRef idx="0">
+        <a:scrgbClr r="0" g="0" b="0"/>
+      </a:effectRef>
+      <a:fontRef idx="minor">
+        <a:schemeClr val="lt1"/>
+      </a:fontRef>
+    </dgm:style>
+  </dgm:styleLbl>
+  <dgm:styleLbl name="fgImgPlace1">
+    <dgm:scene3d>
+      <a:camera prst="orthographicFront"/>
+      <a:lightRig rig="chilly" dir="t"/>
+    </dgm:scene3d>
+    <dgm:sp3d z="12700" extrusionH="12700" prstMaterial="translucentPowder">
+      <a:bevelT w="25400" h="6350" prst="softRound"/>
+      <a:bevelB w="0" h="0" prst="convex"/>
+    </dgm:sp3d>
+    <dgm:txPr/>
+    <dgm:style>
+      <a:lnRef idx="0">
+        <a:scrgbClr r="0" g="0" b="0"/>
+      </a:lnRef>
+      <a:fillRef idx="1">
+        <a:scrgbClr r="0" g="0" b="0"/>
+      </a:fillRef>
+      <a:effectRef idx="0">
+        <a:scrgbClr r="0" g="0" b="0"/>
+      </a:effectRef>
+      <a:fontRef idx="minor"/>
+    </dgm:style>
+  </dgm:styleLbl>
+  <dgm:styleLbl name="alignImgPlace1">
+    <dgm:scene3d>
+      <a:camera prst="orthographicFront"/>
+      <a:lightRig rig="chilly" dir="t"/>
+    </dgm:scene3d>
+    <dgm:sp3d prstMaterial="translucentPowder">
+      <a:bevelT w="127000" h="25400" prst="softRound"/>
+    </dgm:sp3d>
+    <dgm:txPr/>
+    <dgm:style>
+      <a:lnRef idx="0">
+        <a:scrgbClr r="0" g="0" b="0"/>
+      </a:lnRef>
+      <a:fillRef idx="1">
+        <a:scrgbClr r="0" g="0" b="0"/>
+      </a:fillRef>
+      <a:effectRef idx="0">
+        <a:scrgbClr r="0" g="0" b="0"/>
+      </a:effectRef>
+      <a:fontRef idx="minor">
+        <a:schemeClr val="lt1"/>
+      </a:fontRef>
+    </dgm:style>
+  </dgm:styleLbl>
+  <dgm:styleLbl name="bgImgPlace1">
+    <dgm:scene3d>
+      <a:camera prst="orthographicFront"/>
+      <a:lightRig rig="chilly" dir="t"/>
+    </dgm:scene3d>
+    <dgm:sp3d z="-25700" extrusionH="63500" contourW="12700" prstMaterial="matte">
+      <a:contourClr>
+        <a:schemeClr val="lt1"/>
+      </a:contourClr>
+    </dgm:sp3d>
+    <dgm:txPr/>
+    <dgm:style>
+      <a:lnRef idx="0">
+        <a:scrgbClr r="0" g="0" b="0"/>
+      </a:lnRef>
+      <a:fillRef idx="1">
+        <a:scrgbClr r="0" g="0" b="0"/>
+      </a:fillRef>
+      <a:effectRef idx="0">
+        <a:scrgbClr r="0" g="0" b="0"/>
+      </a:effectRef>
+      <a:fontRef idx="minor"/>
+    </dgm:style>
+  </dgm:styleLbl>
+  <dgm:styleLbl name="sibTrans2D1">
+    <dgm:scene3d>
+      <a:camera prst="orthographicFront"/>
+      <a:lightRig rig="chilly" dir="t"/>
+    </dgm:scene3d>
+    <dgm:sp3d z="-70000" extrusionH="1700" prstMaterial="translucentPowder">
+      <a:bevelT w="25400" h="6350" prst="softRound"/>
+      <a:bevelB w="0" h="0" prst="convex"/>
+    </dgm:sp3d>
+    <dgm:txPr/>
+    <dgm:style>
+      <a:lnRef idx="0">
+        <a:scrgbClr r="0" g="0" b="0"/>
+      </a:lnRef>
+      <a:fillRef idx="1">
+        <a:scrgbClr r="0" g="0" b="0"/>
+      </a:fillRef>
+      <a:effectRef idx="0">
+        <a:scrgbClr r="0" g="0" b="0"/>
+      </a:effectRef>
+      <a:fontRef idx="minor">
+        <a:schemeClr val="lt1"/>
+      </a:fontRef>
+    </dgm:style>
+  </dgm:styleLbl>
+  <dgm:styleLbl name="fgSibTrans2D1">
+    <dgm:scene3d>
+      <a:camera prst="orthographicFront"/>
+      <a:lightRig rig="chilly" dir="t"/>
+    </dgm:scene3d>
+    <dgm:sp3d z="12700" extrusionH="1700" prstMaterial="translucentPowder">
+      <a:bevelT w="25400" h="6350" prst="softRound"/>
+      <a:bevelB w="0" h="0" prst="convex"/>
+    </dgm:sp3d>
+    <dgm:txPr/>
+    <dgm:style>
+      <a:lnRef idx="0">
+        <a:scrgbClr r="0" g="0" b="0"/>
+      </a:lnRef>
+      <a:fillRef idx="1">
+        <a:scrgbClr r="0" g="0" b="0"/>
+      </a:fillRef>
+      <a:effectRef idx="0">
+        <a:scrgbClr r="0" g="0" b="0"/>
+      </a:effectRef>
+      <a:fontRef idx="minor"/>
+    </dgm:style>
+  </dgm:styleLbl>
+  <dgm:styleLbl name="bgSibTrans2D1">
+    <dgm:scene3d>
+      <a:camera prst="orthographicFront"/>
+      <a:lightRig rig="chilly" dir="t"/>
+    </dgm:scene3d>
+    <dgm:sp3d z="-25700" extrusionH="1700" prstMaterial="translucentPowder">
+      <a:bevelT w="25400" h="6350" prst="softRound"/>
+      <a:bevelB w="0" h="0" prst="convex"/>
+    </dgm:sp3d>
+    <dgm:txPr/>
+    <dgm:style>
+      <a:lnRef idx="0">
+        <a:scrgbClr r="0" g="0" b="0"/>
+      </a:lnRef>
+      <a:fillRef idx="1">
+        <a:scrgbClr r="0" g="0" b="0"/>
+      </a:fillRef>
+      <a:effectRef idx="0">
+        <a:scrgbClr r="0" g="0" b="0"/>
+      </a:effectRef>
+      <a:fontRef idx="minor"/>
+    </dgm:style>
+  </dgm:styleLbl>
+  <dgm:styleLbl name="sibTrans1D1">
+    <dgm:scene3d>
+      <a:camera prst="orthographicFront"/>
+      <a:lightRig rig="chilly" dir="t"/>
+    </dgm:scene3d>
+    <dgm:sp3d z="-40000" prstMaterial="matte"/>
+    <dgm:txPr/>
+    <dgm:style>
+      <a:lnRef idx="1">
+        <a:scrgbClr r="0" g="0" b="0"/>
+      </a:lnRef>
+      <a:fillRef idx="0">
+        <a:scrgbClr r="0" g="0" b="0"/>
+      </a:fillRef>
+      <a:effectRef idx="0">
+        <a:scrgbClr r="0" g="0" b="0"/>
+      </a:effectRef>
+      <a:fontRef idx="minor"/>
+    </dgm:style>
+  </dgm:styleLbl>
+  <dgm:styleLbl name="callout">
+    <dgm:scene3d>
+      <a:camera prst="orthographicFront"/>
+      <a:lightRig rig="chilly" dir="t"/>
+    </dgm:scene3d>
+    <dgm:sp3d z="127000" prstMaterial="matte"/>
+    <dgm:txPr/>
+    <dgm:style>
+      <a:lnRef idx="2">
+        <a:scrgbClr r="0" g="0" b="0"/>
+      </a:lnRef>
+      <a:fillRef idx="1">
+        <a:scrgbClr r="0" g="0" b="0"/>
+      </a:fillRef>
+      <a:effectRef idx="0">
+        <a:scrgbClr r="0" g="0" b="0"/>
+      </a:effectRef>
+      <a:fontRef idx="minor"/>
+    </dgm:style>
+  </dgm:styleLbl>
+  <dgm:styleLbl name="asst0">
+    <dgm:scene3d>
+      <a:camera prst="orthographicFront"/>
+      <a:lightRig rig="chilly" dir="t"/>
+    </dgm:scene3d>
+    <dgm:sp3d prstMaterial="translucentPowder">
+      <a:bevelT w="127000" h="25400" prst="softRound"/>
+    </dgm:sp3d>
+    <dgm:txPr/>
+    <dgm:style>
+      <a:lnRef idx="0">
+        <a:scrgbClr r="0" g="0" b="0"/>
+      </a:lnRef>
+      <a:fillRef idx="1">
+        <a:scrgbClr r="0" g="0" b="0"/>
+      </a:fillRef>
+      <a:effectRef idx="0">
+        <a:scrgbClr r="0" g="0" b="0"/>
+      </a:effectRef>
+      <a:fontRef idx="minor">
+        <a:schemeClr val="lt1"/>
+      </a:fontRef>
+    </dgm:style>
+  </dgm:styleLbl>
+  <dgm:styleLbl name="asst1">
+    <dgm:scene3d>
+      <a:camera prst="orthographicFront"/>
+      <a:lightRig rig="chilly" dir="t"/>
+    </dgm:scene3d>
+    <dgm:sp3d prstMaterial="translucentPowder">
+      <a:bevelT w="127000" h="25400" prst="softRound"/>
+    </dgm:sp3d>
+    <dgm:txPr/>
+    <dgm:style>
+      <a:lnRef idx="0">
+        <a:scrgbClr r="0" g="0" b="0"/>
+      </a:lnRef>
+      <a:fillRef idx="1">
+        <a:scrgbClr r="0" g="0" b="0"/>
+      </a:fillRef>
+      <a:effectRef idx="0">
+        <a:scrgbClr r="0" g="0" b="0"/>
+      </a:effectRef>
+      <a:fontRef idx="minor">
+        <a:schemeClr val="lt1"/>
+      </a:fontRef>
+    </dgm:style>
+  </dgm:styleLbl>
+  <dgm:styleLbl name="asst2">
+    <dgm:scene3d>
+      <a:camera prst="orthographicFront"/>
+      <a:lightRig rig="chilly" dir="t"/>
+    </dgm:scene3d>
+    <dgm:sp3d prstMaterial="translucentPowder">
+      <a:bevelT w="127000" h="25400" prst="softRound"/>
+    </dgm:sp3d>
+    <dgm:txPr/>
+    <dgm:style>
+      <a:lnRef idx="0">
+        <a:scrgbClr r="0" g="0" b="0"/>
+      </a:lnRef>
+      <a:fillRef idx="1">
+        <a:scrgbClr r="0" g="0" b="0"/>
+      </a:fillRef>
+      <a:effectRef idx="0">
+        <a:scrgbClr r="0" g="0" b="0"/>
+      </a:effectRef>
+      <a:fontRef idx="minor">
+        <a:schemeClr val="lt1"/>
+      </a:fontRef>
+    </dgm:style>
+  </dgm:styleLbl>
+  <dgm:styleLbl name="asst3">
+    <dgm:scene3d>
+      <a:camera prst="orthographicFront"/>
+      <a:lightRig rig="chilly" dir="t"/>
+    </dgm:scene3d>
+    <dgm:sp3d prstMaterial="translucentPowder">
+      <a:bevelT w="127000" h="25400" prst="softRound"/>
+    </dgm:sp3d>
+    <dgm:txPr/>
+    <dgm:style>
+      <a:lnRef idx="0">
+        <a:scrgbClr r="0" g="0" b="0"/>
+      </a:lnRef>
+      <a:fillRef idx="1">
+        <a:scrgbClr r="0" g="0" b="0"/>
+      </a:fillRef>
+      <a:effectRef idx="0">
+        <a:scrgbClr r="0" g="0" b="0"/>
+      </a:effectRef>
+      <a:fontRef idx="minor">
+        <a:schemeClr val="lt1"/>
+      </a:fontRef>
+    </dgm:style>
+  </dgm:styleLbl>
+  <dgm:styleLbl name="parChTrans2D1">
+    <dgm:scene3d>
+      <a:camera prst="orthographicFront"/>
+      <a:lightRig rig="chilly" dir="t"/>
+    </dgm:scene3d>
+    <dgm:sp3d z="1700" extrusionH="1700" prstMaterial="translucentPowder">
+      <a:bevelT w="25400" h="6350" prst="softRound"/>
+      <a:bevelB w="0" h="0" prst="convex"/>
+    </dgm:sp3d>
+    <dgm:txPr/>
+    <dgm:style>
+      <a:lnRef idx="0">
+        <a:scrgbClr r="0" g="0" b="0"/>
+      </a:lnRef>
+      <a:fillRef idx="1">
+        <a:scrgbClr r="0" g="0" b="0"/>
+      </a:fillRef>
+      <a:effectRef idx="0">
+        <a:scrgbClr r="0" g="0" b="0"/>
+      </a:effectRef>
+      <a:fontRef idx="minor"/>
+    </dgm:style>
+  </dgm:styleLbl>
+  <dgm:styleLbl name="parChTrans2D2">
+    <dgm:scene3d>
+      <a:camera prst="orthographicFront"/>
+      <a:lightRig rig="chilly" dir="t"/>
+    </dgm:scene3d>
+    <dgm:sp3d z="1700" extrusionH="1700" prstMaterial="translucentPowder">
+      <a:bevelT w="25400" h="6350" prst="softRound"/>
+      <a:bevelB w="0" h="0" prst="convex"/>
+    </dgm:sp3d>
+    <dgm:txPr/>
+    <dgm:style>
+      <a:lnRef idx="0">
+        <a:scrgbClr r="0" g="0" b="0"/>
+      </a:lnRef>
+      <a:fillRef idx="1">
+        <a:scrgbClr r="0" g="0" b="0"/>
+      </a:fillRef>
+      <a:effectRef idx="0">
+        <a:scrgbClr r="0" g="0" b="0"/>
+      </a:effectRef>
+      <a:fontRef idx="minor"/>
+    </dgm:style>
+  </dgm:styleLbl>
+  <dgm:styleLbl name="parChTrans2D3">
+    <dgm:scene3d>
+      <a:camera prst="orthographicFront"/>
+      <a:lightRig rig="chilly" dir="t"/>
+    </dgm:scene3d>
+    <dgm:sp3d extrusionH="1700" prstMaterial="translucentPowder">
+      <a:bevelT w="25400" h="6350" prst="softRound"/>
+      <a:bevelB w="0" h="0" prst="convex"/>
+    </dgm:sp3d>
+    <dgm:txPr/>
+    <dgm:style>
+      <a:lnRef idx="0">
+        <a:scrgbClr r="0" g="0" b="0"/>
+      </a:lnRef>
+      <a:fillRef idx="1">
+        <a:scrgbClr r="0" g="0" b="0"/>
+      </a:fillRef>
+      <a:effectRef idx="0">
+        <a:scrgbClr r="0" g="0" b="0"/>
+      </a:effectRef>
+      <a:fontRef idx="minor"/>
+    </dgm:style>
+  </dgm:styleLbl>
+  <dgm:styleLbl name="parChTrans2D4">
+    <dgm:scene3d>
+      <a:camera prst="orthographicFront"/>
+      <a:lightRig rig="chilly" dir="t"/>
+    </dgm:scene3d>
+    <dgm:sp3d extrusionH="1700" prstMaterial="translucentPowder">
+      <a:bevelT w="25400" h="6350" prst="softRound"/>
+      <a:bevelB w="0" h="0" prst="convex"/>
+    </dgm:sp3d>
+    <dgm:txPr/>
+    <dgm:style>
+      <a:lnRef idx="0">
+        <a:scrgbClr r="0" g="0" b="0"/>
+      </a:lnRef>
+      <a:fillRef idx="1">
+        <a:scrgbClr r="0" g="0" b="0"/>
+      </a:fillRef>
+      <a:effectRef idx="0">
+        <a:scrgbClr r="0" g="0" b="0"/>
+      </a:effectRef>
+      <a:fontRef idx="minor"/>
+    </dgm:style>
+  </dgm:styleLbl>
+  <dgm:styleLbl name="parChTrans1D1">
+    <dgm:scene3d>
+      <a:camera prst="orthographicFront"/>
+      <a:lightRig rig="chilly" dir="t"/>
+    </dgm:scene3d>
+    <dgm:sp3d z="-40000" prstMaterial="matte"/>
+    <dgm:txPr/>
+    <dgm:style>
+      <a:lnRef idx="2">
+        <a:scrgbClr r="0" g="0" b="0"/>
+      </a:lnRef>
+      <a:fillRef idx="0">
+        <a:scrgbClr r="0" g="0" b="0"/>
+      </a:fillRef>
+      <a:effectRef idx="0">
+        <a:scrgbClr r="0" g="0" b="0"/>
+      </a:effectRef>
+      <a:fontRef idx="minor"/>
+    </dgm:style>
+  </dgm:styleLbl>
+  <dgm:styleLbl name="parChTrans1D2">
+    <dgm:scene3d>
+      <a:camera prst="orthographicFront"/>
+      <a:lightRig rig="threePt" dir="t"/>
+    </dgm:scene3d>
+    <dgm:sp3d z="-40000" prstMaterial="matte"/>
+    <dgm:txPr/>
+    <dgm:style>
+      <a:lnRef idx="2">
+        <a:scrgbClr r="0" g="0" b="0"/>
+      </a:lnRef>
+      <a:fillRef idx="0">
+        <a:scrgbClr r="0" g="0" b="0"/>
+      </a:fillRef>
+      <a:effectRef idx="0">
+        <a:scrgbClr r="0" g="0" b="0"/>
+      </a:effectRef>
+      <a:fontRef idx="minor"/>
+    </dgm:style>
+  </dgm:styleLbl>
+  <dgm:styleLbl name="parChTrans1D3">
+    <dgm:scene3d>
+      <a:camera prst="orthographicFront"/>
+      <a:lightRig rig="chilly" dir="t"/>
+    </dgm:scene3d>
+    <dgm:sp3d z="-40000" prstMaterial="matte"/>
+    <dgm:txPr/>
+    <dgm:style>
+      <a:lnRef idx="2">
+        <a:scrgbClr r="0" g="0" b="0"/>
+      </a:lnRef>
+      <a:fillRef idx="0">
+        <a:scrgbClr r="0" g="0" b="0"/>
+      </a:fillRef>
+      <a:effectRef idx="0">
+        <a:scrgbClr r="0" g="0" b="0"/>
+      </a:effectRef>
+      <a:fontRef idx="minor"/>
+    </dgm:style>
+  </dgm:styleLbl>
+  <dgm:styleLbl name="parChTrans1D4">
+    <dgm:scene3d>
+      <a:camera prst="orthographicFront"/>
+      <a:lightRig rig="chilly" dir="t"/>
+    </dgm:scene3d>
+    <dgm:sp3d z="-40000" prstMaterial="matte"/>
+    <dgm:txPr/>
+    <dgm:style>
+      <a:lnRef idx="2">
+        <a:scrgbClr r="0" g="0" b="0"/>
+      </a:lnRef>
+      <a:fillRef idx="0">
+        <a:scrgbClr r="0" g="0" b="0"/>
+      </a:fillRef>
+      <a:effectRef idx="0">
+        <a:scrgbClr r="0" g="0" b="0"/>
+      </a:effectRef>
+      <a:fontRef idx="minor"/>
+    </dgm:style>
+  </dgm:styleLbl>
+  <dgm:styleLbl name="fgAcc1">
+    <dgm:scene3d>
+      <a:camera prst="orthographicFront"/>
+      <a:lightRig rig="chilly" dir="t"/>
+    </dgm:scene3d>
+    <dgm:sp3d z="12700" extrusionH="1700" prstMaterial="dkEdge">
+      <a:bevelT w="25400" h="6350" prst="softRound"/>
+      <a:bevelB w="0" h="0" prst="convex"/>
+    </dgm:sp3d>
+    <dgm:txPr/>
+    <dgm:style>
+      <a:lnRef idx="1">
+        <a:scrgbClr r="0" g="0" b="0"/>
+      </a:lnRef>
+      <a:fillRef idx="1">
+        <a:scrgbClr r="0" g="0" b="0"/>
+      </a:fillRef>
+      <a:effectRef idx="0">
+        <a:scrgbClr r="0" g="0" b="0"/>
+      </a:effectRef>
+      <a:fontRef idx="minor"/>
+    </dgm:style>
+  </dgm:styleLbl>
+  <dgm:styleLbl name="conFgAcc1">
+    <dgm:scene3d>
+      <a:camera prst="orthographicFront"/>
+      <a:lightRig rig="chilly" dir="t"/>
+    </dgm:scene3d>
+    <dgm:sp3d z="12700" extrusionH="1700" prstMaterial="dkEdge">
+      <a:bevelT w="25400" h="6350" prst="softRound"/>
+      <a:bevelB w="0" h="0" prst="convex"/>
+    </dgm:sp3d>
+    <dgm:txPr/>
+    <dgm:style>
+      <a:lnRef idx="1">
+        <a:scrgbClr r="0" g="0" b="0"/>
+      </a:lnRef>
+      <a:fillRef idx="1">
+        <a:scrgbClr r="0" g="0" b="0"/>
+      </a:fillRef>
+      <a:effectRef idx="0">
+        <a:scrgbClr r="0" g="0" b="0"/>
+      </a:effectRef>
+      <a:fontRef idx="minor"/>
+    </dgm:style>
+  </dgm:styleLbl>
+  <dgm:styleLbl name="alignAcc1">
+    <dgm:scene3d>
+      <a:camera prst="orthographicFront"/>
+      <a:lightRig rig="chilly" dir="t"/>
+    </dgm:scene3d>
+    <dgm:sp3d prstMaterial="dkEdge">
+      <a:bevelT w="25400" h="6350" prst="softRound"/>
+      <a:bevelB w="0" h="0" prst="convex"/>
+    </dgm:sp3d>
+    <dgm:txPr/>
+    <dgm:style>
+      <a:lnRef idx="1">
+        <a:scrgbClr r="0" g="0" b="0"/>
+      </a:lnRef>
+      <a:fillRef idx="1">
+        <a:scrgbClr r="0" g="0" b="0"/>
+      </a:fillRef>
+      <a:effectRef idx="0">
+        <a:scrgbClr r="0" g="0" b="0"/>
+      </a:effectRef>
+      <a:fontRef idx="minor"/>
+    </dgm:style>
+  </dgm:styleLbl>
+  <dgm:styleLbl name="trAlignAcc1">
+    <dgm:scene3d>
+      <a:camera prst="orthographicFront"/>
+      <a:lightRig rig="chilly" dir="t"/>
+    </dgm:scene3d>
+    <dgm:sp3d prstMaterial="dkEdge">
+      <a:bevelT w="127000" h="25400"/>
+    </dgm:sp3d>
+    <dgm:txPr/>
+    <dgm:style>
+      <a:lnRef idx="1">
+        <a:scrgbClr r="0" g="0" b="0"/>
+      </a:lnRef>
+      <a:fillRef idx="1">
+        <a:scrgbClr r="0" g="0" b="0"/>
+      </a:fillRef>
+      <a:effectRef idx="0">
+        <a:scrgbClr r="0" g="0" b="0"/>
+      </a:effectRef>
+      <a:fontRef idx="minor">
+        <a:schemeClr val="lt1"/>
+      </a:fontRef>
+    </dgm:style>
+  </dgm:styleLbl>
+  <dgm:styleLbl name="bgAcc1">
+    <dgm:scene3d>
+      <a:camera prst="orthographicFront"/>
+      <a:lightRig rig="chilly" dir="t"/>
+    </dgm:scene3d>
+    <dgm:sp3d z="-12700" extrusionH="1700" prstMaterial="dkEdge">
+      <a:bevelT w="25400" h="6350" prst="softRound"/>
+      <a:bevelB w="0" h="0" prst="convex"/>
+    </dgm:sp3d>
+    <dgm:txPr/>
+    <dgm:style>
+      <a:lnRef idx="1">
+        <a:scrgbClr r="0" g="0" b="0"/>
+      </a:lnRef>
+      <a:fillRef idx="1">
+        <a:scrgbClr r="0" g="0" b="0"/>
+      </a:fillRef>
+      <a:effectRef idx="0">
+        <a:scrgbClr r="0" g="0" b="0"/>
+      </a:effectRef>
+      <a:fontRef idx="minor"/>
+    </dgm:style>
+  </dgm:styleLbl>
+  <dgm:styleLbl name="solidFgAcc1">
+    <dgm:scene3d>
+      <a:camera prst="orthographicFront"/>
+      <a:lightRig rig="chilly" dir="t"/>
+    </dgm:scene3d>
+    <dgm:sp3d z="12700" extrusionH="1700" prstMaterial="dkEdge">
+      <a:bevelT w="25400" h="6350" prst="softRound"/>
+      <a:bevelB w="0" h="0" prst="convex"/>
+    </dgm:sp3d>
+    <dgm:txPr/>
+    <dgm:style>
+      <a:lnRef idx="1">
+        <a:scrgbClr r="0" g="0" b="0"/>
+      </a:lnRef>
+      <a:fillRef idx="1">
+        <a:scrgbClr r="0" g="0" b="0"/>
+      </a:fillRef>
+      <a:effectRef idx="0">
+        <a:scrgbClr r="0" g="0" b="0"/>
+      </a:effectRef>
+      <a:fontRef idx="minor"/>
+    </dgm:style>
+  </dgm:styleLbl>
+  <dgm:styleLbl name="solidAlignAcc1">
+    <dgm:scene3d>
+      <a:camera prst="orthographicFront"/>
+      <a:lightRig rig="chilly" dir="t"/>
+    </dgm:scene3d>
+    <dgm:sp3d extrusionH="1700" prstMaterial="dkEdge">
+      <a:bevelT w="25400" h="6350" prst="softRound"/>
+      <a:bevelB w="0" h="0" prst="convex"/>
+    </dgm:sp3d>
+    <dgm:txPr/>
+    <dgm:style>
+      <a:lnRef idx="1">
+        <a:scrgbClr r="0" g="0" b="0"/>
+      </a:lnRef>
+      <a:fillRef idx="1">
+        <a:scrgbClr r="0" g="0" b="0"/>
+      </a:fillRef>
+      <a:effectRef idx="0">
+        <a:scrgbClr r="0" g="0" b="0"/>
+      </a:effectRef>
+      <a:fontRef idx="minor"/>
+    </dgm:style>
+  </dgm:styleLbl>
+  <dgm:styleLbl name="solidBgAcc1">
+    <dgm:scene3d>
+      <a:camera prst="orthographicFront"/>
+      <a:lightRig rig="chilly" dir="t"/>
+    </dgm:scene3d>
+    <dgm:sp3d z="-12700" extrusionH="1700" prstMaterial="dkEdge">
+      <a:bevelT w="25400" h="6350" prst="softRound"/>
+      <a:bevelB w="0" h="0" prst="convex"/>
+    </dgm:sp3d>
+    <dgm:txPr/>
+    <dgm:style>
+      <a:lnRef idx="1">
+        <a:scrgbClr r="0" g="0" b="0"/>
+      </a:lnRef>
+      <a:fillRef idx="1">
+        <a:scrgbClr r="0" g="0" b="0"/>
+      </a:fillRef>
+      <a:effectRef idx="0">
+        <a:scrgbClr r="0" g="0" b="0"/>
+      </a:effectRef>
+      <a:fontRef idx="minor"/>
+    </dgm:style>
+  </dgm:styleLbl>
+  <dgm:styleLbl name="fgAccFollowNode1">
+    <dgm:scene3d>
+      <a:camera prst="orthographicFront"/>
+      <a:lightRig rig="chilly" dir="t"/>
+    </dgm:scene3d>
+    <dgm:sp3d z="12700" extrusionH="1700" prstMaterial="dkEdge">
+      <a:bevelT w="25400" h="6350" prst="softRound"/>
+      <a:bevelB w="0" h="0" prst="convex"/>
+    </dgm:sp3d>
+    <dgm:txPr/>
+    <dgm:style>
+      <a:lnRef idx="1">
+        <a:scrgbClr r="0" g="0" b="0"/>
+      </a:lnRef>
+      <a:fillRef idx="1">
+        <a:scrgbClr r="0" g="0" b="0"/>
+      </a:fillRef>
+      <a:effectRef idx="0">
+        <a:scrgbClr r="0" g="0" b="0"/>
+      </a:effectRef>
+      <a:fontRef idx="minor"/>
+    </dgm:style>
+  </dgm:styleLbl>
+  <dgm:styleLbl name="alignAccFollowNode1">
+    <dgm:scene3d>
+      <a:camera prst="orthographicFront"/>
+      <a:lightRig rig="chilly" dir="t"/>
+    </dgm:scene3d>
+    <dgm:sp3d extrusionH="1700" prstMaterial="dkEdge">
+      <a:bevelT w="25400" h="6350" prst="softRound"/>
+      <a:bevelB w="0" h="0" prst="convex"/>
+    </dgm:sp3d>
+    <dgm:txPr/>
+    <dgm:style>
+      <a:lnRef idx="1">
+        <a:scrgbClr r="0" g="0" b="0"/>
+      </a:lnRef>
+      <a:fillRef idx="1">
+        <a:scrgbClr r="0" g="0" b="0"/>
+      </a:fillRef>
+      <a:effectRef idx="0">
+        <a:scrgbClr r="0" g="0" b="0"/>
+      </a:effectRef>
+      <a:fontRef idx="minor"/>
+    </dgm:style>
+  </dgm:styleLbl>
+  <dgm:styleLbl name="bgAccFollowNode1">
+    <dgm:scene3d>
+      <a:camera prst="orthographicFront"/>
+      <a:lightRig rig="chilly" dir="t"/>
+    </dgm:scene3d>
+    <dgm:sp3d z="-12700" extrusionH="1700" prstMaterial="dkEdge">
+      <a:bevelT w="25400" h="6350" prst="softRound"/>
+      <a:bevelB w="0" h="0" prst="convex"/>
+    </dgm:sp3d>
+    <dgm:txPr/>
+    <dgm:style>
+      <a:lnRef idx="1">
+        <a:scrgbClr r="0" g="0" b="0"/>
+      </a:lnRef>
+      <a:fillRef idx="1">
+        <a:scrgbClr r="0" g="0" b="0"/>
+      </a:fillRef>
+      <a:effectRef idx="0">
+        <a:scrgbClr r="0" g="0" b="0"/>
+      </a:effectRef>
+      <a:fontRef idx="minor"/>
+    </dgm:style>
+  </dgm:styleLbl>
+  <dgm:styleLbl name="fgAcc0">
+    <dgm:scene3d>
+      <a:camera prst="orthographicFront"/>
+      <a:lightRig rig="chilly" dir="t"/>
+    </dgm:scene3d>
+    <dgm:sp3d z="12700" extrusionH="1700" prstMaterial="dkEdge">
+      <a:bevelT w="25400" h="6350" prst="softRound"/>
+      <a:bevelB w="0" h="0" prst="convex"/>
+    </dgm:sp3d>
+    <dgm:txPr/>
+    <dgm:style>
+      <a:lnRef idx="1">
+        <a:scrgbClr r="0" g="0" b="0"/>
+      </a:lnRef>
+      <a:fillRef idx="1">
+        <a:scrgbClr r="0" g="0" b="0"/>
+      </a:fillRef>
+      <a:effectRef idx="0">
+        <a:scrgbClr r="0" g="0" b="0"/>
+      </a:effectRef>
+      <a:fontRef idx="minor"/>
+    </dgm:style>
+  </dgm:styleLbl>
+  <dgm:styleLbl name="fgAcc2">
+    <dgm:scene3d>
+      <a:camera prst="orthographicFront"/>
+      <a:lightRig rig="chilly" dir="t"/>
+    </dgm:scene3d>
+    <dgm:sp3d z="12700" extrusionH="1700" prstMaterial="dkEdge">
+      <a:bevelT w="25400" h="6350" prst="softRound"/>
+      <a:bevelB w="0" h="0" prst="convex"/>
+    </dgm:sp3d>
+    <dgm:txPr/>
+    <dgm:style>
+      <a:lnRef idx="1">
+        <a:scrgbClr r="0" g="0" b="0"/>
+      </a:lnRef>
+      <a:fillRef idx="1">
+        <a:scrgbClr r="0" g="0" b="0"/>
+      </a:fillRef>
+      <a:effectRef idx="0">
+        <a:scrgbClr r="0" g="0" b="0"/>
+      </a:effectRef>
+      <a:fontRef idx="minor"/>
+    </dgm:style>
+  </dgm:styleLbl>
+  <dgm:styleLbl name="fgAcc3">
+    <dgm:scene3d>
+      <a:camera prst="orthographicFront"/>
+      <a:lightRig rig="chilly" dir="t"/>
+    </dgm:scene3d>
+    <dgm:sp3d z="12700" extrusionH="1700" prstMaterial="dkEdge">
+      <a:bevelT w="25400" h="6350" prst="softRound"/>
+      <a:bevelB w="0" h="0" prst="convex"/>
+    </dgm:sp3d>
+    <dgm:txPr/>
+    <dgm:style>
+      <a:lnRef idx="1">
+        <a:scrgbClr r="0" g="0" b="0"/>
+      </a:lnRef>
+      <a:fillRef idx="1">
+        <a:scrgbClr r="0" g="0" b="0"/>
+      </a:fillRef>
+      <a:effectRef idx="0">
+        <a:scrgbClr r="0" g="0" b="0"/>
+      </a:effectRef>
+      <a:fontRef idx="minor"/>
+    </dgm:style>
+  </dgm:styleLbl>
+  <dgm:styleLbl name="fgAcc4">
+    <dgm:scene3d>
+      <a:camera prst="orthographicFront"/>
+      <a:lightRig rig="chilly" dir="t"/>
+    </dgm:scene3d>
+    <dgm:sp3d z="12700" extrusionH="1700" prstMaterial="dkEdge">
+      <a:bevelT w="25400" h="6350" prst="softRound"/>
+      <a:bevelB w="0" h="0" prst="convex"/>
+    </dgm:sp3d>
+    <dgm:txPr/>
+    <dgm:style>
+      <a:lnRef idx="1">
+        <a:scrgbClr r="0" g="0" b="0"/>
+      </a:lnRef>
+      <a:fillRef idx="1">
+        <a:scrgbClr r="0" g="0" b="0"/>
+      </a:fillRef>
+      <a:effectRef idx="0">
+        <a:scrgbClr r="0" g="0" b="0"/>
+      </a:effectRef>
+      <a:fontRef idx="minor"/>
+    </dgm:style>
+  </dgm:styleLbl>
+  <dgm:styleLbl name="bgShp">
+    <dgm:scene3d>
+      <a:camera prst="orthographicFront"/>
+      <a:lightRig rig="chilly" dir="t"/>
+    </dgm:scene3d>
+    <dgm:sp3d z="-12700" extrusionH="1700" prstMaterial="translucentPowder">
+      <a:bevelT w="25400" h="6350" prst="softRound"/>
+      <a:bevelB w="0" h="0" prst="convex"/>
+    </dgm:sp3d>
+    <dgm:txPr/>
+    <dgm:style>
+      <a:lnRef idx="0">
+        <a:scrgbClr r="0" g="0" b="0"/>
+      </a:lnRef>
+      <a:fillRef idx="1">
+        <a:scrgbClr r="0" g="0" b="0"/>
+      </a:fillRef>
+      <a:effectRef idx="0">
+        <a:scrgbClr r="0" g="0" b="0"/>
+      </a:effectRef>
+      <a:fontRef idx="minor"/>
+    </dgm:style>
+  </dgm:styleLbl>
+  <dgm:styleLbl name="dkBgShp">
+    <dgm:scene3d>
+      <a:camera prst="orthographicFront"/>
+      <a:lightRig rig="chilly" dir="t"/>
+    </dgm:scene3d>
+    <dgm:sp3d extrusionH="1700" prstMaterial="translucentPowder">
+      <a:bevelT w="25400" h="6350" prst="softRound"/>
+      <a:bevelB w="0" h="0" prst="convex"/>
+    </dgm:sp3d>
+    <dgm:txPr/>
+    <dgm:style>
+      <a:lnRef idx="0">
+        <a:scrgbClr r="0" g="0" b="0"/>
+      </a:lnRef>
+      <a:fillRef idx="1">
+        <a:scrgbClr r="0" g="0" b="0"/>
+      </a:fillRef>
+      <a:effectRef idx="0">
+        <a:scrgbClr r="0" g="0" b="0"/>
+      </a:effectRef>
+      <a:fontRef idx="minor"/>
+    </dgm:style>
+  </dgm:styleLbl>
+  <dgm:styleLbl name="trBgShp">
+    <dgm:scene3d>
+      <a:camera prst="orthographicFront"/>
+      <a:lightRig rig="chilly" dir="t"/>
+    </dgm:scene3d>
+    <dgm:sp3d z="-152400" prstMaterial="matte"/>
+    <dgm:txPr/>
+    <dgm:style>
+      <a:lnRef idx="0">
+        <a:scrgbClr r="0" g="0" b="0"/>
+      </a:lnRef>
+      <a:fillRef idx="1">
+        <a:scrgbClr r="0" g="0" b="0"/>
+      </a:fillRef>
+      <a:effectRef idx="0">
+        <a:scrgbClr r="0" g="0" b="0"/>
+      </a:effectRef>
+      <a:fontRef idx="minor"/>
+    </dgm:style>
+  </dgm:styleLbl>
+  <dgm:styleLbl name="fgShp">
+    <dgm:scene3d>
+      <a:camera prst="orthographicFront"/>
+      <a:lightRig rig="chilly" dir="t"/>
+    </dgm:scene3d>
+    <dgm:sp3d z="12700" extrusionH="1700" prstMaterial="translucentPowder">
+      <a:bevelT w="25400" h="6350" prst="softRound"/>
+      <a:bevelB w="0" h="0" prst="convex"/>
+    </dgm:sp3d>
+    <dgm:txPr/>
+    <dgm:style>
+      <a:lnRef idx="0">
+        <a:scrgbClr r="0" g="0" b="0"/>
+      </a:lnRef>
+      <a:fillRef idx="1">
+        <a:scrgbClr r="0" g="0" b="0"/>
+      </a:fillRef>
+      <a:effectRef idx="0">
+        <a:scrgbClr r="0" g="0" b="0"/>
+      </a:effectRef>
+      <a:fontRef idx="minor"/>
+    </dgm:style>
+  </dgm:styleLbl>
+  <dgm:styleLbl name="revTx">
+    <dgm:scene3d>
+      <a:camera prst="orthographicFront"/>
+      <a:lightRig rig="threePt" dir="t"/>
+    </dgm:scene3d>
+    <dgm:sp3d/>
+    <dgm:txPr/>
+    <dgm:style>
+      <a:lnRef idx="0">
+        <a:scrgbClr r="0" g="0" b="0"/>
+      </a:lnRef>
+      <a:fillRef idx="0">
+        <a:scrgbClr r="0" g="0" b="0"/>
+      </a:fillRef>
+      <a:effectRef idx="0">
+        <a:scrgbClr r="0" g="0" b="0"/>
+      </a:effectRef>
+      <a:fontRef idx="minor"/>
+    </dgm:style>
+  </dgm:styleLbl>
+</dgm:styleDef>
+</file>
+
 <file path=ppt/notesMasters/notesMaster1.xml><?xml version="1.0" encoding="utf-8"?>
 <p:notesMaster xmlns:a="http://schemas.openxmlformats.org/drawingml/2006/main" xmlns:r="http://schemas.openxmlformats.org/officeDocument/2006/relationships" xmlns:p="http://schemas.openxmlformats.org/presentationml/2006/main">
   <p:cSld>
@@ -217,7 +6038,7 @@
           <a:p>
             <a:fld id="{D515EBE6-0A26-43A6-9FF4-FB5C6BB1C0F6}" type="datetimeFigureOut">
               <a:rPr kumimoji="1" lang="ja-JP" altLang="en-US" smtClean="0"/>
-              <a:t>2021/2/1</a:t>
+              <a:t>2021/2/2</a:t>
             </a:fld>
             <a:endParaRPr kumimoji="1" lang="ja-JP" altLang="en-US"/>
           </a:p>
@@ -634,7 +6455,7 @@
           <a:p>
             <a:fld id="{D5C66E27-E349-4810-A52A-09E24504101A}" type="datetimeFigureOut">
               <a:rPr kumimoji="1" lang="ja-JP" altLang="en-US" smtClean="0"/>
-              <a:t>2021/2/1</a:t>
+              <a:t>2021/2/2</a:t>
             </a:fld>
             <a:endParaRPr kumimoji="1" lang="ja-JP" altLang="en-US"/>
           </a:p>
@@ -834,7 +6655,7 @@
           <a:p>
             <a:fld id="{D5C66E27-E349-4810-A52A-09E24504101A}" type="datetimeFigureOut">
               <a:rPr kumimoji="1" lang="ja-JP" altLang="en-US" smtClean="0"/>
-              <a:t>2021/2/1</a:t>
+              <a:t>2021/2/2</a:t>
             </a:fld>
             <a:endParaRPr kumimoji="1" lang="ja-JP" altLang="en-US"/>
           </a:p>
@@ -1044,7 +6865,7 @@
           <a:p>
             <a:fld id="{D5C66E27-E349-4810-A52A-09E24504101A}" type="datetimeFigureOut">
               <a:rPr kumimoji="1" lang="ja-JP" altLang="en-US" smtClean="0"/>
-              <a:t>2021/2/1</a:t>
+              <a:t>2021/2/2</a:t>
             </a:fld>
             <a:endParaRPr kumimoji="1" lang="ja-JP" altLang="en-US"/>
           </a:p>
@@ -1244,7 +7065,7 @@
           <a:p>
             <a:fld id="{D5C66E27-E349-4810-A52A-09E24504101A}" type="datetimeFigureOut">
               <a:rPr kumimoji="1" lang="ja-JP" altLang="en-US" smtClean="0"/>
-              <a:t>2021/2/1</a:t>
+              <a:t>2021/2/2</a:t>
             </a:fld>
             <a:endParaRPr kumimoji="1" lang="ja-JP" altLang="en-US"/>
           </a:p>
@@ -1520,7 +7341,7 @@
           <a:p>
             <a:fld id="{D5C66E27-E349-4810-A52A-09E24504101A}" type="datetimeFigureOut">
               <a:rPr kumimoji="1" lang="ja-JP" altLang="en-US" smtClean="0"/>
-              <a:t>2021/2/1</a:t>
+              <a:t>2021/2/2</a:t>
             </a:fld>
             <a:endParaRPr kumimoji="1" lang="ja-JP" altLang="en-US"/>
           </a:p>
@@ -1788,7 +7609,7 @@
           <a:p>
             <a:fld id="{D5C66E27-E349-4810-A52A-09E24504101A}" type="datetimeFigureOut">
               <a:rPr kumimoji="1" lang="ja-JP" altLang="en-US" smtClean="0"/>
-              <a:t>2021/2/1</a:t>
+              <a:t>2021/2/2</a:t>
             </a:fld>
             <a:endParaRPr kumimoji="1" lang="ja-JP" altLang="en-US"/>
           </a:p>
@@ -2203,7 +8024,7 @@
           <a:p>
             <a:fld id="{D5C66E27-E349-4810-A52A-09E24504101A}" type="datetimeFigureOut">
               <a:rPr kumimoji="1" lang="ja-JP" altLang="en-US" smtClean="0"/>
-              <a:t>2021/2/1</a:t>
+              <a:t>2021/2/2</a:t>
             </a:fld>
             <a:endParaRPr kumimoji="1" lang="ja-JP" altLang="en-US"/>
           </a:p>
@@ -2345,7 +8166,7 @@
           <a:p>
             <a:fld id="{D5C66E27-E349-4810-A52A-09E24504101A}" type="datetimeFigureOut">
               <a:rPr kumimoji="1" lang="ja-JP" altLang="en-US" smtClean="0"/>
-              <a:t>2021/2/1</a:t>
+              <a:t>2021/2/2</a:t>
             </a:fld>
             <a:endParaRPr kumimoji="1" lang="ja-JP" altLang="en-US"/>
           </a:p>
@@ -2458,7 +8279,7 @@
           <a:p>
             <a:fld id="{D5C66E27-E349-4810-A52A-09E24504101A}" type="datetimeFigureOut">
               <a:rPr kumimoji="1" lang="ja-JP" altLang="en-US" smtClean="0"/>
-              <a:t>2021/2/1</a:t>
+              <a:t>2021/2/2</a:t>
             </a:fld>
             <a:endParaRPr kumimoji="1" lang="ja-JP" altLang="en-US"/>
           </a:p>
@@ -2771,7 +8592,7 @@
           <a:p>
             <a:fld id="{D5C66E27-E349-4810-A52A-09E24504101A}" type="datetimeFigureOut">
               <a:rPr kumimoji="1" lang="ja-JP" altLang="en-US" smtClean="0"/>
-              <a:t>2021/2/1</a:t>
+              <a:t>2021/2/2</a:t>
             </a:fld>
             <a:endParaRPr kumimoji="1" lang="ja-JP" altLang="en-US"/>
           </a:p>
@@ -3060,7 +8881,7 @@
           <a:p>
             <a:fld id="{D5C66E27-E349-4810-A52A-09E24504101A}" type="datetimeFigureOut">
               <a:rPr kumimoji="1" lang="ja-JP" altLang="en-US" smtClean="0"/>
-              <a:t>2021/2/1</a:t>
+              <a:t>2021/2/2</a:t>
             </a:fld>
             <a:endParaRPr kumimoji="1" lang="ja-JP" altLang="en-US"/>
           </a:p>
@@ -3303,7 +9124,7 @@
           <a:p>
             <a:fld id="{D5C66E27-E349-4810-A52A-09E24504101A}" type="datetimeFigureOut">
               <a:rPr kumimoji="1" lang="ja-JP" altLang="en-US" smtClean="0"/>
-              <a:t>2021/2/1</a:t>
+              <a:t>2021/2/2</a:t>
             </a:fld>
             <a:endParaRPr kumimoji="1" lang="ja-JP" altLang="en-US"/>
           </a:p>
@@ -24319,6 +30140,99 @@
     <p:extLst>
       <p:ext uri="{BB962C8B-B14F-4D97-AF65-F5344CB8AC3E}">
         <p14:creationId xmlns:p14="http://schemas.microsoft.com/office/powerpoint/2010/main" val="2506530006"/>
+      </p:ext>
+    </p:extLst>
+  </p:cSld>
+  <p:clrMapOvr>
+    <a:masterClrMapping/>
+  </p:clrMapOvr>
+</p:sld>
+</file>
+
+<file path=ppt/slides/slide22.xml><?xml version="1.0" encoding="utf-8"?>
+<p:sld xmlns:a="http://schemas.openxmlformats.org/drawingml/2006/main" xmlns:r="http://schemas.openxmlformats.org/officeDocument/2006/relationships" xmlns:p="http://schemas.openxmlformats.org/presentationml/2006/main">
+  <p:cSld>
+    <p:spTree>
+      <p:nvGrpSpPr>
+        <p:cNvPr id="1" name=""/>
+        <p:cNvGrpSpPr/>
+        <p:nvPr/>
+      </p:nvGrpSpPr>
+      <p:grpSpPr>
+        <a:xfrm>
+          <a:off x="0" y="0"/>
+          <a:ext cx="0" cy="0"/>
+          <a:chOff x="0" y="0"/>
+          <a:chExt cx="0" cy="0"/>
+        </a:xfrm>
+      </p:grpSpPr>
+      <p:pic>
+        <p:nvPicPr>
+          <p:cNvPr id="5" name="Content Placeholder 4" descr="Diagram&#10;&#10;Description automatically generated">
+            <a:extLst>
+              <a:ext uri="{FF2B5EF4-FFF2-40B4-BE49-F238E27FC236}">
+                <a16:creationId xmlns:a16="http://schemas.microsoft.com/office/drawing/2014/main" id="{D6A90F9A-2A37-4F69-AECD-9FEA88DBC0EE}"/>
+              </a:ext>
+            </a:extLst>
+          </p:cNvPr>
+          <p:cNvPicPr>
+            <a:picLocks noGrp="1" noChangeAspect="1"/>
+          </p:cNvPicPr>
+          <p:nvPr>
+            <p:ph idx="1"/>
+          </p:nvPr>
+        </p:nvPicPr>
+        <p:blipFill>
+          <a:blip r:embed="rId2">
+            <a:extLst>
+              <a:ext uri="{28A0092B-C50C-407E-A947-70E740481C1C}">
+                <a14:useLocalDpi xmlns:a14="http://schemas.microsoft.com/office/drawing/2010/main" val="0"/>
+              </a:ext>
+            </a:extLst>
+          </a:blip>
+          <a:stretch>
+            <a:fillRect/>
+          </a:stretch>
+        </p:blipFill>
+        <p:spPr>
+          <a:xfrm>
+            <a:off x="333945" y="414534"/>
+            <a:ext cx="4957902" cy="1602143"/>
+          </a:xfrm>
+        </p:spPr>
+      </p:pic>
+      <p:graphicFrame>
+        <p:nvGraphicFramePr>
+          <p:cNvPr id="6" name="Diagram 5">
+            <a:extLst>
+              <a:ext uri="{FF2B5EF4-FFF2-40B4-BE49-F238E27FC236}">
+                <a16:creationId xmlns:a16="http://schemas.microsoft.com/office/drawing/2014/main" id="{CE331A63-00B4-46F8-B356-75AC36FA9BD1}"/>
+              </a:ext>
+            </a:extLst>
+          </p:cNvPr>
+          <p:cNvGraphicFramePr/>
+          <p:nvPr>
+            <p:extLst>
+              <p:ext uri="{D42A27DB-BD31-4B8C-83A1-F6EECF244321}">
+                <p14:modId xmlns:p14="http://schemas.microsoft.com/office/powerpoint/2010/main" val="1806382117"/>
+              </p:ext>
+            </p:extLst>
+          </p:nvPr>
+        </p:nvGraphicFramePr>
+        <p:xfrm>
+          <a:off x="2147409" y="1376613"/>
+          <a:ext cx="8115178" cy="4891021"/>
+        </p:xfrm>
+        <a:graphic>
+          <a:graphicData uri="http://schemas.openxmlformats.org/drawingml/2006/diagram">
+            <dgm:relIds xmlns:dgm="http://schemas.openxmlformats.org/drawingml/2006/diagram" xmlns:r="http://schemas.openxmlformats.org/officeDocument/2006/relationships" r:dm="rId3" r:lo="rId4" r:qs="rId5" r:cs="rId6"/>
+          </a:graphicData>
+        </a:graphic>
+      </p:graphicFrame>
+    </p:spTree>
+    <p:extLst>
+      <p:ext uri="{BB962C8B-B14F-4D97-AF65-F5344CB8AC3E}">
+        <p14:creationId xmlns:p14="http://schemas.microsoft.com/office/powerpoint/2010/main" val="2025612088"/>
       </p:ext>
     </p:extLst>
   </p:cSld>
